--- a/docs and vid/PROJECT.pptx
+++ b/docs and vid/PROJECT.pptx
@@ -7,16 +7,15 @@
   <p:sldIdLst>
     <p:sldId id="256" r:id="rId2"/>
     <p:sldId id="257" r:id="rId3"/>
-    <p:sldId id="258" r:id="rId4"/>
-    <p:sldId id="259" r:id="rId5"/>
-    <p:sldId id="260" r:id="rId6"/>
-    <p:sldId id="261" r:id="rId7"/>
-    <p:sldId id="262" r:id="rId8"/>
-    <p:sldId id="263" r:id="rId9"/>
-    <p:sldId id="264" r:id="rId10"/>
-    <p:sldId id="267" r:id="rId11"/>
-    <p:sldId id="265" r:id="rId12"/>
-    <p:sldId id="266" r:id="rId13"/>
+    <p:sldId id="268" r:id="rId4"/>
+    <p:sldId id="269" r:id="rId5"/>
+    <p:sldId id="273" r:id="rId6"/>
+    <p:sldId id="275" r:id="rId7"/>
+    <p:sldId id="258" r:id="rId8"/>
+    <p:sldId id="259" r:id="rId9"/>
+    <p:sldId id="261" r:id="rId10"/>
+    <p:sldId id="263" r:id="rId11"/>
+    <p:sldId id="267" r:id="rId12"/>
   </p:sldIdLst>
   <p:sldSz cx="12192000" cy="6858000"/>
   <p:notesSz cx="6858000" cy="9144000"/>
@@ -254,7 +253,7 @@
           <a:p>
             <a:fld id="{D677B37A-14F8-494E-9063-6E053A950412}" type="datetimeFigureOut">
               <a:rPr lang="en-US" smtClean="0"/>
-              <a:t>1/6/2026</a:t>
+              <a:t>1/7/2026</a:t>
             </a:fld>
             <a:endParaRPr lang="en-US"/>
           </a:p>
@@ -424,7 +423,7 @@
           <a:p>
             <a:fld id="{D677B37A-14F8-494E-9063-6E053A950412}" type="datetimeFigureOut">
               <a:rPr lang="en-US" smtClean="0"/>
-              <a:t>1/6/2026</a:t>
+              <a:t>1/7/2026</a:t>
             </a:fld>
             <a:endParaRPr lang="en-US"/>
           </a:p>
@@ -604,7 +603,7 @@
           <a:p>
             <a:fld id="{D677B37A-14F8-494E-9063-6E053A950412}" type="datetimeFigureOut">
               <a:rPr lang="en-US" smtClean="0"/>
-              <a:t>1/6/2026</a:t>
+              <a:t>1/7/2026</a:t>
             </a:fld>
             <a:endParaRPr lang="en-US"/>
           </a:p>
@@ -774,7 +773,7 @@
           <a:p>
             <a:fld id="{D677B37A-14F8-494E-9063-6E053A950412}" type="datetimeFigureOut">
               <a:rPr lang="en-US" smtClean="0"/>
-              <a:t>1/6/2026</a:t>
+              <a:t>1/7/2026</a:t>
             </a:fld>
             <a:endParaRPr lang="en-US"/>
           </a:p>
@@ -1020,7 +1019,7 @@
           <a:p>
             <a:fld id="{D677B37A-14F8-494E-9063-6E053A950412}" type="datetimeFigureOut">
               <a:rPr lang="en-US" smtClean="0"/>
-              <a:t>1/6/2026</a:t>
+              <a:t>1/7/2026</a:t>
             </a:fld>
             <a:endParaRPr lang="en-US"/>
           </a:p>
@@ -1252,7 +1251,7 @@
           <a:p>
             <a:fld id="{D677B37A-14F8-494E-9063-6E053A950412}" type="datetimeFigureOut">
               <a:rPr lang="en-US" smtClean="0"/>
-              <a:t>1/6/2026</a:t>
+              <a:t>1/7/2026</a:t>
             </a:fld>
             <a:endParaRPr lang="en-US"/>
           </a:p>
@@ -1619,7 +1618,7 @@
           <a:p>
             <a:fld id="{D677B37A-14F8-494E-9063-6E053A950412}" type="datetimeFigureOut">
               <a:rPr lang="en-US" smtClean="0"/>
-              <a:t>1/6/2026</a:t>
+              <a:t>1/7/2026</a:t>
             </a:fld>
             <a:endParaRPr lang="en-US"/>
           </a:p>
@@ -1737,7 +1736,7 @@
           <a:p>
             <a:fld id="{D677B37A-14F8-494E-9063-6E053A950412}" type="datetimeFigureOut">
               <a:rPr lang="en-US" smtClean="0"/>
-              <a:t>1/6/2026</a:t>
+              <a:t>1/7/2026</a:t>
             </a:fld>
             <a:endParaRPr lang="en-US"/>
           </a:p>
@@ -1832,7 +1831,7 @@
           <a:p>
             <a:fld id="{D677B37A-14F8-494E-9063-6E053A950412}" type="datetimeFigureOut">
               <a:rPr lang="en-US" smtClean="0"/>
-              <a:t>1/6/2026</a:t>
+              <a:t>1/7/2026</a:t>
             </a:fld>
             <a:endParaRPr lang="en-US"/>
           </a:p>
@@ -2109,7 +2108,7 @@
           <a:p>
             <a:fld id="{D677B37A-14F8-494E-9063-6E053A950412}" type="datetimeFigureOut">
               <a:rPr lang="en-US" smtClean="0"/>
-              <a:t>1/6/2026</a:t>
+              <a:t>1/7/2026</a:t>
             </a:fld>
             <a:endParaRPr lang="en-US"/>
           </a:p>
@@ -2366,7 +2365,7 @@
           <a:p>
             <a:fld id="{D677B37A-14F8-494E-9063-6E053A950412}" type="datetimeFigureOut">
               <a:rPr lang="en-US" smtClean="0"/>
-              <a:t>1/6/2026</a:t>
+              <a:t>1/7/2026</a:t>
             </a:fld>
             <a:endParaRPr lang="en-US"/>
           </a:p>
@@ -2475,10 +2474,9 @@
           <a:lstStyle/>
           <a:p>
             <a:r>
-              <a:rPr lang="en-US"/>
+              <a:rPr lang="en-US" dirty="0"/>
               <a:t>Click to edit Master title style</a:t>
             </a:r>
-            <a:endParaRPr lang="en-US" dirty="0"/>
           </a:p>
         </p:txBody>
       </p:sp>
@@ -2509,38 +2507,37 @@
           <a:p>
             <a:pPr lvl="0"/>
             <a:r>
-              <a:rPr lang="en-US"/>
+              <a:rPr lang="en-US" dirty="0"/>
               <a:t>Click to edit Master text styles</a:t>
             </a:r>
           </a:p>
           <a:p>
             <a:pPr lvl="1"/>
             <a:r>
-              <a:rPr lang="en-US"/>
+              <a:rPr lang="en-US" dirty="0"/>
               <a:t>Second level</a:t>
             </a:r>
           </a:p>
           <a:p>
             <a:pPr lvl="2"/>
             <a:r>
-              <a:rPr lang="en-US"/>
+              <a:rPr lang="en-US" dirty="0"/>
               <a:t>Third level</a:t>
             </a:r>
           </a:p>
           <a:p>
             <a:pPr lvl="3"/>
             <a:r>
-              <a:rPr lang="en-US"/>
+              <a:rPr lang="en-US" dirty="0"/>
               <a:t>Fourth level</a:t>
             </a:r>
           </a:p>
           <a:p>
             <a:pPr lvl="4"/>
             <a:r>
-              <a:rPr lang="en-US"/>
+              <a:rPr lang="en-US" dirty="0"/>
               <a:t>Fifth level</a:t>
             </a:r>
-            <a:endParaRPr lang="en-US" dirty="0"/>
           </a:p>
         </p:txBody>
       </p:sp>
@@ -2573,15 +2570,17 @@
                     <a:tint val="75000"/>
                   </a:schemeClr>
                 </a:solidFill>
+                <a:latin typeface="David" panose="020E0502060401010101" pitchFamily="34" charset="-79"/>
               </a:defRPr>
             </a:lvl1pPr>
           </a:lstStyle>
           <a:p>
             <a:fld id="{D677B37A-14F8-494E-9063-6E053A950412}" type="datetimeFigureOut">
               <a:rPr lang="en-US" smtClean="0"/>
-              <a:t>1/6/2026</a:t>
+              <a:pPr/>
+              <a:t>1/7/2026</a:t>
             </a:fld>
-            <a:endParaRPr lang="en-US"/>
+            <a:endParaRPr lang="en-US" dirty="0"/>
           </a:p>
         </p:txBody>
       </p:sp>
@@ -2614,11 +2613,12 @@
                     <a:tint val="75000"/>
                   </a:schemeClr>
                 </a:solidFill>
+                <a:latin typeface="David" panose="020E0502060401010101" pitchFamily="34" charset="-79"/>
               </a:defRPr>
             </a:lvl1pPr>
           </a:lstStyle>
           <a:p>
-            <a:endParaRPr lang="en-US"/>
+            <a:endParaRPr lang="en-US" dirty="0"/>
           </a:p>
         </p:txBody>
       </p:sp>
@@ -2651,15 +2651,17 @@
                     <a:tint val="75000"/>
                   </a:schemeClr>
                 </a:solidFill>
+                <a:latin typeface="David" panose="020E0502060401010101" pitchFamily="34" charset="-79"/>
               </a:defRPr>
             </a:lvl1pPr>
           </a:lstStyle>
           <a:p>
             <a:fld id="{1C041048-533A-4B1F-BBAF-BC5ACCB03556}" type="slidenum">
               <a:rPr lang="en-US" smtClean="0"/>
+              <a:pPr/>
               <a:t>‹#›</a:t>
             </a:fld>
-            <a:endParaRPr lang="en-US"/>
+            <a:endParaRPr lang="en-US" dirty="0"/>
           </a:p>
         </p:txBody>
       </p:sp>
@@ -2698,7 +2700,7 @@
           <a:solidFill>
             <a:schemeClr val="tx1"/>
           </a:solidFill>
-          <a:latin typeface="+mj-lt"/>
+          <a:latin typeface="David" panose="020E0502060401010101" pitchFamily="34" charset="-79"/>
           <a:ea typeface="+mj-ea"/>
           <a:cs typeface="+mj-cs"/>
         </a:defRPr>
@@ -2718,7 +2720,7 @@
           <a:solidFill>
             <a:schemeClr val="tx1"/>
           </a:solidFill>
-          <a:latin typeface="+mn-lt"/>
+          <a:latin typeface="David" panose="020E0502060401010101" pitchFamily="34" charset="-79"/>
           <a:ea typeface="+mn-ea"/>
           <a:cs typeface="+mn-cs"/>
         </a:defRPr>
@@ -2736,7 +2738,7 @@
           <a:solidFill>
             <a:schemeClr val="tx1"/>
           </a:solidFill>
-          <a:latin typeface="+mn-lt"/>
+          <a:latin typeface="David" panose="020E0502060401010101" pitchFamily="34" charset="-79"/>
           <a:ea typeface="+mn-ea"/>
           <a:cs typeface="+mn-cs"/>
         </a:defRPr>
@@ -2754,7 +2756,7 @@
           <a:solidFill>
             <a:schemeClr val="tx1"/>
           </a:solidFill>
-          <a:latin typeface="+mn-lt"/>
+          <a:latin typeface="David" panose="020E0502060401010101" pitchFamily="34" charset="-79"/>
           <a:ea typeface="+mn-ea"/>
           <a:cs typeface="+mn-cs"/>
         </a:defRPr>
@@ -2772,7 +2774,7 @@
           <a:solidFill>
             <a:schemeClr val="tx1"/>
           </a:solidFill>
-          <a:latin typeface="+mn-lt"/>
+          <a:latin typeface="David" panose="020E0502060401010101" pitchFamily="34" charset="-79"/>
           <a:ea typeface="+mn-ea"/>
           <a:cs typeface="+mn-cs"/>
         </a:defRPr>
@@ -2790,7 +2792,7 @@
           <a:solidFill>
             <a:schemeClr val="tx1"/>
           </a:solidFill>
-          <a:latin typeface="+mn-lt"/>
+          <a:latin typeface="David" panose="020E0502060401010101" pitchFamily="34" charset="-79"/>
           <a:ea typeface="+mn-ea"/>
           <a:cs typeface="+mn-cs"/>
         </a:defRPr>
@@ -3006,8 +3008,16 @@
           <a:lstStyle/>
           <a:p>
             <a:r>
-              <a:rPr lang="he-IL" dirty="0"/>
-              <a:t>מטלה תכנותית</a:t>
+              <a:rPr lang="he-IL" dirty="0" err="1">
+                <a:cs typeface="David" panose="020E0502060401010101" pitchFamily="34" charset="-79"/>
+              </a:rPr>
+              <a:t>ממ"ן</a:t>
+            </a:r>
+            <a:r>
+              <a:rPr lang="he-IL" dirty="0">
+                <a:cs typeface="David" panose="020E0502060401010101" pitchFamily="34" charset="-79"/>
+              </a:rPr>
+              <a:t> 16 - קורס מבוא לאבטחת המרחב המקוון 20940</a:t>
             </a:r>
             <a:endParaRPr lang="en-US" dirty="0"/>
           </a:p>
@@ -3029,25 +3039,38 @@
             <p:ph type="subTitle" idx="1"/>
           </p:nvPr>
         </p:nvSpPr>
-        <p:spPr/>
+        <p:spPr>
+          <a:xfrm>
+            <a:off x="1524000" y="4079875"/>
+            <a:ext cx="9144000" cy="1655762"/>
+          </a:xfrm>
+        </p:spPr>
         <p:txBody>
           <a:bodyPr/>
           <a:lstStyle/>
           <a:p>
             <a:r>
-              <a:rPr lang="he-IL" dirty="0"/>
+              <a:rPr lang="he-IL" dirty="0">
+                <a:cs typeface="David" panose="020E0502060401010101" pitchFamily="34" charset="-79"/>
+              </a:rPr>
               <a:t>דולי </a:t>
             </a:r>
             <a:r>
-              <a:rPr lang="he-IL" dirty="0" err="1"/>
+              <a:rPr lang="he-IL" dirty="0" err="1">
+                <a:cs typeface="David" panose="020E0502060401010101" pitchFamily="34" charset="-79"/>
+              </a:rPr>
               <a:t>שחאדה</a:t>
             </a:r>
             <a:r>
-              <a:rPr lang="he-IL" dirty="0"/>
+              <a:rPr lang="he-IL" dirty="0">
+                <a:cs typeface="David" panose="020E0502060401010101" pitchFamily="34" charset="-79"/>
+              </a:rPr>
               <a:t> ונעם טוני </a:t>
             </a:r>
             <a:r>
-              <a:rPr lang="he-IL" dirty="0" err="1"/>
+              <a:rPr lang="he-IL" dirty="0" err="1">
+                <a:cs typeface="David" panose="020E0502060401010101" pitchFamily="34" charset="-79"/>
+              </a:rPr>
               <a:t>טואף</a:t>
             </a:r>
             <a:endParaRPr lang="en-US" dirty="0"/>
@@ -3089,7 +3112,7 @@
           <p:cNvPr id="2" name="Title 1">
             <a:extLst>
               <a:ext uri="{FF2B5EF4-FFF2-40B4-BE49-F238E27FC236}">
-                <a16:creationId xmlns:a16="http://schemas.microsoft.com/office/drawing/2014/main" id="{35DDF299-6D3C-96E4-8D86-E79D7BC99169}"/>
+                <a16:creationId xmlns:a16="http://schemas.microsoft.com/office/drawing/2014/main" id="{8A45E3C1-2383-283A-8FD8-CE085CA16A24}"/>
               </a:ext>
             </a:extLst>
           </p:cNvPr>
@@ -3105,10 +3128,12 @@
           <a:bodyPr/>
           <a:lstStyle/>
           <a:p>
-            <a:pPr algn="ctr" rtl="1"/>
-            <a:r>
-              <a:rPr lang="he-IL" dirty="0"/>
-              <a:t>שיטות גיבוב</a:t>
+            <a:pPr algn="ctr"/>
+            <a:r>
+              <a:rPr lang="he-IL" dirty="0">
+                <a:cs typeface="David" panose="020E0502060401010101" pitchFamily="34" charset="-79"/>
+              </a:rPr>
+              <a:t>שחזור ניסוי</a:t>
             </a:r>
             <a:endParaRPr lang="en-US" dirty="0"/>
           </a:p>
@@ -3119,7 +3144,7 @@
           <p:cNvPr id="3" name="Content Placeholder 2">
             <a:extLst>
               <a:ext uri="{FF2B5EF4-FFF2-40B4-BE49-F238E27FC236}">
-                <a16:creationId xmlns:a16="http://schemas.microsoft.com/office/drawing/2014/main" id="{E6BEB1AC-FC80-526D-A0BC-F6E924504BAA}"/>
+                <a16:creationId xmlns:a16="http://schemas.microsoft.com/office/drawing/2014/main" id="{94A72D9E-81B4-53C3-50B7-3560FDCBEB68}"/>
               </a:ext>
             </a:extLst>
           </p:cNvPr>
@@ -3130,93 +3155,227 @@
             <p:ph idx="1"/>
           </p:nvPr>
         </p:nvSpPr>
-        <p:spPr/>
-        <p:txBody>
-          <a:bodyPr/>
-          <a:lstStyle/>
-          <a:p>
-            <a:pPr algn="r" rtl="1"/>
-            <a:r>
-              <a:rPr lang="he-IL" dirty="0"/>
-              <a:t>בנוסף, אם למשל בחרנו בשיטת הגיבוב - </a:t>
-            </a:r>
-            <a:r>
-              <a:rPr lang="en-US" dirty="0"/>
-              <a:t>sha256_salt</a:t>
-            </a:r>
-            <a:r>
-              <a:rPr lang="he-IL" dirty="0"/>
-              <a:t> אז </a:t>
-            </a:r>
-            <a:r>
-              <a:rPr lang="he-IL" dirty="0" err="1"/>
-              <a:t>יווצר</a:t>
-            </a:r>
-            <a:r>
-              <a:rPr lang="he-IL" dirty="0"/>
-              <a:t> קובץ של </a:t>
-            </a:r>
-            <a:r>
-              <a:rPr lang="en-US" dirty="0" err="1"/>
-              <a:t>hashed_passwords.json</a:t>
-            </a:r>
-            <a:r>
-              <a:rPr lang="he-IL" dirty="0"/>
-              <a:t>. בו ניתן לראות את המידע </a:t>
-            </a:r>
-            <a:r>
-              <a:rPr lang="he-IL" dirty="0" err="1"/>
-              <a:t>השמוש</a:t>
-            </a:r>
-            <a:r>
-              <a:rPr lang="he-IL" dirty="0"/>
-              <a:t> לכל שיטה וגם הסיסמאות אחרי גיבוב:</a:t>
-            </a:r>
-          </a:p>
-          <a:p>
-            <a:pPr algn="r" rtl="1"/>
-            <a:endParaRPr lang="he-IL" dirty="0"/>
-          </a:p>
-          <a:p>
-            <a:pPr algn="r" rtl="1"/>
-            <a:endParaRPr lang="en-US" dirty="0"/>
-          </a:p>
-        </p:txBody>
-      </p:sp>
-      <p:pic>
-        <p:nvPicPr>
-          <p:cNvPr id="7" name="Picture 6">
-            <a:extLst>
-              <a:ext uri="{FF2B5EF4-FFF2-40B4-BE49-F238E27FC236}">
-                <a16:creationId xmlns:a16="http://schemas.microsoft.com/office/drawing/2014/main" id="{D0E92A37-C041-63A3-A122-A88F547B271B}"/>
-              </a:ext>
-            </a:extLst>
-          </p:cNvPr>
-          <p:cNvPicPr>
-            <a:picLocks noChangeAspect="1"/>
-          </p:cNvPicPr>
-          <p:nvPr/>
-        </p:nvPicPr>
-        <p:blipFill>
-          <a:blip r:embed="rId2"/>
-          <a:stretch>
-            <a:fillRect/>
-          </a:stretch>
-        </p:blipFill>
         <p:spPr>
           <a:xfrm>
-            <a:off x="1416353" y="3429000"/>
-            <a:ext cx="9359294" cy="1243031"/>
+            <a:off x="838200" y="1690688"/>
+            <a:ext cx="10515600" cy="4503923"/>
           </a:xfrm>
-          <a:prstGeom prst="rect">
-            <a:avLst/>
-          </a:prstGeom>
         </p:spPr>
-      </p:pic>
+        <p:txBody>
+          <a:bodyPr>
+            <a:noAutofit/>
+          </a:bodyPr>
+          <a:lstStyle/>
+          <a:p>
+            <a:pPr algn="just" rtl="1"/>
+            <a:r>
+              <a:rPr lang="he-IL" sz="2000" dirty="0">
+                <a:cs typeface="David" panose="020E0502060401010101" pitchFamily="34" charset="-79"/>
+              </a:rPr>
+              <a:t>אם נרצה להוסיף שיטת גיבוב אז נוסיף אחד מהבאים:</a:t>
+            </a:r>
+          </a:p>
+          <a:p>
+            <a:pPr algn="just"/>
+            <a:r>
+              <a:rPr lang="en-US" sz="2000" dirty="0"/>
+              <a:t>argon2_hash=True</a:t>
+            </a:r>
+          </a:p>
+          <a:p>
+            <a:pPr algn="just"/>
+            <a:r>
+              <a:rPr lang="en-US" sz="2000" dirty="0" err="1"/>
+              <a:t>bcrypt_hash</a:t>
+            </a:r>
+            <a:r>
+              <a:rPr lang="he-IL" sz="2000" dirty="0">
+                <a:cs typeface="David" panose="020E0502060401010101" pitchFamily="34" charset="-79"/>
+              </a:rPr>
+              <a:t>=</a:t>
+            </a:r>
+            <a:r>
+              <a:rPr lang="en-US" sz="2000" dirty="0"/>
+              <a:t>True</a:t>
+            </a:r>
+          </a:p>
+          <a:p>
+            <a:pPr algn="just"/>
+            <a:r>
+              <a:rPr lang="en-US" sz="2000" dirty="0"/>
+              <a:t>sha256_salt=True </a:t>
+            </a:r>
+          </a:p>
+          <a:p>
+            <a:pPr algn="just" rtl="1"/>
+            <a:r>
+              <a:rPr lang="he-IL" sz="2000" dirty="0">
+                <a:cs typeface="David" panose="020E0502060401010101" pitchFamily="34" charset="-79"/>
+              </a:rPr>
+              <a:t>אם בנוסף רוצים </a:t>
+            </a:r>
+            <a:r>
+              <a:rPr lang="en-US" sz="2000" dirty="0"/>
+              <a:t>PEPPER</a:t>
+            </a:r>
+            <a:r>
+              <a:rPr lang="he-IL" sz="2000" dirty="0">
+                <a:cs typeface="David" panose="020E0502060401010101" pitchFamily="34" charset="-79"/>
+              </a:rPr>
+              <a:t> אז מוסיפים:</a:t>
+            </a:r>
+          </a:p>
+          <a:p>
+            <a:pPr algn="just"/>
+            <a:r>
+              <a:rPr lang="en-US" sz="2000" dirty="0"/>
+              <a:t>pepper=True</a:t>
+            </a:r>
+          </a:p>
+          <a:p>
+            <a:pPr algn="just" rtl="1"/>
+            <a:r>
+              <a:rPr lang="he-IL" sz="2000" dirty="0">
+                <a:cs typeface="David" panose="020E0502060401010101" pitchFamily="34" charset="-79"/>
+              </a:rPr>
+              <a:t>פרמטרים אלה מוסיפים כאשר מאתחלים ניסוי.</a:t>
+            </a:r>
+            <a:endParaRPr lang="en-US" sz="2000" dirty="0">
+              <a:cs typeface="David" panose="020E0502060401010101" pitchFamily="34" charset="-79"/>
+            </a:endParaRPr>
+          </a:p>
+          <a:p>
+            <a:pPr algn="just" rtl="1"/>
+            <a:r>
+              <a:rPr lang="he-IL" sz="2000" dirty="0">
+                <a:cs typeface="David" panose="020E0502060401010101" pitchFamily="34" charset="-79"/>
+              </a:rPr>
+              <a:t>למשל</a:t>
+            </a:r>
+            <a:r>
+              <a:rPr lang="en-US" sz="2000" dirty="0">
+                <a:cs typeface="David" panose="020E0502060401010101" pitchFamily="34" charset="-79"/>
+              </a:rPr>
+              <a:t> </a:t>
+            </a:r>
+            <a:r>
+              <a:rPr lang="he-IL" sz="2000" dirty="0">
+                <a:cs typeface="David" panose="020E0502060401010101" pitchFamily="34" charset="-79"/>
+              </a:rPr>
+              <a:t>אם רוצים </a:t>
+            </a:r>
+            <a:r>
+              <a:rPr lang="en-US" sz="2000" dirty="0"/>
+              <a:t>argon</a:t>
+            </a:r>
+            <a:r>
+              <a:rPr lang="he-IL" sz="2000" dirty="0">
+                <a:cs typeface="David" panose="020E0502060401010101" pitchFamily="34" charset="-79"/>
+              </a:rPr>
+              <a:t> עם </a:t>
+            </a:r>
+            <a:r>
+              <a:rPr lang="en-US" sz="2000" dirty="0"/>
+              <a:t>PEPPER</a:t>
+            </a:r>
+            <a:r>
+              <a:rPr lang="he-IL" sz="2000" dirty="0">
+                <a:cs typeface="David" panose="020E0502060401010101" pitchFamily="34" charset="-79"/>
+              </a:rPr>
+              <a:t> עם </a:t>
+            </a:r>
+            <a:r>
+              <a:rPr lang="en-US" sz="2000" dirty="0"/>
+              <a:t>lockout</a:t>
+            </a:r>
+            <a:r>
+              <a:rPr lang="he-IL" sz="2000" dirty="0">
+                <a:cs typeface="David" panose="020E0502060401010101" pitchFamily="34" charset="-79"/>
+              </a:rPr>
+              <a:t> נריץ:</a:t>
+            </a:r>
+          </a:p>
+          <a:p>
+            <a:pPr marL="514350" indent="-514350" algn="just">
+              <a:buFont typeface="+mj-lt"/>
+              <a:buAutoNum type="arabicPeriod"/>
+            </a:pPr>
+            <a:r>
+              <a:rPr lang="en-US" sz="2000" dirty="0"/>
+              <a:t>a = Attempt(argon2_hash=True, pepper</a:t>
+            </a:r>
+            <a:r>
+              <a:rPr lang="he-IL" sz="2000" dirty="0">
+                <a:cs typeface="David" panose="020E0502060401010101" pitchFamily="34" charset="-79"/>
+              </a:rPr>
+              <a:t>=</a:t>
+            </a:r>
+            <a:r>
+              <a:rPr lang="en-US" sz="2000" dirty="0"/>
+              <a:t>True, lockout=True)</a:t>
+            </a:r>
+          </a:p>
+          <a:p>
+            <a:pPr marL="514350" indent="-514350" algn="just">
+              <a:buFont typeface="+mj-lt"/>
+              <a:buAutoNum type="arabicPeriod"/>
+            </a:pPr>
+            <a:r>
+              <a:rPr lang="en-US" sz="2000" dirty="0" err="1"/>
+              <a:t>a.brute_force</a:t>
+            </a:r>
+            <a:r>
+              <a:rPr lang="en-US" sz="2000" dirty="0"/>
+              <a:t>("</a:t>
+            </a:r>
+            <a:r>
+              <a:rPr lang="en-US" sz="2000" dirty="0" err="1"/>
+              <a:t>taylor</a:t>
+            </a:r>
+            <a:r>
+              <a:rPr lang="en-US" sz="2000" dirty="0"/>
+              <a:t>") # </a:t>
+            </a:r>
+            <a:r>
+              <a:rPr lang="en-US" sz="2000" dirty="0" err="1"/>
+              <a:t>a.brute_force</a:t>
+            </a:r>
+            <a:r>
+              <a:rPr lang="en-US" sz="2000" dirty="0"/>
+              <a:t>("max") # Medium password</a:t>
+            </a:r>
+            <a:endParaRPr lang="he-IL" sz="2000" dirty="0">
+              <a:cs typeface="David" panose="020E0502060401010101" pitchFamily="34" charset="-79"/>
+            </a:endParaRPr>
+          </a:p>
+          <a:p>
+            <a:pPr marL="514350" indent="-514350" algn="just">
+              <a:buFont typeface="+mj-lt"/>
+              <a:buAutoNum type="arabicPeriod"/>
+            </a:pPr>
+            <a:r>
+              <a:rPr lang="en-US" sz="2000" dirty="0" err="1"/>
+              <a:t>a.add_stats</a:t>
+            </a:r>
+            <a:r>
+              <a:rPr lang="en-US" sz="2000" dirty="0"/>
+              <a:t>()</a:t>
+            </a:r>
+          </a:p>
+          <a:p>
+            <a:pPr lvl="1" algn="just" rtl="1"/>
+            <a:endParaRPr lang="en-US" sz="2000" dirty="0"/>
+          </a:p>
+          <a:p>
+            <a:pPr algn="just"/>
+            <a:endParaRPr lang="en-US" sz="2000" dirty="0"/>
+          </a:p>
+        </p:txBody>
+      </p:sp>
     </p:spTree>
     <p:extLst>
       <p:ext uri="{BB962C8B-B14F-4D97-AF65-F5344CB8AC3E}">
-        <p14:creationId xmlns:p14="http://schemas.microsoft.com/office/powerpoint/2010/main" val="4265257073"/>
+        <p14:creationId xmlns:p14="http://schemas.microsoft.com/office/powerpoint/2010/main" val="1940947513"/>
       </p:ext>
     </p:extLst>
   </p:cSld>
@@ -3248,7 +3407,7 @@
           <p:cNvPr id="2" name="Title 1">
             <a:extLst>
               <a:ext uri="{FF2B5EF4-FFF2-40B4-BE49-F238E27FC236}">
-                <a16:creationId xmlns:a16="http://schemas.microsoft.com/office/drawing/2014/main" id="{4F6DB5A4-AE89-B968-19F6-797D60FFB9D0}"/>
+                <a16:creationId xmlns:a16="http://schemas.microsoft.com/office/drawing/2014/main" id="{35DDF299-6D3C-96E4-8D86-E79D7BC99169}"/>
               </a:ext>
             </a:extLst>
           </p:cNvPr>
@@ -3259,17 +3418,26 @@
             <p:ph type="title"/>
           </p:nvPr>
         </p:nvSpPr>
-        <p:spPr/>
-        <p:txBody>
-          <a:bodyPr/>
+        <p:spPr>
+          <a:xfrm>
+            <a:off x="838200" y="365126"/>
+            <a:ext cx="10515600" cy="610920"/>
+          </a:xfrm>
+        </p:spPr>
+        <p:txBody>
+          <a:bodyPr>
+            <a:noAutofit/>
+          </a:bodyPr>
           <a:lstStyle/>
           <a:p>
-            <a:pPr algn="ctr"/>
-            <a:r>
-              <a:rPr lang="he-IL" dirty="0"/>
-              <a:t>יצירת ובדיקת לוגים</a:t>
-            </a:r>
-            <a:endParaRPr lang="en-US" dirty="0"/>
+            <a:pPr algn="ctr" rtl="1"/>
+            <a:r>
+              <a:rPr lang="he-IL" sz="2600" b="1" dirty="0">
+                <a:cs typeface="David" panose="020E0502060401010101" pitchFamily="34" charset="-79"/>
+              </a:rPr>
+              <a:t>שיטות גיבוב</a:t>
+            </a:r>
+            <a:endParaRPr lang="en-US" sz="2600" b="1" dirty="0"/>
           </a:p>
         </p:txBody>
       </p:sp>
@@ -3278,7 +3446,7 @@
           <p:cNvPr id="3" name="Content Placeholder 2">
             <a:extLst>
               <a:ext uri="{FF2B5EF4-FFF2-40B4-BE49-F238E27FC236}">
-                <a16:creationId xmlns:a16="http://schemas.microsoft.com/office/drawing/2014/main" id="{855931F6-0ACE-A340-7D00-37A069996405}"/>
+                <a16:creationId xmlns:a16="http://schemas.microsoft.com/office/drawing/2014/main" id="{E6BEB1AC-FC80-526D-A0BC-F6E924504BAA}"/>
               </a:ext>
             </a:extLst>
           </p:cNvPr>
@@ -3289,75 +3457,84 @@
             <p:ph idx="1"/>
           </p:nvPr>
         </p:nvSpPr>
-        <p:spPr/>
-        <p:txBody>
-          <a:bodyPr/>
+        <p:spPr>
+          <a:xfrm>
+            <a:off x="838200" y="942048"/>
+            <a:ext cx="10515600" cy="2078555"/>
+          </a:xfrm>
+        </p:spPr>
+        <p:txBody>
+          <a:bodyPr>
+            <a:normAutofit/>
+          </a:bodyPr>
           <a:lstStyle/>
           <a:p>
-            <a:pPr algn="just" rtl="1"/>
-            <a:r>
-              <a:rPr lang="he-IL" dirty="0"/>
-              <a:t>בסוף הריצה נקבל שני לוגים</a:t>
-            </a:r>
-            <a:r>
-              <a:rPr lang="en-US" dirty="0"/>
-              <a:t>:</a:t>
-            </a:r>
-          </a:p>
-          <a:p>
-            <a:pPr lvl="1" algn="just" rtl="1"/>
-            <a:r>
-              <a:rPr lang="en-US" dirty="0"/>
-              <a:t>attempts.log</a:t>
-            </a:r>
-            <a:r>
-              <a:rPr lang="he-IL" dirty="0"/>
-              <a:t> - לוג פשוט שגם מודפס תוך כדי ריצה לערוץ ה- </a:t>
-            </a:r>
-            <a:r>
-              <a:rPr lang="en-US" dirty="0"/>
-              <a:t>OUTPUT</a:t>
-            </a:r>
-            <a:r>
-              <a:rPr lang="he-IL" dirty="0"/>
-              <a:t> ובסוף גם מראה סיכום של הניסוי:</a:t>
-            </a:r>
-          </a:p>
-          <a:p>
-            <a:pPr marL="457200" lvl="1" indent="0" algn="just" rtl="1">
-              <a:buNone/>
-            </a:pPr>
-            <a:br>
-              <a:rPr lang="en-US" dirty="0"/>
-            </a:br>
-            <a:endParaRPr lang="he-IL" dirty="0"/>
-          </a:p>
-          <a:p>
-            <a:pPr marL="457200" lvl="1" indent="0" algn="just" rtl="1">
-              <a:buNone/>
-            </a:pPr>
-            <a:endParaRPr lang="en-US" dirty="0"/>
-          </a:p>
-          <a:p>
-            <a:pPr lvl="1" algn="just" rtl="1"/>
-            <a:r>
-              <a:rPr lang="en-US" dirty="0"/>
-              <a:t>attempts.csv</a:t>
-            </a:r>
-            <a:r>
-              <a:rPr lang="he-IL" dirty="0"/>
-              <a:t> - לוג יותר אינפורמטיבי המכיל מידע סטטיסטי, כאן אפשר לראות באופן מסודר הזמן, המשתמש, מצב הגיבוב (אם יש), ושיטות ההגנה בהם משתמשים. בנוסף ניתן לראות את התוצאה של כל ניסיון התחברות, וכמה זמן לקח במילישניות.</a:t>
-            </a:r>
-            <a:endParaRPr lang="en-US" dirty="0"/>
+            <a:pPr algn="r" rtl="1"/>
+            <a:r>
+              <a:rPr lang="he-IL" sz="1800" dirty="0">
+                <a:cs typeface="David" panose="020E0502060401010101" pitchFamily="34" charset="-79"/>
+              </a:rPr>
+              <a:t>בנוסף, אם למשל בחרנו בשיטת הגיבוב - </a:t>
+            </a:r>
+            <a:r>
+              <a:rPr lang="en-US" sz="1800" dirty="0"/>
+              <a:t>sha256_salt</a:t>
+            </a:r>
+            <a:r>
+              <a:rPr lang="he-IL" sz="1800" dirty="0">
+                <a:cs typeface="David" panose="020E0502060401010101" pitchFamily="34" charset="-79"/>
+              </a:rPr>
+              <a:t> אז </a:t>
+            </a:r>
+            <a:r>
+              <a:rPr lang="he-IL" sz="1800" dirty="0" err="1">
+                <a:cs typeface="David" panose="020E0502060401010101" pitchFamily="34" charset="-79"/>
+              </a:rPr>
+              <a:t>יווצר</a:t>
+            </a:r>
+            <a:r>
+              <a:rPr lang="he-IL" sz="1800" dirty="0">
+                <a:cs typeface="David" panose="020E0502060401010101" pitchFamily="34" charset="-79"/>
+              </a:rPr>
+              <a:t> קובץ של </a:t>
+            </a:r>
+            <a:r>
+              <a:rPr lang="en-US" sz="1800" dirty="0" err="1"/>
+              <a:t>hashed_passwords.json</a:t>
+            </a:r>
+            <a:r>
+              <a:rPr lang="he-IL" sz="1800" dirty="0">
+                <a:cs typeface="David" panose="020E0502060401010101" pitchFamily="34" charset="-79"/>
+              </a:rPr>
+              <a:t>. בו ניתן לראות את המידע </a:t>
+            </a:r>
+            <a:r>
+              <a:rPr lang="he-IL" sz="1800" dirty="0" err="1">
+                <a:cs typeface="David" panose="020E0502060401010101" pitchFamily="34" charset="-79"/>
+              </a:rPr>
+              <a:t>השמוש</a:t>
+            </a:r>
+            <a:r>
+              <a:rPr lang="he-IL" sz="1800" dirty="0">
+                <a:cs typeface="David" panose="020E0502060401010101" pitchFamily="34" charset="-79"/>
+              </a:rPr>
+              <a:t> לכל שיטה וגם הסיסמאות אחרי גיבוב:</a:t>
+            </a:r>
+          </a:p>
+          <a:p>
+            <a:pPr algn="r" rtl="1"/>
+            <a:endParaRPr lang="he-IL" sz="1800" dirty="0">
+              <a:cs typeface="David" panose="020E0502060401010101" pitchFamily="34" charset="-79"/>
+            </a:endParaRPr>
           </a:p>
         </p:txBody>
       </p:sp>
       <p:pic>
         <p:nvPicPr>
-          <p:cNvPr id="6" name="Picture 5">
+          <p:cNvPr id="7" name="Picture 6">
             <a:extLst>
               <a:ext uri="{FF2B5EF4-FFF2-40B4-BE49-F238E27FC236}">
-                <a16:creationId xmlns:a16="http://schemas.microsoft.com/office/drawing/2014/main" id="{1B914C4F-9F3A-A575-897D-B1D9659BB8EF}"/>
+                <a16:creationId xmlns:a16="http://schemas.microsoft.com/office/drawing/2014/main" id="{D0E92A37-C041-63A3-A122-A88F547B271B}"/>
               </a:ext>
             </a:extLst>
           </p:cNvPr>
@@ -3374,7 +3551,390 @@
         </p:blipFill>
         <p:spPr>
           <a:xfrm>
-            <a:off x="3943049" y="2995552"/>
+            <a:off x="1416353" y="1620752"/>
+            <a:ext cx="9359294" cy="1243031"/>
+          </a:xfrm>
+          <a:prstGeom prst="rect">
+            <a:avLst/>
+          </a:prstGeom>
+        </p:spPr>
+      </p:pic>
+      <p:sp>
+        <p:nvSpPr>
+          <p:cNvPr id="4" name="Title 1">
+            <a:extLst>
+              <a:ext uri="{FF2B5EF4-FFF2-40B4-BE49-F238E27FC236}">
+                <a16:creationId xmlns:a16="http://schemas.microsoft.com/office/drawing/2014/main" id="{7607D137-2862-B5B6-2C0D-C99CB42E90FB}"/>
+              </a:ext>
+            </a:extLst>
+          </p:cNvPr>
+          <p:cNvSpPr txBox="1">
+            <a:spLocks/>
+          </p:cNvSpPr>
+          <p:nvPr/>
+        </p:nvSpPr>
+        <p:spPr>
+          <a:xfrm>
+            <a:off x="838199" y="3187841"/>
+            <a:ext cx="10515600" cy="437241"/>
+          </a:xfrm>
+          <a:prstGeom prst="rect">
+            <a:avLst/>
+          </a:prstGeom>
+        </p:spPr>
+        <p:txBody>
+          <a:bodyPr vert="horz" lIns="91440" tIns="45720" rIns="91440" bIns="45720" rtlCol="0" anchor="ctr">
+            <a:normAutofit fontScale="60000" lnSpcReduction="20000"/>
+          </a:bodyPr>
+          <a:lstStyle>
+            <a:lvl1pPr algn="l" defTabSz="914400" rtl="0" eaLnBrk="1" latinLnBrk="0" hangingPunct="1">
+              <a:lnSpc>
+                <a:spcPct val="90000"/>
+              </a:lnSpc>
+              <a:spcBef>
+                <a:spcPct val="0"/>
+              </a:spcBef>
+              <a:buNone/>
+              <a:defRPr sz="4400" kern="1200">
+                <a:solidFill>
+                  <a:schemeClr val="tx1"/>
+                </a:solidFill>
+                <a:latin typeface="David" panose="020E0502060401010101" pitchFamily="34" charset="-79"/>
+                <a:ea typeface="+mj-ea"/>
+                <a:cs typeface="+mj-cs"/>
+              </a:defRPr>
+            </a:lvl1pPr>
+          </a:lstStyle>
+          <a:p>
+            <a:pPr algn="ctr"/>
+            <a:r>
+              <a:rPr lang="he-IL" b="1" dirty="0">
+                <a:cs typeface="David" panose="020E0502060401010101" pitchFamily="34" charset="-79"/>
+              </a:rPr>
+              <a:t>יצירת ובדיקת לוגים</a:t>
+            </a:r>
+            <a:endParaRPr lang="en-US" b="1" dirty="0"/>
+          </a:p>
+        </p:txBody>
+      </p:sp>
+      <p:sp>
+        <p:nvSpPr>
+          <p:cNvPr id="5" name="Content Placeholder 2">
+            <a:extLst>
+              <a:ext uri="{FF2B5EF4-FFF2-40B4-BE49-F238E27FC236}">
+                <a16:creationId xmlns:a16="http://schemas.microsoft.com/office/drawing/2014/main" id="{9D107FB2-78C6-5DE2-16EB-58399467DC25}"/>
+              </a:ext>
+            </a:extLst>
+          </p:cNvPr>
+          <p:cNvSpPr txBox="1">
+            <a:spLocks/>
+          </p:cNvSpPr>
+          <p:nvPr/>
+        </p:nvSpPr>
+        <p:spPr>
+          <a:xfrm>
+            <a:off x="838199" y="3700659"/>
+            <a:ext cx="10515600" cy="3157341"/>
+          </a:xfrm>
+          <a:prstGeom prst="rect">
+            <a:avLst/>
+          </a:prstGeom>
+        </p:spPr>
+        <p:txBody>
+          <a:bodyPr vert="horz" lIns="91440" tIns="45720" rIns="91440" bIns="45720" rtlCol="0">
+            <a:normAutofit/>
+          </a:bodyPr>
+          <a:lstStyle>
+            <a:lvl1pPr marL="228600" indent="-228600" algn="l" defTabSz="914400" rtl="0" eaLnBrk="1" latinLnBrk="0" hangingPunct="1">
+              <a:lnSpc>
+                <a:spcPct val="90000"/>
+              </a:lnSpc>
+              <a:spcBef>
+                <a:spcPts val="1000"/>
+              </a:spcBef>
+              <a:buFont typeface="Arial" panose="020B0604020202020204" pitchFamily="34" charset="0"/>
+              <a:buChar char="•"/>
+              <a:defRPr sz="2800" kern="1200">
+                <a:solidFill>
+                  <a:schemeClr val="tx1"/>
+                </a:solidFill>
+                <a:latin typeface="David" panose="020E0502060401010101" pitchFamily="34" charset="-79"/>
+                <a:ea typeface="+mn-ea"/>
+                <a:cs typeface="+mn-cs"/>
+              </a:defRPr>
+            </a:lvl1pPr>
+            <a:lvl2pPr marL="685800" indent="-228600" algn="l" defTabSz="914400" rtl="0" eaLnBrk="1" latinLnBrk="0" hangingPunct="1">
+              <a:lnSpc>
+                <a:spcPct val="90000"/>
+              </a:lnSpc>
+              <a:spcBef>
+                <a:spcPts val="500"/>
+              </a:spcBef>
+              <a:buFont typeface="Arial" panose="020B0604020202020204" pitchFamily="34" charset="0"/>
+              <a:buChar char="•"/>
+              <a:defRPr sz="2400" kern="1200">
+                <a:solidFill>
+                  <a:schemeClr val="tx1"/>
+                </a:solidFill>
+                <a:latin typeface="David" panose="020E0502060401010101" pitchFamily="34" charset="-79"/>
+                <a:ea typeface="+mn-ea"/>
+                <a:cs typeface="+mn-cs"/>
+              </a:defRPr>
+            </a:lvl2pPr>
+            <a:lvl3pPr marL="1143000" indent="-228600" algn="l" defTabSz="914400" rtl="0" eaLnBrk="1" latinLnBrk="0" hangingPunct="1">
+              <a:lnSpc>
+                <a:spcPct val="90000"/>
+              </a:lnSpc>
+              <a:spcBef>
+                <a:spcPts val="500"/>
+              </a:spcBef>
+              <a:buFont typeface="Arial" panose="020B0604020202020204" pitchFamily="34" charset="0"/>
+              <a:buChar char="•"/>
+              <a:defRPr sz="2000" kern="1200">
+                <a:solidFill>
+                  <a:schemeClr val="tx1"/>
+                </a:solidFill>
+                <a:latin typeface="David" panose="020E0502060401010101" pitchFamily="34" charset="-79"/>
+                <a:ea typeface="+mn-ea"/>
+                <a:cs typeface="+mn-cs"/>
+              </a:defRPr>
+            </a:lvl3pPr>
+            <a:lvl4pPr marL="1600200" indent="-228600" algn="l" defTabSz="914400" rtl="0" eaLnBrk="1" latinLnBrk="0" hangingPunct="1">
+              <a:lnSpc>
+                <a:spcPct val="90000"/>
+              </a:lnSpc>
+              <a:spcBef>
+                <a:spcPts val="500"/>
+              </a:spcBef>
+              <a:buFont typeface="Arial" panose="020B0604020202020204" pitchFamily="34" charset="0"/>
+              <a:buChar char="•"/>
+              <a:defRPr sz="1800" kern="1200">
+                <a:solidFill>
+                  <a:schemeClr val="tx1"/>
+                </a:solidFill>
+                <a:latin typeface="David" panose="020E0502060401010101" pitchFamily="34" charset="-79"/>
+                <a:ea typeface="+mn-ea"/>
+                <a:cs typeface="+mn-cs"/>
+              </a:defRPr>
+            </a:lvl4pPr>
+            <a:lvl5pPr marL="2057400" indent="-228600" algn="l" defTabSz="914400" rtl="0" eaLnBrk="1" latinLnBrk="0" hangingPunct="1">
+              <a:lnSpc>
+                <a:spcPct val="90000"/>
+              </a:lnSpc>
+              <a:spcBef>
+                <a:spcPts val="500"/>
+              </a:spcBef>
+              <a:buFont typeface="Arial" panose="020B0604020202020204" pitchFamily="34" charset="0"/>
+              <a:buChar char="•"/>
+              <a:defRPr sz="1800" kern="1200">
+                <a:solidFill>
+                  <a:schemeClr val="tx1"/>
+                </a:solidFill>
+                <a:latin typeface="David" panose="020E0502060401010101" pitchFamily="34" charset="-79"/>
+                <a:ea typeface="+mn-ea"/>
+                <a:cs typeface="+mn-cs"/>
+              </a:defRPr>
+            </a:lvl5pPr>
+            <a:lvl6pPr marL="2514600" indent="-228600" algn="l" defTabSz="914400" rtl="0" eaLnBrk="1" latinLnBrk="0" hangingPunct="1">
+              <a:lnSpc>
+                <a:spcPct val="90000"/>
+              </a:lnSpc>
+              <a:spcBef>
+                <a:spcPts val="500"/>
+              </a:spcBef>
+              <a:buFont typeface="Arial" panose="020B0604020202020204" pitchFamily="34" charset="0"/>
+              <a:buChar char="•"/>
+              <a:defRPr sz="1800" kern="1200">
+                <a:solidFill>
+                  <a:schemeClr val="tx1"/>
+                </a:solidFill>
+                <a:latin typeface="+mn-lt"/>
+                <a:ea typeface="+mn-ea"/>
+                <a:cs typeface="+mn-cs"/>
+              </a:defRPr>
+            </a:lvl6pPr>
+            <a:lvl7pPr marL="2971800" indent="-228600" algn="l" defTabSz="914400" rtl="0" eaLnBrk="1" latinLnBrk="0" hangingPunct="1">
+              <a:lnSpc>
+                <a:spcPct val="90000"/>
+              </a:lnSpc>
+              <a:spcBef>
+                <a:spcPts val="500"/>
+              </a:spcBef>
+              <a:buFont typeface="Arial" panose="020B0604020202020204" pitchFamily="34" charset="0"/>
+              <a:buChar char="•"/>
+              <a:defRPr sz="1800" kern="1200">
+                <a:solidFill>
+                  <a:schemeClr val="tx1"/>
+                </a:solidFill>
+                <a:latin typeface="+mn-lt"/>
+                <a:ea typeface="+mn-ea"/>
+                <a:cs typeface="+mn-cs"/>
+              </a:defRPr>
+            </a:lvl7pPr>
+            <a:lvl8pPr marL="3429000" indent="-228600" algn="l" defTabSz="914400" rtl="0" eaLnBrk="1" latinLnBrk="0" hangingPunct="1">
+              <a:lnSpc>
+                <a:spcPct val="90000"/>
+              </a:lnSpc>
+              <a:spcBef>
+                <a:spcPts val="500"/>
+              </a:spcBef>
+              <a:buFont typeface="Arial" panose="020B0604020202020204" pitchFamily="34" charset="0"/>
+              <a:buChar char="•"/>
+              <a:defRPr sz="1800" kern="1200">
+                <a:solidFill>
+                  <a:schemeClr val="tx1"/>
+                </a:solidFill>
+                <a:latin typeface="+mn-lt"/>
+                <a:ea typeface="+mn-ea"/>
+                <a:cs typeface="+mn-cs"/>
+              </a:defRPr>
+            </a:lvl8pPr>
+            <a:lvl9pPr marL="3886200" indent="-228600" algn="l" defTabSz="914400" rtl="0" eaLnBrk="1" latinLnBrk="0" hangingPunct="1">
+              <a:lnSpc>
+                <a:spcPct val="90000"/>
+              </a:lnSpc>
+              <a:spcBef>
+                <a:spcPts val="500"/>
+              </a:spcBef>
+              <a:buFont typeface="Arial" panose="020B0604020202020204" pitchFamily="34" charset="0"/>
+              <a:buChar char="•"/>
+              <a:defRPr sz="1800" kern="1200">
+                <a:solidFill>
+                  <a:schemeClr val="tx1"/>
+                </a:solidFill>
+                <a:latin typeface="+mn-lt"/>
+                <a:ea typeface="+mn-ea"/>
+                <a:cs typeface="+mn-cs"/>
+              </a:defRPr>
+            </a:lvl9pPr>
+          </a:lstStyle>
+          <a:p>
+            <a:pPr algn="just" rtl="1"/>
+            <a:r>
+              <a:rPr lang="he-IL" sz="1800" dirty="0">
+                <a:cs typeface="David" panose="020E0502060401010101" pitchFamily="34" charset="-79"/>
+              </a:rPr>
+              <a:t>בסוף הריצה נקבל שני לוגים</a:t>
+            </a:r>
+            <a:r>
+              <a:rPr lang="en-US" sz="1800" dirty="0"/>
+              <a:t>:</a:t>
+            </a:r>
+          </a:p>
+          <a:p>
+            <a:pPr lvl="1" algn="just" rtl="1"/>
+            <a:r>
+              <a:rPr lang="en-US" sz="1800" dirty="0"/>
+              <a:t>attempts.log</a:t>
+            </a:r>
+            <a:r>
+              <a:rPr lang="he-IL" sz="1800" dirty="0">
+                <a:cs typeface="David" panose="020E0502060401010101" pitchFamily="34" charset="-79"/>
+              </a:rPr>
+              <a:t> - לוג פשוט שגם מודפס תוך כדי ריצה לערוץ ה- </a:t>
+            </a:r>
+            <a:r>
+              <a:rPr lang="en-US" sz="1800" dirty="0"/>
+              <a:t>OUTPUT</a:t>
+            </a:r>
+            <a:r>
+              <a:rPr lang="he-IL" sz="1800" dirty="0">
+                <a:cs typeface="David" panose="020E0502060401010101" pitchFamily="34" charset="-79"/>
+              </a:rPr>
+              <a:t> ובסוף גם מראה סיכום של הניסוי:</a:t>
+            </a:r>
+          </a:p>
+          <a:p>
+            <a:pPr marL="457200" lvl="1" indent="0" algn="just" rtl="1">
+              <a:buFont typeface="Arial" panose="020B0604020202020204" pitchFamily="34" charset="0"/>
+              <a:buNone/>
+            </a:pPr>
+            <a:br>
+              <a:rPr lang="en-US" sz="1800" dirty="0"/>
+            </a:br>
+            <a:endParaRPr lang="he-IL" sz="1800" dirty="0">
+              <a:cs typeface="David" panose="020E0502060401010101" pitchFamily="34" charset="-79"/>
+            </a:endParaRPr>
+          </a:p>
+          <a:p>
+            <a:pPr marL="457200" lvl="1" indent="0" algn="just" rtl="1">
+              <a:buFont typeface="Arial" panose="020B0604020202020204" pitchFamily="34" charset="0"/>
+              <a:buNone/>
+            </a:pPr>
+            <a:endParaRPr lang="en-US" sz="1800" dirty="0"/>
+          </a:p>
+          <a:p>
+            <a:pPr marL="457200" lvl="1" indent="0" algn="just" rtl="1">
+              <a:buFont typeface="Arial" panose="020B0604020202020204" pitchFamily="34" charset="0"/>
+              <a:buNone/>
+            </a:pPr>
+            <a:endParaRPr lang="en-US" sz="1800" dirty="0"/>
+          </a:p>
+          <a:p>
+            <a:pPr lvl="1" algn="just" rtl="1"/>
+            <a:r>
+              <a:rPr lang="en-US" sz="1800" dirty="0"/>
+              <a:t>attempts.csv</a:t>
+            </a:r>
+            <a:r>
+              <a:rPr lang="he-IL" sz="1800" dirty="0">
+                <a:cs typeface="David" panose="020E0502060401010101" pitchFamily="34" charset="-79"/>
+              </a:rPr>
+              <a:t> - לוג יותר אינפורמטיבי המכיל מידע סטטיסטי, כאן אפשר לראות באופן מסודר הזמן, המשתמש, מצב הגיבוב (אם יש), ושיטות ההגנה בהם משתמשים. בנוסף ניתן לראות את התוצאה של כל ניסיון התחברות, וכמה זמן לקח במילישניות.</a:t>
+            </a:r>
+            <a:endParaRPr lang="en-US" sz="1800" dirty="0">
+              <a:cs typeface="David" panose="020E0502060401010101" pitchFamily="34" charset="-79"/>
+            </a:endParaRPr>
+          </a:p>
+          <a:p>
+            <a:pPr lvl="1" algn="just" rtl="1"/>
+            <a:r>
+              <a:rPr lang="he-IL" sz="1800" dirty="0">
+                <a:cs typeface="David" panose="020E0502060401010101" pitchFamily="34" charset="-79"/>
+              </a:rPr>
+              <a:t>צירפנו את הלוגים שלנו בתיקיית </a:t>
+            </a:r>
+            <a:r>
+              <a:rPr lang="en-US" sz="1800" dirty="0"/>
+              <a:t>logs</a:t>
+            </a:r>
+            <a:r>
+              <a:rPr lang="he-IL" sz="1800" dirty="0">
+                <a:cs typeface="David" panose="020E0502060401010101" pitchFamily="34" charset="-79"/>
+              </a:rPr>
+              <a:t> שם שינינו את השמות לפי שיטות גיבוב והגנה.</a:t>
+            </a:r>
+            <a:endParaRPr lang="en-US" sz="1800" dirty="0"/>
+          </a:p>
+          <a:p>
+            <a:pPr lvl="1" algn="just" rtl="1"/>
+            <a:endParaRPr lang="en-US" sz="1800" dirty="0"/>
+          </a:p>
+        </p:txBody>
+      </p:sp>
+      <p:pic>
+        <p:nvPicPr>
+          <p:cNvPr id="6" name="Picture 5">
+            <a:extLst>
+              <a:ext uri="{FF2B5EF4-FFF2-40B4-BE49-F238E27FC236}">
+                <a16:creationId xmlns:a16="http://schemas.microsoft.com/office/drawing/2014/main" id="{B1C98FE1-D56D-21A7-AAEF-84DAF377C1D5}"/>
+              </a:ext>
+            </a:extLst>
+          </p:cNvPr>
+          <p:cNvPicPr>
+            <a:picLocks noChangeAspect="1"/>
+          </p:cNvPicPr>
+          <p:nvPr/>
+        </p:nvPicPr>
+        <p:blipFill>
+          <a:blip r:embed="rId3"/>
+          <a:stretch>
+            <a:fillRect/>
+          </a:stretch>
+        </p:blipFill>
+        <p:spPr>
+          <a:xfrm>
+            <a:off x="3943049" y="4392833"/>
             <a:ext cx="4305901" cy="866896"/>
           </a:xfrm>
           <a:prstGeom prst="rect">
@@ -3385,105 +3945,7 @@
     </p:spTree>
     <p:extLst>
       <p:ext uri="{BB962C8B-B14F-4D97-AF65-F5344CB8AC3E}">
-        <p14:creationId xmlns:p14="http://schemas.microsoft.com/office/powerpoint/2010/main" val="3851985741"/>
-      </p:ext>
-    </p:extLst>
-  </p:cSld>
-  <p:clrMapOvr>
-    <a:masterClrMapping/>
-  </p:clrMapOvr>
-</p:sld>
-</file>
-
-<file path=ppt/slides/slide12.xml><?xml version="1.0" encoding="utf-8"?>
-<p:sld xmlns:a="http://schemas.openxmlformats.org/drawingml/2006/main" xmlns:r="http://schemas.openxmlformats.org/officeDocument/2006/relationships" xmlns:p="http://schemas.openxmlformats.org/presentationml/2006/main">
-  <p:cSld>
-    <p:spTree>
-      <p:nvGrpSpPr>
-        <p:cNvPr id="1" name=""/>
-        <p:cNvGrpSpPr/>
-        <p:nvPr/>
-      </p:nvGrpSpPr>
-      <p:grpSpPr>
-        <a:xfrm>
-          <a:off x="0" y="0"/>
-          <a:ext cx="0" cy="0"/>
-          <a:chOff x="0" y="0"/>
-          <a:chExt cx="0" cy="0"/>
-        </a:xfrm>
-      </p:grpSpPr>
-      <p:sp>
-        <p:nvSpPr>
-          <p:cNvPr id="2" name="Title 1">
-            <a:extLst>
-              <a:ext uri="{FF2B5EF4-FFF2-40B4-BE49-F238E27FC236}">
-                <a16:creationId xmlns:a16="http://schemas.microsoft.com/office/drawing/2014/main" id="{178409B9-C2C8-85DD-F3B1-FD16E7FCA18C}"/>
-              </a:ext>
-            </a:extLst>
-          </p:cNvPr>
-          <p:cNvSpPr>
-            <a:spLocks noGrp="1"/>
-          </p:cNvSpPr>
-          <p:nvPr>
-            <p:ph type="title"/>
-          </p:nvPr>
-        </p:nvSpPr>
-        <p:spPr/>
-        <p:txBody>
-          <a:bodyPr/>
-          <a:lstStyle/>
-          <a:p>
-            <a:pPr algn="ctr" rtl="1"/>
-            <a:r>
-              <a:rPr lang="he-IL" dirty="0"/>
-              <a:t>הלוגים שלנו</a:t>
-            </a:r>
-            <a:endParaRPr lang="en-US" dirty="0"/>
-          </a:p>
-        </p:txBody>
-      </p:sp>
-      <p:sp>
-        <p:nvSpPr>
-          <p:cNvPr id="3" name="Content Placeholder 2">
-            <a:extLst>
-              <a:ext uri="{FF2B5EF4-FFF2-40B4-BE49-F238E27FC236}">
-                <a16:creationId xmlns:a16="http://schemas.microsoft.com/office/drawing/2014/main" id="{DA3E09A9-FCBE-AA6F-9837-DE0ED3BF549C}"/>
-              </a:ext>
-            </a:extLst>
-          </p:cNvPr>
-          <p:cNvSpPr>
-            <a:spLocks noGrp="1"/>
-          </p:cNvSpPr>
-          <p:nvPr>
-            <p:ph idx="1"/>
-          </p:nvPr>
-        </p:nvSpPr>
-        <p:spPr/>
-        <p:txBody>
-          <a:bodyPr/>
-          <a:lstStyle/>
-          <a:p>
-            <a:pPr algn="r" rtl="1"/>
-            <a:r>
-              <a:rPr lang="he-IL" dirty="0"/>
-              <a:t>צירפנו את הלוגים שלנו בתיקיית </a:t>
-            </a:r>
-            <a:r>
-              <a:rPr lang="en-US" dirty="0"/>
-              <a:t>logs</a:t>
-            </a:r>
-            <a:r>
-              <a:rPr lang="he-IL" dirty="0"/>
-              <a:t> שם שינינו את השמות לפי שיטות גיבוב והגנה.</a:t>
-            </a:r>
-            <a:endParaRPr lang="en-US" dirty="0"/>
-          </a:p>
-        </p:txBody>
-      </p:sp>
-    </p:spTree>
-    <p:extLst>
-      <p:ext uri="{BB962C8B-B14F-4D97-AF65-F5344CB8AC3E}">
-        <p14:creationId xmlns:p14="http://schemas.microsoft.com/office/powerpoint/2010/main" val="664943135"/>
+        <p14:creationId xmlns:p14="http://schemas.microsoft.com/office/powerpoint/2010/main" val="4265257073"/>
       </p:ext>
     </p:extLst>
   </p:cSld>
@@ -3533,8 +3995,10 @@
           <a:p>
             <a:pPr algn="ctr"/>
             <a:r>
-              <a:rPr lang="he-IL" dirty="0"/>
-              <a:t>מבוא</a:t>
+              <a:rPr lang="he-IL" dirty="0">
+                <a:cs typeface="David" panose="020E0502060401010101" pitchFamily="34" charset="-79"/>
+              </a:rPr>
+              <a:t>תוכן עניינים</a:t>
             </a:r>
             <a:endParaRPr lang="en-US" dirty="0"/>
           </a:p>
@@ -3563,45 +4027,307 @@
           </a:xfrm>
         </p:spPr>
         <p:txBody>
-          <a:bodyPr/>
+          <a:bodyPr>
+            <a:normAutofit/>
+          </a:bodyPr>
           <a:lstStyle/>
           <a:p>
             <a:pPr algn="r" rtl="1"/>
             <a:r>
-              <a:rPr lang="he-IL" dirty="0"/>
-              <a:t>פה נציג את סביבת העבודה שלנו, איך יכולים לשנות קונפיגורציות, וגם איך לשחזר ניסויים.</a:t>
+              <a:rPr lang="he-IL" dirty="0">
+                <a:cs typeface="David" panose="020E0502060401010101" pitchFamily="34" charset="-79"/>
+              </a:rPr>
+              <a:t>מטרות הפרויקט</a:t>
             </a:r>
           </a:p>
           <a:p>
             <a:pPr algn="r" rtl="1"/>
-            <a:endParaRPr lang="he-IL" dirty="0"/>
+            <a:r>
+              <a:rPr lang="he-IL" dirty="0">
+                <a:cs typeface="David" panose="020E0502060401010101" pitchFamily="34" charset="-79"/>
+              </a:rPr>
+              <a:t>מתודולוגיה</a:t>
+            </a:r>
           </a:p>
           <a:p>
             <a:pPr algn="r" rtl="1"/>
             <a:r>
-              <a:rPr lang="he-IL" dirty="0"/>
-              <a:t>בנוסף זהו הלינק לפרויקט שלנו </a:t>
-            </a:r>
-            <a:r>
-              <a:rPr lang="he-IL" dirty="0" err="1"/>
+              <a:rPr lang="he-IL" dirty="0">
+                <a:cs typeface="David" panose="020E0502060401010101" pitchFamily="34" charset="-79"/>
+              </a:rPr>
+              <a:t>ממצאים, מסקנות וביקורת</a:t>
+            </a:r>
+          </a:p>
+          <a:p>
+            <a:pPr algn="r" rtl="1"/>
+            <a:r>
+              <a:rPr lang="he-IL" dirty="0">
+                <a:cs typeface="David" panose="020E0502060401010101" pitchFamily="34" charset="-79"/>
+              </a:rPr>
+              <a:t>מגבלות הניסוי</a:t>
+            </a:r>
+          </a:p>
+          <a:p>
+            <a:pPr algn="r" rtl="1"/>
+            <a:r>
+              <a:rPr lang="he-IL" dirty="0">
+                <a:cs typeface="David" panose="020E0502060401010101" pitchFamily="34" charset="-79"/>
+              </a:rPr>
+              <a:t>הצגת סביבת העבודה, </a:t>
+            </a:r>
+            <a:r>
+              <a:rPr lang="he-IL" dirty="0" err="1">
+                <a:cs typeface="David" panose="020E0502060401010101" pitchFamily="34" charset="-79"/>
+              </a:rPr>
+              <a:t>קונפיגורציות</a:t>
+            </a:r>
+            <a:r>
+              <a:rPr lang="he-IL" dirty="0">
+                <a:cs typeface="David" panose="020E0502060401010101" pitchFamily="34" charset="-79"/>
+              </a:rPr>
+              <a:t> ואיך לשחזר ניסויים.</a:t>
+            </a:r>
+          </a:p>
+        </p:txBody>
+      </p:sp>
+      <p:sp>
+        <p:nvSpPr>
+          <p:cNvPr id="4" name="Content Placeholder 2">
+            <a:extLst>
+              <a:ext uri="{FF2B5EF4-FFF2-40B4-BE49-F238E27FC236}">
+                <a16:creationId xmlns:a16="http://schemas.microsoft.com/office/drawing/2014/main" id="{1DF44533-3FF4-B427-BFD1-C0DB1B1B99BF}"/>
+              </a:ext>
+            </a:extLst>
+          </p:cNvPr>
+          <p:cNvSpPr txBox="1">
+            <a:spLocks/>
+          </p:cNvSpPr>
+          <p:nvPr/>
+        </p:nvSpPr>
+        <p:spPr>
+          <a:xfrm>
+            <a:off x="2758611" y="5198724"/>
+            <a:ext cx="8009035" cy="1042836"/>
+          </a:xfrm>
+          <a:prstGeom prst="rect">
+            <a:avLst/>
+          </a:prstGeom>
+          <a:ln>
+            <a:solidFill>
+              <a:schemeClr val="tx1"/>
+            </a:solidFill>
+          </a:ln>
+        </p:spPr>
+        <p:txBody>
+          <a:bodyPr vert="horz" lIns="91440" tIns="45720" rIns="91440" bIns="45720" rtlCol="0">
+            <a:normAutofit/>
+          </a:bodyPr>
+          <a:lstStyle>
+            <a:lvl1pPr marL="228600" indent="-228600" algn="l" defTabSz="914400" rtl="0" eaLnBrk="1" latinLnBrk="0" hangingPunct="1">
+              <a:lnSpc>
+                <a:spcPct val="90000"/>
+              </a:lnSpc>
+              <a:spcBef>
+                <a:spcPts val="1000"/>
+              </a:spcBef>
+              <a:buFont typeface="Arial" panose="020B0604020202020204" pitchFamily="34" charset="0"/>
+              <a:buChar char="•"/>
+              <a:defRPr sz="2800" kern="1200">
+                <a:solidFill>
+                  <a:schemeClr val="tx1"/>
+                </a:solidFill>
+                <a:latin typeface="+mn-lt"/>
+                <a:ea typeface="+mn-ea"/>
+                <a:cs typeface="+mn-cs"/>
+              </a:defRPr>
+            </a:lvl1pPr>
+            <a:lvl2pPr marL="685800" indent="-228600" algn="l" defTabSz="914400" rtl="0" eaLnBrk="1" latinLnBrk="0" hangingPunct="1">
+              <a:lnSpc>
+                <a:spcPct val="90000"/>
+              </a:lnSpc>
+              <a:spcBef>
+                <a:spcPts val="500"/>
+              </a:spcBef>
+              <a:buFont typeface="Arial" panose="020B0604020202020204" pitchFamily="34" charset="0"/>
+              <a:buChar char="•"/>
+              <a:defRPr sz="2400" kern="1200">
+                <a:solidFill>
+                  <a:schemeClr val="tx1"/>
+                </a:solidFill>
+                <a:latin typeface="+mn-lt"/>
+                <a:ea typeface="+mn-ea"/>
+                <a:cs typeface="+mn-cs"/>
+              </a:defRPr>
+            </a:lvl2pPr>
+            <a:lvl3pPr marL="1143000" indent="-228600" algn="l" defTabSz="914400" rtl="0" eaLnBrk="1" latinLnBrk="0" hangingPunct="1">
+              <a:lnSpc>
+                <a:spcPct val="90000"/>
+              </a:lnSpc>
+              <a:spcBef>
+                <a:spcPts val="500"/>
+              </a:spcBef>
+              <a:buFont typeface="Arial" panose="020B0604020202020204" pitchFamily="34" charset="0"/>
+              <a:buChar char="•"/>
+              <a:defRPr sz="2000" kern="1200">
+                <a:solidFill>
+                  <a:schemeClr val="tx1"/>
+                </a:solidFill>
+                <a:latin typeface="+mn-lt"/>
+                <a:ea typeface="+mn-ea"/>
+                <a:cs typeface="+mn-cs"/>
+              </a:defRPr>
+            </a:lvl3pPr>
+            <a:lvl4pPr marL="1600200" indent="-228600" algn="l" defTabSz="914400" rtl="0" eaLnBrk="1" latinLnBrk="0" hangingPunct="1">
+              <a:lnSpc>
+                <a:spcPct val="90000"/>
+              </a:lnSpc>
+              <a:spcBef>
+                <a:spcPts val="500"/>
+              </a:spcBef>
+              <a:buFont typeface="Arial" panose="020B0604020202020204" pitchFamily="34" charset="0"/>
+              <a:buChar char="•"/>
+              <a:defRPr sz="1800" kern="1200">
+                <a:solidFill>
+                  <a:schemeClr val="tx1"/>
+                </a:solidFill>
+                <a:latin typeface="+mn-lt"/>
+                <a:ea typeface="+mn-ea"/>
+                <a:cs typeface="+mn-cs"/>
+              </a:defRPr>
+            </a:lvl4pPr>
+            <a:lvl5pPr marL="2057400" indent="-228600" algn="l" defTabSz="914400" rtl="0" eaLnBrk="1" latinLnBrk="0" hangingPunct="1">
+              <a:lnSpc>
+                <a:spcPct val="90000"/>
+              </a:lnSpc>
+              <a:spcBef>
+                <a:spcPts val="500"/>
+              </a:spcBef>
+              <a:buFont typeface="Arial" panose="020B0604020202020204" pitchFamily="34" charset="0"/>
+              <a:buChar char="•"/>
+              <a:defRPr sz="1800" kern="1200">
+                <a:solidFill>
+                  <a:schemeClr val="tx1"/>
+                </a:solidFill>
+                <a:latin typeface="+mn-lt"/>
+                <a:ea typeface="+mn-ea"/>
+                <a:cs typeface="+mn-cs"/>
+              </a:defRPr>
+            </a:lvl5pPr>
+            <a:lvl6pPr marL="2514600" indent="-228600" algn="l" defTabSz="914400" rtl="0" eaLnBrk="1" latinLnBrk="0" hangingPunct="1">
+              <a:lnSpc>
+                <a:spcPct val="90000"/>
+              </a:lnSpc>
+              <a:spcBef>
+                <a:spcPts val="500"/>
+              </a:spcBef>
+              <a:buFont typeface="Arial" panose="020B0604020202020204" pitchFamily="34" charset="0"/>
+              <a:buChar char="•"/>
+              <a:defRPr sz="1800" kern="1200">
+                <a:solidFill>
+                  <a:schemeClr val="tx1"/>
+                </a:solidFill>
+                <a:latin typeface="+mn-lt"/>
+                <a:ea typeface="+mn-ea"/>
+                <a:cs typeface="+mn-cs"/>
+              </a:defRPr>
+            </a:lvl6pPr>
+            <a:lvl7pPr marL="2971800" indent="-228600" algn="l" defTabSz="914400" rtl="0" eaLnBrk="1" latinLnBrk="0" hangingPunct="1">
+              <a:lnSpc>
+                <a:spcPct val="90000"/>
+              </a:lnSpc>
+              <a:spcBef>
+                <a:spcPts val="500"/>
+              </a:spcBef>
+              <a:buFont typeface="Arial" panose="020B0604020202020204" pitchFamily="34" charset="0"/>
+              <a:buChar char="•"/>
+              <a:defRPr sz="1800" kern="1200">
+                <a:solidFill>
+                  <a:schemeClr val="tx1"/>
+                </a:solidFill>
+                <a:latin typeface="+mn-lt"/>
+                <a:ea typeface="+mn-ea"/>
+                <a:cs typeface="+mn-cs"/>
+              </a:defRPr>
+            </a:lvl7pPr>
+            <a:lvl8pPr marL="3429000" indent="-228600" algn="l" defTabSz="914400" rtl="0" eaLnBrk="1" latinLnBrk="0" hangingPunct="1">
+              <a:lnSpc>
+                <a:spcPct val="90000"/>
+              </a:lnSpc>
+              <a:spcBef>
+                <a:spcPts val="500"/>
+              </a:spcBef>
+              <a:buFont typeface="Arial" panose="020B0604020202020204" pitchFamily="34" charset="0"/>
+              <a:buChar char="•"/>
+              <a:defRPr sz="1800" kern="1200">
+                <a:solidFill>
+                  <a:schemeClr val="tx1"/>
+                </a:solidFill>
+                <a:latin typeface="+mn-lt"/>
+                <a:ea typeface="+mn-ea"/>
+                <a:cs typeface="+mn-cs"/>
+              </a:defRPr>
+            </a:lvl8pPr>
+            <a:lvl9pPr marL="3886200" indent="-228600" algn="l" defTabSz="914400" rtl="0" eaLnBrk="1" latinLnBrk="0" hangingPunct="1">
+              <a:lnSpc>
+                <a:spcPct val="90000"/>
+              </a:lnSpc>
+              <a:spcBef>
+                <a:spcPts val="500"/>
+              </a:spcBef>
+              <a:buFont typeface="Arial" panose="020B0604020202020204" pitchFamily="34" charset="0"/>
+              <a:buChar char="•"/>
+              <a:defRPr sz="1800" kern="1200">
+                <a:solidFill>
+                  <a:schemeClr val="tx1"/>
+                </a:solidFill>
+                <a:latin typeface="+mn-lt"/>
+                <a:ea typeface="+mn-ea"/>
+                <a:cs typeface="+mn-cs"/>
+              </a:defRPr>
+            </a:lvl9pPr>
+          </a:lstStyle>
+          <a:p>
+            <a:pPr marL="0" indent="0" algn="r" rtl="1">
+              <a:buFont typeface="Arial" panose="020B0604020202020204" pitchFamily="34" charset="0"/>
+              <a:buNone/>
+            </a:pPr>
+            <a:r>
+              <a:rPr lang="he-IL" dirty="0">
+                <a:latin typeface="David" panose="020E0502060401010101" pitchFamily="34" charset="-79"/>
+                <a:cs typeface="David" panose="020E0502060401010101" pitchFamily="34" charset="-79"/>
+              </a:rPr>
+              <a:t>הלינק לפרויקט </a:t>
+            </a:r>
+            <a:r>
+              <a:rPr lang="he-IL" dirty="0" err="1">
+                <a:latin typeface="David" panose="020E0502060401010101" pitchFamily="34" charset="-79"/>
+                <a:cs typeface="David" panose="020E0502060401010101" pitchFamily="34" charset="-79"/>
+              </a:rPr>
               <a:t>בגיט</a:t>
             </a:r>
             <a:r>
-              <a:rPr lang="he-IL" dirty="0"/>
+              <a:rPr lang="he-IL" dirty="0">
+                <a:latin typeface="David" panose="020E0502060401010101" pitchFamily="34" charset="-79"/>
+                <a:cs typeface="David" panose="020E0502060401010101" pitchFamily="34" charset="-79"/>
+              </a:rPr>
               <a:t>:</a:t>
             </a:r>
           </a:p>
           <a:p>
             <a:pPr marL="0" indent="0" algn="r" rtl="1">
+              <a:buFont typeface="Arial" panose="020B0604020202020204" pitchFamily="34" charset="0"/>
               <a:buNone/>
             </a:pPr>
             <a:r>
               <a:rPr lang="en-US" dirty="0">
+                <a:latin typeface="David" panose="020E0502060401010101" pitchFamily="34" charset="-79"/>
                 <a:hlinkClick r:id="rId2"/>
               </a:rPr>
               <a:t>https://github.com/DollyShe/Cyber-Security-Project</a:t>
             </a:r>
-            <a:endParaRPr lang="en-US" dirty="0"/>
+            <a:endParaRPr lang="en-US" dirty="0">
+              <a:latin typeface="David" panose="020E0502060401010101" pitchFamily="34" charset="-79"/>
+            </a:endParaRPr>
           </a:p>
         </p:txBody>
       </p:sp>
@@ -3637,6 +4363,3235 @@
       </p:grpSpPr>
       <p:sp>
         <p:nvSpPr>
+          <p:cNvPr id="2" name="כותרת 1">
+            <a:extLst>
+              <a:ext uri="{FF2B5EF4-FFF2-40B4-BE49-F238E27FC236}">
+                <a16:creationId xmlns:a16="http://schemas.microsoft.com/office/drawing/2014/main" id="{85913B40-3EA7-8724-D87C-7B4803D24E6C}"/>
+              </a:ext>
+            </a:extLst>
+          </p:cNvPr>
+          <p:cNvSpPr>
+            <a:spLocks noGrp="1"/>
+          </p:cNvSpPr>
+          <p:nvPr>
+            <p:ph type="title"/>
+          </p:nvPr>
+        </p:nvSpPr>
+        <p:spPr>
+          <a:xfrm>
+            <a:off x="838200" y="-138308"/>
+            <a:ext cx="10515600" cy="1325563"/>
+          </a:xfrm>
+        </p:spPr>
+        <p:txBody>
+          <a:bodyPr>
+            <a:normAutofit/>
+          </a:bodyPr>
+          <a:lstStyle/>
+          <a:p>
+            <a:pPr algn="ctr"/>
+            <a:r>
+              <a:rPr lang="he-IL" sz="2800" b="1" dirty="0">
+                <a:cs typeface="David" panose="020E0502060401010101" pitchFamily="34" charset="-79"/>
+              </a:rPr>
+              <a:t>מטרות הפרויקט</a:t>
+            </a:r>
+            <a:endParaRPr lang="en-IL" sz="2800" b="1" dirty="0"/>
+          </a:p>
+        </p:txBody>
+      </p:sp>
+      <p:sp>
+        <p:nvSpPr>
+          <p:cNvPr id="3" name="מציין מיקום תוכן 2">
+            <a:extLst>
+              <a:ext uri="{FF2B5EF4-FFF2-40B4-BE49-F238E27FC236}">
+                <a16:creationId xmlns:a16="http://schemas.microsoft.com/office/drawing/2014/main" id="{ACF63300-DC91-3130-761C-D70583EF57A6}"/>
+              </a:ext>
+            </a:extLst>
+          </p:cNvPr>
+          <p:cNvSpPr>
+            <a:spLocks noGrp="1"/>
+          </p:cNvSpPr>
+          <p:nvPr>
+            <p:ph idx="1"/>
+          </p:nvPr>
+        </p:nvSpPr>
+        <p:spPr>
+          <a:xfrm>
+            <a:off x="838200" y="787941"/>
+            <a:ext cx="10515600" cy="2581988"/>
+          </a:xfrm>
+        </p:spPr>
+        <p:txBody>
+          <a:bodyPr>
+            <a:normAutofit/>
+          </a:bodyPr>
+          <a:lstStyle/>
+          <a:p>
+            <a:pPr marL="0" indent="0" algn="r" rtl="1">
+              <a:lnSpc>
+                <a:spcPct val="150000"/>
+              </a:lnSpc>
+              <a:buNone/>
+            </a:pPr>
+            <a:r>
+              <a:rPr lang="he-IL" sz="1800" dirty="0">
+                <a:cs typeface="David" panose="020E0502060401010101" pitchFamily="34" charset="-79"/>
+              </a:rPr>
+              <a:t>מטרת המחקר היא לבדוק כיצד שיטות שונות לאחסון סיסמאות ואימות משתמשים מתפקדות מול תקיפות </a:t>
+            </a:r>
+            <a:r>
+              <a:rPr lang="en-US" sz="1800" dirty="0"/>
+              <a:t>Brute-force</a:t>
+            </a:r>
+            <a:r>
+              <a:rPr lang="he-IL" sz="1800" dirty="0">
+                <a:cs typeface="David" panose="020E0502060401010101" pitchFamily="34" charset="-79"/>
+              </a:rPr>
+              <a:t> ו-</a:t>
+            </a:r>
+            <a:r>
+              <a:rPr lang="en-US" sz="1800" dirty="0"/>
+              <a:t>Password-Spray</a:t>
+            </a:r>
+            <a:r>
+              <a:rPr lang="he-IL" sz="1800" dirty="0">
+                <a:cs typeface="David" panose="020E0502060401010101" pitchFamily="34" charset="-79"/>
+              </a:rPr>
+              <a:t>, ולנתח את היתרונות הנוספים של חוזק סיסמאות ואמצעי הגנה משניים כגון הגבלת קצב, נעילת חשבון, </a:t>
+            </a:r>
+            <a:r>
+              <a:rPr lang="en-US" sz="1800" dirty="0"/>
+              <a:t>CAPTCHA</a:t>
+            </a:r>
+            <a:r>
+              <a:rPr lang="he-IL" sz="1800" dirty="0">
+                <a:cs typeface="David" panose="020E0502060401010101" pitchFamily="34" charset="-79"/>
+              </a:rPr>
+              <a:t> ו-</a:t>
+            </a:r>
+            <a:r>
+              <a:rPr lang="en-US" sz="1800" dirty="0"/>
+              <a:t> TOTP</a:t>
+            </a:r>
+            <a:r>
+              <a:rPr lang="he-IL" sz="1800" dirty="0">
+                <a:cs typeface="David" panose="020E0502060401010101" pitchFamily="34" charset="-79"/>
+              </a:rPr>
+              <a:t>(</a:t>
+            </a:r>
+            <a:r>
+              <a:rPr lang="en-US" sz="1800" dirty="0"/>
+              <a:t>Time based One Time Password</a:t>
+            </a:r>
+            <a:r>
+              <a:rPr lang="he-IL" sz="1800" dirty="0">
+                <a:cs typeface="David" panose="020E0502060401010101" pitchFamily="34" charset="-79"/>
+              </a:rPr>
+              <a:t>).</a:t>
+            </a:r>
+          </a:p>
+          <a:p>
+            <a:pPr marL="0" indent="0" algn="r" rtl="1">
+              <a:lnSpc>
+                <a:spcPct val="150000"/>
+              </a:lnSpc>
+              <a:buNone/>
+            </a:pPr>
+            <a:r>
+              <a:rPr lang="he-IL" sz="1800" b="1" dirty="0">
+                <a:cs typeface="David" panose="020E0502060401010101" pitchFamily="34" charset="-79"/>
+              </a:rPr>
+              <a:t>הצהרת עמידה בכללי האתיקה: </a:t>
+            </a:r>
+            <a:r>
+              <a:rPr lang="he-IL" sz="1800" dirty="0">
+                <a:cs typeface="David" panose="020E0502060401010101" pitchFamily="34" charset="-79"/>
+              </a:rPr>
+              <a:t>כל הניסויים התבצעו אך ורק על מערכות וירטואליות השייכות לסטודנטיות. לא התבצעו תקיפות על רשתות או מערכות חיצוניות ונעשה שימוש אך ורק בנתוני משתמשים מלאכותיים. </a:t>
+            </a:r>
+            <a:endParaRPr lang="en-IL" sz="1800" dirty="0"/>
+          </a:p>
+          <a:p>
+            <a:pPr marL="0" indent="0" algn="r" rtl="1">
+              <a:lnSpc>
+                <a:spcPct val="150000"/>
+              </a:lnSpc>
+              <a:buNone/>
+            </a:pPr>
+            <a:endParaRPr lang="en-IL" sz="1800" dirty="0"/>
+          </a:p>
+        </p:txBody>
+      </p:sp>
+      <p:sp>
+        <p:nvSpPr>
+          <p:cNvPr id="4" name="כותרת 1">
+            <a:extLst>
+              <a:ext uri="{FF2B5EF4-FFF2-40B4-BE49-F238E27FC236}">
+                <a16:creationId xmlns:a16="http://schemas.microsoft.com/office/drawing/2014/main" id="{3B01A42B-BEFE-8641-AF4A-67B266925939}"/>
+              </a:ext>
+            </a:extLst>
+          </p:cNvPr>
+          <p:cNvSpPr txBox="1">
+            <a:spLocks/>
+          </p:cNvSpPr>
+          <p:nvPr/>
+        </p:nvSpPr>
+        <p:spPr>
+          <a:xfrm>
+            <a:off x="838200" y="3359642"/>
+            <a:ext cx="10515600" cy="554764"/>
+          </a:xfrm>
+          <a:prstGeom prst="rect">
+            <a:avLst/>
+          </a:prstGeom>
+        </p:spPr>
+        <p:txBody>
+          <a:bodyPr vert="horz" lIns="91440" tIns="45720" rIns="91440" bIns="45720" rtlCol="0" anchor="ctr">
+            <a:noAutofit/>
+          </a:bodyPr>
+          <a:lstStyle>
+            <a:lvl1pPr algn="l" defTabSz="914400" rtl="0" eaLnBrk="1" latinLnBrk="0" hangingPunct="1">
+              <a:lnSpc>
+                <a:spcPct val="90000"/>
+              </a:lnSpc>
+              <a:spcBef>
+                <a:spcPct val="0"/>
+              </a:spcBef>
+              <a:buNone/>
+              <a:defRPr sz="4400" kern="1200">
+                <a:solidFill>
+                  <a:schemeClr val="tx1"/>
+                </a:solidFill>
+                <a:latin typeface="David" panose="020E0502060401010101" pitchFamily="34" charset="-79"/>
+                <a:ea typeface="+mj-ea"/>
+                <a:cs typeface="+mj-cs"/>
+              </a:defRPr>
+            </a:lvl1pPr>
+          </a:lstStyle>
+          <a:p>
+            <a:pPr algn="ctr" rtl="1">
+              <a:lnSpc>
+                <a:spcPct val="150000"/>
+              </a:lnSpc>
+              <a:spcAft>
+                <a:spcPts val="800"/>
+              </a:spcAft>
+            </a:pPr>
+            <a:r>
+              <a:rPr lang="he-IL" sz="2800" b="1" kern="100" dirty="0">
+                <a:ea typeface="Calibri" panose="020F0502020204030204" pitchFamily="34" charset="0"/>
+                <a:cs typeface="David" panose="020E0502060401010101" pitchFamily="34" charset="-79"/>
+              </a:rPr>
+              <a:t>מתודולוגית הניסוי</a:t>
+            </a:r>
+            <a:endParaRPr lang="en-IL" sz="2800" b="1" kern="100" dirty="0">
+              <a:ea typeface="Calibri" panose="020F0502020204030204" pitchFamily="34" charset="0"/>
+              <a:cs typeface="David" panose="020E0502060401010101" pitchFamily="34" charset="-79"/>
+            </a:endParaRPr>
+          </a:p>
+        </p:txBody>
+      </p:sp>
+      <p:sp>
+        <p:nvSpPr>
+          <p:cNvPr id="5" name="מציין מיקום תוכן 2">
+            <a:extLst>
+              <a:ext uri="{FF2B5EF4-FFF2-40B4-BE49-F238E27FC236}">
+                <a16:creationId xmlns:a16="http://schemas.microsoft.com/office/drawing/2014/main" id="{E1CCE240-EEA8-2607-AE7B-CC97026009BC}"/>
+              </a:ext>
+            </a:extLst>
+          </p:cNvPr>
+          <p:cNvSpPr txBox="1">
+            <a:spLocks/>
+          </p:cNvSpPr>
+          <p:nvPr/>
+        </p:nvSpPr>
+        <p:spPr>
+          <a:xfrm>
+            <a:off x="838200" y="3971549"/>
+            <a:ext cx="10515600" cy="2891586"/>
+          </a:xfrm>
+          <a:prstGeom prst="rect">
+            <a:avLst/>
+          </a:prstGeom>
+        </p:spPr>
+        <p:txBody>
+          <a:bodyPr vert="horz" lIns="91440" tIns="45720" rIns="91440" bIns="45720" rtlCol="0">
+            <a:normAutofit/>
+          </a:bodyPr>
+          <a:lstStyle>
+            <a:lvl1pPr marL="228600" indent="-228600" algn="l" defTabSz="914400" rtl="0" eaLnBrk="1" latinLnBrk="0" hangingPunct="1">
+              <a:lnSpc>
+                <a:spcPct val="90000"/>
+              </a:lnSpc>
+              <a:spcBef>
+                <a:spcPts val="1000"/>
+              </a:spcBef>
+              <a:buFont typeface="Arial" panose="020B0604020202020204" pitchFamily="34" charset="0"/>
+              <a:buChar char="•"/>
+              <a:defRPr sz="2800" kern="1200">
+                <a:solidFill>
+                  <a:schemeClr val="tx1"/>
+                </a:solidFill>
+                <a:latin typeface="David" panose="020E0502060401010101" pitchFamily="34" charset="-79"/>
+                <a:ea typeface="+mn-ea"/>
+                <a:cs typeface="+mn-cs"/>
+              </a:defRPr>
+            </a:lvl1pPr>
+            <a:lvl2pPr marL="685800" indent="-228600" algn="l" defTabSz="914400" rtl="0" eaLnBrk="1" latinLnBrk="0" hangingPunct="1">
+              <a:lnSpc>
+                <a:spcPct val="90000"/>
+              </a:lnSpc>
+              <a:spcBef>
+                <a:spcPts val="500"/>
+              </a:spcBef>
+              <a:buFont typeface="Arial" panose="020B0604020202020204" pitchFamily="34" charset="0"/>
+              <a:buChar char="•"/>
+              <a:defRPr sz="2400" kern="1200">
+                <a:solidFill>
+                  <a:schemeClr val="tx1"/>
+                </a:solidFill>
+                <a:latin typeface="David" panose="020E0502060401010101" pitchFamily="34" charset="-79"/>
+                <a:ea typeface="+mn-ea"/>
+                <a:cs typeface="+mn-cs"/>
+              </a:defRPr>
+            </a:lvl2pPr>
+            <a:lvl3pPr marL="1143000" indent="-228600" algn="l" defTabSz="914400" rtl="0" eaLnBrk="1" latinLnBrk="0" hangingPunct="1">
+              <a:lnSpc>
+                <a:spcPct val="90000"/>
+              </a:lnSpc>
+              <a:spcBef>
+                <a:spcPts val="500"/>
+              </a:spcBef>
+              <a:buFont typeface="Arial" panose="020B0604020202020204" pitchFamily="34" charset="0"/>
+              <a:buChar char="•"/>
+              <a:defRPr sz="2000" kern="1200">
+                <a:solidFill>
+                  <a:schemeClr val="tx1"/>
+                </a:solidFill>
+                <a:latin typeface="David" panose="020E0502060401010101" pitchFamily="34" charset="-79"/>
+                <a:ea typeface="+mn-ea"/>
+                <a:cs typeface="+mn-cs"/>
+              </a:defRPr>
+            </a:lvl3pPr>
+            <a:lvl4pPr marL="1600200" indent="-228600" algn="l" defTabSz="914400" rtl="0" eaLnBrk="1" latinLnBrk="0" hangingPunct="1">
+              <a:lnSpc>
+                <a:spcPct val="90000"/>
+              </a:lnSpc>
+              <a:spcBef>
+                <a:spcPts val="500"/>
+              </a:spcBef>
+              <a:buFont typeface="Arial" panose="020B0604020202020204" pitchFamily="34" charset="0"/>
+              <a:buChar char="•"/>
+              <a:defRPr sz="1800" kern="1200">
+                <a:solidFill>
+                  <a:schemeClr val="tx1"/>
+                </a:solidFill>
+                <a:latin typeface="David" panose="020E0502060401010101" pitchFamily="34" charset="-79"/>
+                <a:ea typeface="+mn-ea"/>
+                <a:cs typeface="+mn-cs"/>
+              </a:defRPr>
+            </a:lvl4pPr>
+            <a:lvl5pPr marL="2057400" indent="-228600" algn="l" defTabSz="914400" rtl="0" eaLnBrk="1" latinLnBrk="0" hangingPunct="1">
+              <a:lnSpc>
+                <a:spcPct val="90000"/>
+              </a:lnSpc>
+              <a:spcBef>
+                <a:spcPts val="500"/>
+              </a:spcBef>
+              <a:buFont typeface="Arial" panose="020B0604020202020204" pitchFamily="34" charset="0"/>
+              <a:buChar char="•"/>
+              <a:defRPr sz="1800" kern="1200">
+                <a:solidFill>
+                  <a:schemeClr val="tx1"/>
+                </a:solidFill>
+                <a:latin typeface="David" panose="020E0502060401010101" pitchFamily="34" charset="-79"/>
+                <a:ea typeface="+mn-ea"/>
+                <a:cs typeface="+mn-cs"/>
+              </a:defRPr>
+            </a:lvl5pPr>
+            <a:lvl6pPr marL="2514600" indent="-228600" algn="l" defTabSz="914400" rtl="0" eaLnBrk="1" latinLnBrk="0" hangingPunct="1">
+              <a:lnSpc>
+                <a:spcPct val="90000"/>
+              </a:lnSpc>
+              <a:spcBef>
+                <a:spcPts val="500"/>
+              </a:spcBef>
+              <a:buFont typeface="Arial" panose="020B0604020202020204" pitchFamily="34" charset="0"/>
+              <a:buChar char="•"/>
+              <a:defRPr sz="1800" kern="1200">
+                <a:solidFill>
+                  <a:schemeClr val="tx1"/>
+                </a:solidFill>
+                <a:latin typeface="+mn-lt"/>
+                <a:ea typeface="+mn-ea"/>
+                <a:cs typeface="+mn-cs"/>
+              </a:defRPr>
+            </a:lvl6pPr>
+            <a:lvl7pPr marL="2971800" indent="-228600" algn="l" defTabSz="914400" rtl="0" eaLnBrk="1" latinLnBrk="0" hangingPunct="1">
+              <a:lnSpc>
+                <a:spcPct val="90000"/>
+              </a:lnSpc>
+              <a:spcBef>
+                <a:spcPts val="500"/>
+              </a:spcBef>
+              <a:buFont typeface="Arial" panose="020B0604020202020204" pitchFamily="34" charset="0"/>
+              <a:buChar char="•"/>
+              <a:defRPr sz="1800" kern="1200">
+                <a:solidFill>
+                  <a:schemeClr val="tx1"/>
+                </a:solidFill>
+                <a:latin typeface="+mn-lt"/>
+                <a:ea typeface="+mn-ea"/>
+                <a:cs typeface="+mn-cs"/>
+              </a:defRPr>
+            </a:lvl7pPr>
+            <a:lvl8pPr marL="3429000" indent="-228600" algn="l" defTabSz="914400" rtl="0" eaLnBrk="1" latinLnBrk="0" hangingPunct="1">
+              <a:lnSpc>
+                <a:spcPct val="90000"/>
+              </a:lnSpc>
+              <a:spcBef>
+                <a:spcPts val="500"/>
+              </a:spcBef>
+              <a:buFont typeface="Arial" panose="020B0604020202020204" pitchFamily="34" charset="0"/>
+              <a:buChar char="•"/>
+              <a:defRPr sz="1800" kern="1200">
+                <a:solidFill>
+                  <a:schemeClr val="tx1"/>
+                </a:solidFill>
+                <a:latin typeface="+mn-lt"/>
+                <a:ea typeface="+mn-ea"/>
+                <a:cs typeface="+mn-cs"/>
+              </a:defRPr>
+            </a:lvl8pPr>
+            <a:lvl9pPr marL="3886200" indent="-228600" algn="l" defTabSz="914400" rtl="0" eaLnBrk="1" latinLnBrk="0" hangingPunct="1">
+              <a:lnSpc>
+                <a:spcPct val="90000"/>
+              </a:lnSpc>
+              <a:spcBef>
+                <a:spcPts val="500"/>
+              </a:spcBef>
+              <a:buFont typeface="Arial" panose="020B0604020202020204" pitchFamily="34" charset="0"/>
+              <a:buChar char="•"/>
+              <a:defRPr sz="1800" kern="1200">
+                <a:solidFill>
+                  <a:schemeClr val="tx1"/>
+                </a:solidFill>
+                <a:latin typeface="+mn-lt"/>
+                <a:ea typeface="+mn-ea"/>
+                <a:cs typeface="+mn-cs"/>
+              </a:defRPr>
+            </a:lvl9pPr>
+          </a:lstStyle>
+          <a:p>
+            <a:pPr marL="0" indent="0" algn="just" rtl="1">
+              <a:lnSpc>
+                <a:spcPct val="150000"/>
+              </a:lnSpc>
+              <a:spcBef>
+                <a:spcPts val="0"/>
+              </a:spcBef>
+              <a:buFont typeface="Arial" panose="020B0604020202020204" pitchFamily="34" charset="0"/>
+              <a:buNone/>
+            </a:pPr>
+            <a:r>
+              <a:rPr lang="he-IL" sz="1800" dirty="0">
+                <a:cs typeface="David" panose="020E0502060401010101" pitchFamily="34" charset="-79"/>
+              </a:rPr>
+              <a:t>מימשנו סימולציה של שרת אימות מקומי המדמה שרת אמיתי, המאפשר הרשמה והתחברות משתמשים, ובו 30 משתמשים עם סיסמאות חלשות, בינוניות וחזקות. השרת תומך במנגנוני אחסון סיסמאות ובאמצעי הגנה שונים, שנכללו בסימולציה כדי למדוד את השפעתם על קצב ההתקפות ושיעור ההצלחה. </a:t>
+            </a:r>
+          </a:p>
+          <a:p>
+            <a:pPr marL="0" indent="0" algn="just" rtl="1">
+              <a:lnSpc>
+                <a:spcPct val="150000"/>
+              </a:lnSpc>
+              <a:spcBef>
+                <a:spcPts val="0"/>
+              </a:spcBef>
+              <a:buFont typeface="Arial" panose="020B0604020202020204" pitchFamily="34" charset="0"/>
+              <a:buNone/>
+            </a:pPr>
+            <a:r>
+              <a:rPr lang="he-IL" sz="1800" dirty="0">
+                <a:cs typeface="David" panose="020E0502060401010101" pitchFamily="34" charset="-79"/>
+              </a:rPr>
+              <a:t>לצורך הניסוי בוצעו סימולציות של תקיפות</a:t>
+            </a:r>
+            <a:r>
+              <a:rPr lang="en-US" sz="1800" dirty="0">
+                <a:cs typeface="David" panose="020E0502060401010101" pitchFamily="34" charset="-79"/>
+              </a:rPr>
+              <a:t>Brute Force </a:t>
+            </a:r>
+            <a:r>
+              <a:rPr lang="he-IL" sz="1800" dirty="0">
+                <a:cs typeface="David" panose="020E0502060401010101" pitchFamily="34" charset="-79"/>
+              </a:rPr>
+              <a:t> ו־</a:t>
+            </a:r>
+            <a:r>
+              <a:rPr lang="en-US" sz="1800" dirty="0">
+                <a:cs typeface="David" panose="020E0502060401010101" pitchFamily="34" charset="-79"/>
+              </a:rPr>
+              <a:t>Password Spraying</a:t>
+            </a:r>
+            <a:r>
+              <a:rPr lang="he-IL" sz="1800" dirty="0">
+                <a:cs typeface="David" panose="020E0502060401010101" pitchFamily="34" charset="-79"/>
+              </a:rPr>
+              <a:t> תחת תרחישים שונים: ללא הגנות, עם כל מנגנון בנפרד ועם שילובי מנגנוני הגנה. </a:t>
+            </a:r>
+          </a:p>
+          <a:p>
+            <a:pPr marL="0" indent="0" algn="just" rtl="1">
+              <a:lnSpc>
+                <a:spcPct val="150000"/>
+              </a:lnSpc>
+              <a:spcBef>
+                <a:spcPts val="0"/>
+              </a:spcBef>
+              <a:buFont typeface="Arial" panose="020B0604020202020204" pitchFamily="34" charset="0"/>
+              <a:buNone/>
+            </a:pPr>
+            <a:r>
+              <a:rPr lang="he-IL" sz="1800" dirty="0">
+                <a:cs typeface="David" panose="020E0502060401010101" pitchFamily="34" charset="-79"/>
+              </a:rPr>
+              <a:t>לצורך תקיפות</a:t>
+            </a:r>
+            <a:r>
+              <a:rPr lang="en-US" sz="1800" dirty="0">
+                <a:cs typeface="David" panose="020E0502060401010101" pitchFamily="34" charset="-79"/>
+              </a:rPr>
+              <a:t>Brute Force </a:t>
+            </a:r>
+            <a:r>
+              <a:rPr lang="he-IL" sz="1800" dirty="0">
+                <a:cs typeface="David" panose="020E0502060401010101" pitchFamily="34" charset="-79"/>
+              </a:rPr>
+              <a:t> נבחרו משתמשים ספציפיים בעלי חוזק סיסמאות שונה, וחלקם עם </a:t>
+            </a:r>
+            <a:r>
+              <a:rPr lang="en-US" sz="1800" dirty="0">
+                <a:cs typeface="David" panose="020E0502060401010101" pitchFamily="34" charset="-79"/>
+              </a:rPr>
+              <a:t>TOTP</a:t>
+            </a:r>
+            <a:r>
+              <a:rPr lang="he-IL" sz="1800" dirty="0">
+                <a:cs typeface="David" panose="020E0502060401010101" pitchFamily="34" charset="-79"/>
+              </a:rPr>
+              <a:t>.</a:t>
+            </a:r>
+            <a:endParaRPr lang="en-IL" sz="1800" kern="100" dirty="0">
+              <a:ea typeface="Calibri" panose="020F0502020204030204" pitchFamily="34" charset="0"/>
+              <a:cs typeface="David" panose="020E0502060401010101" pitchFamily="34" charset="-79"/>
+            </a:endParaRPr>
+          </a:p>
+        </p:txBody>
+      </p:sp>
+    </p:spTree>
+    <p:extLst>
+      <p:ext uri="{BB962C8B-B14F-4D97-AF65-F5344CB8AC3E}">
+        <p14:creationId xmlns:p14="http://schemas.microsoft.com/office/powerpoint/2010/main" val="3562254832"/>
+      </p:ext>
+    </p:extLst>
+  </p:cSld>
+  <p:clrMapOvr>
+    <a:masterClrMapping/>
+  </p:clrMapOvr>
+</p:sld>
+</file>
+
+<file path=ppt/slides/slide4.xml><?xml version="1.0" encoding="utf-8"?>
+<p:sld xmlns:a="http://schemas.openxmlformats.org/drawingml/2006/main" xmlns:r="http://schemas.openxmlformats.org/officeDocument/2006/relationships" xmlns:p="http://schemas.openxmlformats.org/presentationml/2006/main">
+  <p:cSld>
+    <p:spTree>
+      <p:nvGrpSpPr>
+        <p:cNvPr id="1" name=""/>
+        <p:cNvGrpSpPr/>
+        <p:nvPr/>
+      </p:nvGrpSpPr>
+      <p:grpSpPr>
+        <a:xfrm>
+          <a:off x="0" y="0"/>
+          <a:ext cx="0" cy="0"/>
+          <a:chOff x="0" y="0"/>
+          <a:chExt cx="0" cy="0"/>
+        </a:xfrm>
+      </p:grpSpPr>
+      <p:sp>
+        <p:nvSpPr>
+          <p:cNvPr id="3" name="מציין מיקום תוכן 2">
+            <a:extLst>
+              <a:ext uri="{FF2B5EF4-FFF2-40B4-BE49-F238E27FC236}">
+                <a16:creationId xmlns:a16="http://schemas.microsoft.com/office/drawing/2014/main" id="{E2F96255-6A4B-D2E1-2249-1E6DA3DD3EBD}"/>
+              </a:ext>
+            </a:extLst>
+          </p:cNvPr>
+          <p:cNvSpPr>
+            <a:spLocks noGrp="1"/>
+          </p:cNvSpPr>
+          <p:nvPr>
+            <p:ph idx="1"/>
+          </p:nvPr>
+        </p:nvSpPr>
+        <p:spPr>
+          <a:xfrm>
+            <a:off x="6940151" y="892853"/>
+            <a:ext cx="4813483" cy="2771091"/>
+          </a:xfrm>
+          <a:ln>
+            <a:solidFill>
+              <a:schemeClr val="tx1"/>
+            </a:solidFill>
+          </a:ln>
+        </p:spPr>
+        <p:txBody>
+          <a:bodyPr>
+            <a:normAutofit fontScale="92500" lnSpcReduction="10000"/>
+          </a:bodyPr>
+          <a:lstStyle/>
+          <a:p>
+            <a:pPr marL="0" lvl="0" indent="0" algn="r" rtl="1">
+              <a:lnSpc>
+                <a:spcPct val="150000"/>
+              </a:lnSpc>
+              <a:buNone/>
+            </a:pPr>
+            <a:r>
+              <a:rPr lang="he-IL" sz="1900" b="1" u="sng" dirty="0">
+                <a:cs typeface="David" panose="020E0502060401010101" pitchFamily="34" charset="-79"/>
+              </a:rPr>
+              <a:t>שיטות תקיפה</a:t>
+            </a:r>
+            <a:r>
+              <a:rPr lang="en-US" sz="1900" b="1" u="sng" dirty="0">
+                <a:cs typeface="David" panose="020E0502060401010101" pitchFamily="34" charset="-79"/>
+              </a:rPr>
+              <a:t> </a:t>
+            </a:r>
+            <a:r>
+              <a:rPr lang="he-IL" sz="1900" b="1" u="sng" dirty="0">
+                <a:cs typeface="David" panose="020E0502060401010101" pitchFamily="34" charset="-79"/>
+              </a:rPr>
+              <a:t>שנבחנו  בפרויקט</a:t>
+            </a:r>
+            <a:endParaRPr lang="he-IL" sz="1900" b="1" u="sng" dirty="0"/>
+          </a:p>
+          <a:p>
+            <a:pPr marL="0" lvl="0" indent="0" algn="r" rtl="1">
+              <a:lnSpc>
+                <a:spcPct val="150000"/>
+              </a:lnSpc>
+              <a:buNone/>
+            </a:pPr>
+            <a:r>
+              <a:rPr lang="en-US" sz="1900" b="1" dirty="0"/>
+              <a:t>Brute-Force Attack</a:t>
+            </a:r>
+            <a:r>
+              <a:rPr lang="he-IL" sz="1900" b="1" dirty="0"/>
+              <a:t> - </a:t>
+            </a:r>
+            <a:r>
+              <a:rPr lang="he-IL" sz="1900" dirty="0">
+                <a:cs typeface="David" panose="020E0502060401010101" pitchFamily="34" charset="-79"/>
+              </a:rPr>
+              <a:t>ניסיון שיטתי של סיסמאות רבות (או כל הסיסמאות האפשריות) על חשבון יחיד.</a:t>
+            </a:r>
+          </a:p>
+          <a:p>
+            <a:pPr marL="0" lvl="0" indent="0" algn="r" rtl="1">
+              <a:lnSpc>
+                <a:spcPct val="150000"/>
+              </a:lnSpc>
+              <a:buNone/>
+            </a:pPr>
+            <a:r>
+              <a:rPr lang="he-IL" sz="1900" dirty="0">
+                <a:cs typeface="David" panose="020E0502060401010101" pitchFamily="34" charset="-79"/>
+              </a:rPr>
+              <a:t> </a:t>
+            </a:r>
+            <a:r>
+              <a:rPr lang="en-US" sz="1900" b="1" dirty="0"/>
+              <a:t>Password-Spraying Attack</a:t>
+            </a:r>
+            <a:r>
+              <a:rPr lang="he-IL" sz="1900" b="1" dirty="0"/>
+              <a:t>  - </a:t>
+            </a:r>
+            <a:r>
+              <a:rPr lang="he-IL" sz="1900" dirty="0">
+                <a:cs typeface="David" panose="020E0502060401010101" pitchFamily="34" charset="-79"/>
+              </a:rPr>
+              <a:t>סוג של תקיפת </a:t>
+            </a:r>
+            <a:r>
+              <a:rPr lang="en-US" sz="1900" dirty="0"/>
+              <a:t>Brute-Force Attack</a:t>
+            </a:r>
+            <a:r>
+              <a:rPr lang="he-IL" sz="1900" dirty="0">
+                <a:cs typeface="David" panose="020E0502060401010101" pitchFamily="34" charset="-79"/>
+              </a:rPr>
+              <a:t>. בשיטה זו התוקף מנסה מספר קטן של סיסמאות נפוצות על כמות גדולה של חשבונות. </a:t>
+            </a:r>
+            <a:endParaRPr lang="en-IL" sz="1900" dirty="0"/>
+          </a:p>
+        </p:txBody>
+      </p:sp>
+      <p:sp>
+        <p:nvSpPr>
+          <p:cNvPr id="6" name="מציין מיקום תוכן 2">
+            <a:extLst>
+              <a:ext uri="{FF2B5EF4-FFF2-40B4-BE49-F238E27FC236}">
+                <a16:creationId xmlns:a16="http://schemas.microsoft.com/office/drawing/2014/main" id="{D88F0ABA-78D0-F7D4-70E3-DE85D3760A0D}"/>
+              </a:ext>
+            </a:extLst>
+          </p:cNvPr>
+          <p:cNvSpPr txBox="1">
+            <a:spLocks/>
+          </p:cNvSpPr>
+          <p:nvPr/>
+        </p:nvSpPr>
+        <p:spPr>
+          <a:xfrm>
+            <a:off x="6940150" y="4130995"/>
+            <a:ext cx="4813483" cy="1907927"/>
+          </a:xfrm>
+          <a:prstGeom prst="rect">
+            <a:avLst/>
+          </a:prstGeom>
+          <a:ln>
+            <a:solidFill>
+              <a:schemeClr val="tx1"/>
+            </a:solidFill>
+          </a:ln>
+        </p:spPr>
+        <p:txBody>
+          <a:bodyPr vert="horz" lIns="91440" tIns="45720" rIns="91440" bIns="45720" rtlCol="0">
+            <a:normAutofit/>
+          </a:bodyPr>
+          <a:lstStyle>
+            <a:lvl1pPr marL="228600" indent="-228600" algn="l" defTabSz="914400" rtl="0" eaLnBrk="1" latinLnBrk="0" hangingPunct="1">
+              <a:lnSpc>
+                <a:spcPct val="90000"/>
+              </a:lnSpc>
+              <a:spcBef>
+                <a:spcPts val="1000"/>
+              </a:spcBef>
+              <a:buFont typeface="Arial" panose="020B0604020202020204" pitchFamily="34" charset="0"/>
+              <a:buChar char="•"/>
+              <a:defRPr sz="2800" kern="1200">
+                <a:solidFill>
+                  <a:schemeClr val="tx1"/>
+                </a:solidFill>
+                <a:latin typeface="David" panose="020E0502060401010101" pitchFamily="34" charset="-79"/>
+                <a:ea typeface="+mn-ea"/>
+                <a:cs typeface="+mn-cs"/>
+              </a:defRPr>
+            </a:lvl1pPr>
+            <a:lvl2pPr marL="685800" indent="-228600" algn="l" defTabSz="914400" rtl="0" eaLnBrk="1" latinLnBrk="0" hangingPunct="1">
+              <a:lnSpc>
+                <a:spcPct val="90000"/>
+              </a:lnSpc>
+              <a:spcBef>
+                <a:spcPts val="500"/>
+              </a:spcBef>
+              <a:buFont typeface="Arial" panose="020B0604020202020204" pitchFamily="34" charset="0"/>
+              <a:buChar char="•"/>
+              <a:defRPr sz="2400" kern="1200">
+                <a:solidFill>
+                  <a:schemeClr val="tx1"/>
+                </a:solidFill>
+                <a:latin typeface="David" panose="020E0502060401010101" pitchFamily="34" charset="-79"/>
+                <a:ea typeface="+mn-ea"/>
+                <a:cs typeface="+mn-cs"/>
+              </a:defRPr>
+            </a:lvl2pPr>
+            <a:lvl3pPr marL="1143000" indent="-228600" algn="l" defTabSz="914400" rtl="0" eaLnBrk="1" latinLnBrk="0" hangingPunct="1">
+              <a:lnSpc>
+                <a:spcPct val="90000"/>
+              </a:lnSpc>
+              <a:spcBef>
+                <a:spcPts val="500"/>
+              </a:spcBef>
+              <a:buFont typeface="Arial" panose="020B0604020202020204" pitchFamily="34" charset="0"/>
+              <a:buChar char="•"/>
+              <a:defRPr sz="2000" kern="1200">
+                <a:solidFill>
+                  <a:schemeClr val="tx1"/>
+                </a:solidFill>
+                <a:latin typeface="David" panose="020E0502060401010101" pitchFamily="34" charset="-79"/>
+                <a:ea typeface="+mn-ea"/>
+                <a:cs typeface="+mn-cs"/>
+              </a:defRPr>
+            </a:lvl3pPr>
+            <a:lvl4pPr marL="1600200" indent="-228600" algn="l" defTabSz="914400" rtl="0" eaLnBrk="1" latinLnBrk="0" hangingPunct="1">
+              <a:lnSpc>
+                <a:spcPct val="90000"/>
+              </a:lnSpc>
+              <a:spcBef>
+                <a:spcPts val="500"/>
+              </a:spcBef>
+              <a:buFont typeface="Arial" panose="020B0604020202020204" pitchFamily="34" charset="0"/>
+              <a:buChar char="•"/>
+              <a:defRPr sz="1800" kern="1200">
+                <a:solidFill>
+                  <a:schemeClr val="tx1"/>
+                </a:solidFill>
+                <a:latin typeface="David" panose="020E0502060401010101" pitchFamily="34" charset="-79"/>
+                <a:ea typeface="+mn-ea"/>
+                <a:cs typeface="+mn-cs"/>
+              </a:defRPr>
+            </a:lvl4pPr>
+            <a:lvl5pPr marL="2057400" indent="-228600" algn="l" defTabSz="914400" rtl="0" eaLnBrk="1" latinLnBrk="0" hangingPunct="1">
+              <a:lnSpc>
+                <a:spcPct val="90000"/>
+              </a:lnSpc>
+              <a:spcBef>
+                <a:spcPts val="500"/>
+              </a:spcBef>
+              <a:buFont typeface="Arial" panose="020B0604020202020204" pitchFamily="34" charset="0"/>
+              <a:buChar char="•"/>
+              <a:defRPr sz="1800" kern="1200">
+                <a:solidFill>
+                  <a:schemeClr val="tx1"/>
+                </a:solidFill>
+                <a:latin typeface="David" panose="020E0502060401010101" pitchFamily="34" charset="-79"/>
+                <a:ea typeface="+mn-ea"/>
+                <a:cs typeface="+mn-cs"/>
+              </a:defRPr>
+            </a:lvl5pPr>
+            <a:lvl6pPr marL="2514600" indent="-228600" algn="l" defTabSz="914400" rtl="0" eaLnBrk="1" latinLnBrk="0" hangingPunct="1">
+              <a:lnSpc>
+                <a:spcPct val="90000"/>
+              </a:lnSpc>
+              <a:spcBef>
+                <a:spcPts val="500"/>
+              </a:spcBef>
+              <a:buFont typeface="Arial" panose="020B0604020202020204" pitchFamily="34" charset="0"/>
+              <a:buChar char="•"/>
+              <a:defRPr sz="1800" kern="1200">
+                <a:solidFill>
+                  <a:schemeClr val="tx1"/>
+                </a:solidFill>
+                <a:latin typeface="+mn-lt"/>
+                <a:ea typeface="+mn-ea"/>
+                <a:cs typeface="+mn-cs"/>
+              </a:defRPr>
+            </a:lvl6pPr>
+            <a:lvl7pPr marL="2971800" indent="-228600" algn="l" defTabSz="914400" rtl="0" eaLnBrk="1" latinLnBrk="0" hangingPunct="1">
+              <a:lnSpc>
+                <a:spcPct val="90000"/>
+              </a:lnSpc>
+              <a:spcBef>
+                <a:spcPts val="500"/>
+              </a:spcBef>
+              <a:buFont typeface="Arial" panose="020B0604020202020204" pitchFamily="34" charset="0"/>
+              <a:buChar char="•"/>
+              <a:defRPr sz="1800" kern="1200">
+                <a:solidFill>
+                  <a:schemeClr val="tx1"/>
+                </a:solidFill>
+                <a:latin typeface="+mn-lt"/>
+                <a:ea typeface="+mn-ea"/>
+                <a:cs typeface="+mn-cs"/>
+              </a:defRPr>
+            </a:lvl7pPr>
+            <a:lvl8pPr marL="3429000" indent="-228600" algn="l" defTabSz="914400" rtl="0" eaLnBrk="1" latinLnBrk="0" hangingPunct="1">
+              <a:lnSpc>
+                <a:spcPct val="90000"/>
+              </a:lnSpc>
+              <a:spcBef>
+                <a:spcPts val="500"/>
+              </a:spcBef>
+              <a:buFont typeface="Arial" panose="020B0604020202020204" pitchFamily="34" charset="0"/>
+              <a:buChar char="•"/>
+              <a:defRPr sz="1800" kern="1200">
+                <a:solidFill>
+                  <a:schemeClr val="tx1"/>
+                </a:solidFill>
+                <a:latin typeface="+mn-lt"/>
+                <a:ea typeface="+mn-ea"/>
+                <a:cs typeface="+mn-cs"/>
+              </a:defRPr>
+            </a:lvl8pPr>
+            <a:lvl9pPr marL="3886200" indent="-228600" algn="l" defTabSz="914400" rtl="0" eaLnBrk="1" latinLnBrk="0" hangingPunct="1">
+              <a:lnSpc>
+                <a:spcPct val="90000"/>
+              </a:lnSpc>
+              <a:spcBef>
+                <a:spcPts val="500"/>
+              </a:spcBef>
+              <a:buFont typeface="Arial" panose="020B0604020202020204" pitchFamily="34" charset="0"/>
+              <a:buChar char="•"/>
+              <a:defRPr sz="1800" kern="1200">
+                <a:solidFill>
+                  <a:schemeClr val="tx1"/>
+                </a:solidFill>
+                <a:latin typeface="+mn-lt"/>
+                <a:ea typeface="+mn-ea"/>
+                <a:cs typeface="+mn-cs"/>
+              </a:defRPr>
+            </a:lvl9pPr>
+          </a:lstStyle>
+          <a:p>
+            <a:pPr marL="0" indent="0" algn="r" rtl="1">
+              <a:buFont typeface="Arial" panose="020B0604020202020204" pitchFamily="34" charset="0"/>
+              <a:buNone/>
+            </a:pPr>
+            <a:r>
+              <a:rPr lang="he-IL" sz="1900" b="1" u="sng" dirty="0">
+                <a:cs typeface="David" panose="020E0502060401010101" pitchFamily="34" charset="-79"/>
+              </a:rPr>
+              <a:t>שיטות גיבוב שנבחנו בפרויקט</a:t>
+            </a:r>
+          </a:p>
+          <a:p>
+            <a:pPr algn="r" rtl="1"/>
+            <a:r>
+              <a:rPr lang="en-US" sz="1900" b="1" dirty="0"/>
+              <a:t>SHA-256 + Salt</a:t>
+            </a:r>
+            <a:endParaRPr lang="en-IL" sz="1900" dirty="0"/>
+          </a:p>
+          <a:p>
+            <a:pPr algn="r" rtl="1"/>
+            <a:r>
+              <a:rPr lang="en-US" sz="1900" b="1" dirty="0" err="1"/>
+              <a:t>Bcrypt</a:t>
+            </a:r>
+            <a:endParaRPr lang="en-IL" sz="1900" dirty="0"/>
+          </a:p>
+          <a:p>
+            <a:pPr algn="r" rtl="1"/>
+            <a:r>
+              <a:rPr lang="en-US" sz="1900" b="1" dirty="0"/>
+              <a:t>Argon2id</a:t>
+            </a:r>
+            <a:endParaRPr lang="en-IL" sz="1900" dirty="0"/>
+          </a:p>
+        </p:txBody>
+      </p:sp>
+      <p:sp>
+        <p:nvSpPr>
+          <p:cNvPr id="7" name="מציין מיקום תוכן 2">
+            <a:extLst>
+              <a:ext uri="{FF2B5EF4-FFF2-40B4-BE49-F238E27FC236}">
+                <a16:creationId xmlns:a16="http://schemas.microsoft.com/office/drawing/2014/main" id="{EAEAA4C3-B09E-E950-C6F8-BE02978073E8}"/>
+              </a:ext>
+            </a:extLst>
+          </p:cNvPr>
+          <p:cNvSpPr txBox="1">
+            <a:spLocks/>
+          </p:cNvSpPr>
+          <p:nvPr/>
+        </p:nvSpPr>
+        <p:spPr>
+          <a:xfrm>
+            <a:off x="565079" y="892853"/>
+            <a:ext cx="5763801" cy="5146070"/>
+          </a:xfrm>
+          <a:prstGeom prst="rect">
+            <a:avLst/>
+          </a:prstGeom>
+          <a:ln>
+            <a:solidFill>
+              <a:schemeClr val="tx1"/>
+            </a:solidFill>
+          </a:ln>
+        </p:spPr>
+        <p:txBody>
+          <a:bodyPr vert="horz" lIns="91440" tIns="45720" rIns="91440" bIns="45720" rtlCol="0">
+            <a:noAutofit/>
+          </a:bodyPr>
+          <a:lstStyle>
+            <a:lvl1pPr marL="228600" indent="-228600" algn="l" defTabSz="914400" rtl="0" eaLnBrk="1" latinLnBrk="0" hangingPunct="1">
+              <a:lnSpc>
+                <a:spcPct val="90000"/>
+              </a:lnSpc>
+              <a:spcBef>
+                <a:spcPts val="1000"/>
+              </a:spcBef>
+              <a:buFont typeface="Arial" panose="020B0604020202020204" pitchFamily="34" charset="0"/>
+              <a:buChar char="•"/>
+              <a:defRPr sz="2800" kern="1200">
+                <a:solidFill>
+                  <a:schemeClr val="tx1"/>
+                </a:solidFill>
+                <a:latin typeface="David" panose="020E0502060401010101" pitchFamily="34" charset="-79"/>
+                <a:ea typeface="+mn-ea"/>
+                <a:cs typeface="+mn-cs"/>
+              </a:defRPr>
+            </a:lvl1pPr>
+            <a:lvl2pPr marL="685800" indent="-228600" algn="l" defTabSz="914400" rtl="0" eaLnBrk="1" latinLnBrk="0" hangingPunct="1">
+              <a:lnSpc>
+                <a:spcPct val="90000"/>
+              </a:lnSpc>
+              <a:spcBef>
+                <a:spcPts val="500"/>
+              </a:spcBef>
+              <a:buFont typeface="Arial" panose="020B0604020202020204" pitchFamily="34" charset="0"/>
+              <a:buChar char="•"/>
+              <a:defRPr sz="2400" kern="1200">
+                <a:solidFill>
+                  <a:schemeClr val="tx1"/>
+                </a:solidFill>
+                <a:latin typeface="David" panose="020E0502060401010101" pitchFamily="34" charset="-79"/>
+                <a:ea typeface="+mn-ea"/>
+                <a:cs typeface="+mn-cs"/>
+              </a:defRPr>
+            </a:lvl2pPr>
+            <a:lvl3pPr marL="1143000" indent="-228600" algn="l" defTabSz="914400" rtl="0" eaLnBrk="1" latinLnBrk="0" hangingPunct="1">
+              <a:lnSpc>
+                <a:spcPct val="90000"/>
+              </a:lnSpc>
+              <a:spcBef>
+                <a:spcPts val="500"/>
+              </a:spcBef>
+              <a:buFont typeface="Arial" panose="020B0604020202020204" pitchFamily="34" charset="0"/>
+              <a:buChar char="•"/>
+              <a:defRPr sz="2000" kern="1200">
+                <a:solidFill>
+                  <a:schemeClr val="tx1"/>
+                </a:solidFill>
+                <a:latin typeface="David" panose="020E0502060401010101" pitchFamily="34" charset="-79"/>
+                <a:ea typeface="+mn-ea"/>
+                <a:cs typeface="+mn-cs"/>
+              </a:defRPr>
+            </a:lvl3pPr>
+            <a:lvl4pPr marL="1600200" indent="-228600" algn="l" defTabSz="914400" rtl="0" eaLnBrk="1" latinLnBrk="0" hangingPunct="1">
+              <a:lnSpc>
+                <a:spcPct val="90000"/>
+              </a:lnSpc>
+              <a:spcBef>
+                <a:spcPts val="500"/>
+              </a:spcBef>
+              <a:buFont typeface="Arial" panose="020B0604020202020204" pitchFamily="34" charset="0"/>
+              <a:buChar char="•"/>
+              <a:defRPr sz="1800" kern="1200">
+                <a:solidFill>
+                  <a:schemeClr val="tx1"/>
+                </a:solidFill>
+                <a:latin typeface="David" panose="020E0502060401010101" pitchFamily="34" charset="-79"/>
+                <a:ea typeface="+mn-ea"/>
+                <a:cs typeface="+mn-cs"/>
+              </a:defRPr>
+            </a:lvl4pPr>
+            <a:lvl5pPr marL="2057400" indent="-228600" algn="l" defTabSz="914400" rtl="0" eaLnBrk="1" latinLnBrk="0" hangingPunct="1">
+              <a:lnSpc>
+                <a:spcPct val="90000"/>
+              </a:lnSpc>
+              <a:spcBef>
+                <a:spcPts val="500"/>
+              </a:spcBef>
+              <a:buFont typeface="Arial" panose="020B0604020202020204" pitchFamily="34" charset="0"/>
+              <a:buChar char="•"/>
+              <a:defRPr sz="1800" kern="1200">
+                <a:solidFill>
+                  <a:schemeClr val="tx1"/>
+                </a:solidFill>
+                <a:latin typeface="David" panose="020E0502060401010101" pitchFamily="34" charset="-79"/>
+                <a:ea typeface="+mn-ea"/>
+                <a:cs typeface="+mn-cs"/>
+              </a:defRPr>
+            </a:lvl5pPr>
+            <a:lvl6pPr marL="2514600" indent="-228600" algn="l" defTabSz="914400" rtl="0" eaLnBrk="1" latinLnBrk="0" hangingPunct="1">
+              <a:lnSpc>
+                <a:spcPct val="90000"/>
+              </a:lnSpc>
+              <a:spcBef>
+                <a:spcPts val="500"/>
+              </a:spcBef>
+              <a:buFont typeface="Arial" panose="020B0604020202020204" pitchFamily="34" charset="0"/>
+              <a:buChar char="•"/>
+              <a:defRPr sz="1800" kern="1200">
+                <a:solidFill>
+                  <a:schemeClr val="tx1"/>
+                </a:solidFill>
+                <a:latin typeface="+mn-lt"/>
+                <a:ea typeface="+mn-ea"/>
+                <a:cs typeface="+mn-cs"/>
+              </a:defRPr>
+            </a:lvl6pPr>
+            <a:lvl7pPr marL="2971800" indent="-228600" algn="l" defTabSz="914400" rtl="0" eaLnBrk="1" latinLnBrk="0" hangingPunct="1">
+              <a:lnSpc>
+                <a:spcPct val="90000"/>
+              </a:lnSpc>
+              <a:spcBef>
+                <a:spcPts val="500"/>
+              </a:spcBef>
+              <a:buFont typeface="Arial" panose="020B0604020202020204" pitchFamily="34" charset="0"/>
+              <a:buChar char="•"/>
+              <a:defRPr sz="1800" kern="1200">
+                <a:solidFill>
+                  <a:schemeClr val="tx1"/>
+                </a:solidFill>
+                <a:latin typeface="+mn-lt"/>
+                <a:ea typeface="+mn-ea"/>
+                <a:cs typeface="+mn-cs"/>
+              </a:defRPr>
+            </a:lvl7pPr>
+            <a:lvl8pPr marL="3429000" indent="-228600" algn="l" defTabSz="914400" rtl="0" eaLnBrk="1" latinLnBrk="0" hangingPunct="1">
+              <a:lnSpc>
+                <a:spcPct val="90000"/>
+              </a:lnSpc>
+              <a:spcBef>
+                <a:spcPts val="500"/>
+              </a:spcBef>
+              <a:buFont typeface="Arial" panose="020B0604020202020204" pitchFamily="34" charset="0"/>
+              <a:buChar char="•"/>
+              <a:defRPr sz="1800" kern="1200">
+                <a:solidFill>
+                  <a:schemeClr val="tx1"/>
+                </a:solidFill>
+                <a:latin typeface="+mn-lt"/>
+                <a:ea typeface="+mn-ea"/>
+                <a:cs typeface="+mn-cs"/>
+              </a:defRPr>
+            </a:lvl8pPr>
+            <a:lvl9pPr marL="3886200" indent="-228600" algn="l" defTabSz="914400" rtl="0" eaLnBrk="1" latinLnBrk="0" hangingPunct="1">
+              <a:lnSpc>
+                <a:spcPct val="90000"/>
+              </a:lnSpc>
+              <a:spcBef>
+                <a:spcPts val="500"/>
+              </a:spcBef>
+              <a:buFont typeface="Arial" panose="020B0604020202020204" pitchFamily="34" charset="0"/>
+              <a:buChar char="•"/>
+              <a:defRPr sz="1800" kern="1200">
+                <a:solidFill>
+                  <a:schemeClr val="tx1"/>
+                </a:solidFill>
+                <a:latin typeface="+mn-lt"/>
+                <a:ea typeface="+mn-ea"/>
+                <a:cs typeface="+mn-cs"/>
+              </a:defRPr>
+            </a:lvl9pPr>
+          </a:lstStyle>
+          <a:p>
+            <a:pPr marL="0" indent="0" algn="just" rtl="1">
+              <a:lnSpc>
+                <a:spcPct val="150000"/>
+              </a:lnSpc>
+              <a:spcBef>
+                <a:spcPts val="0"/>
+              </a:spcBef>
+              <a:buNone/>
+            </a:pPr>
+            <a:r>
+              <a:rPr lang="he-IL" sz="1800" b="1" u="sng" kern="100" dirty="0">
+                <a:ea typeface="Calibri" panose="020F0502020204030204" pitchFamily="34" charset="0"/>
+                <a:cs typeface="David" panose="020E0502060401010101" pitchFamily="34" charset="-79"/>
+              </a:rPr>
+              <a:t>מנגנוני הגנה</a:t>
+            </a:r>
+            <a:r>
+              <a:rPr lang="en-US" sz="1800" b="1" u="sng" kern="100" dirty="0">
+                <a:ea typeface="Calibri" panose="020F0502020204030204" pitchFamily="34" charset="0"/>
+                <a:cs typeface="David" panose="020E0502060401010101" pitchFamily="34" charset="-79"/>
+              </a:rPr>
+              <a:t> </a:t>
+            </a:r>
+            <a:r>
+              <a:rPr lang="he-IL" sz="1800" b="1" u="sng" kern="100" dirty="0">
+                <a:ea typeface="Calibri" panose="020F0502020204030204" pitchFamily="34" charset="0"/>
+                <a:cs typeface="David" panose="020E0502060401010101" pitchFamily="34" charset="-79"/>
+              </a:rPr>
+              <a:t>שנבחנו בפרויקט</a:t>
+            </a:r>
+          </a:p>
+          <a:p>
+            <a:pPr marL="0" indent="0" algn="just" rtl="1">
+              <a:lnSpc>
+                <a:spcPct val="150000"/>
+              </a:lnSpc>
+              <a:spcBef>
+                <a:spcPts val="0"/>
+              </a:spcBef>
+              <a:buNone/>
+            </a:pPr>
+            <a:r>
+              <a:rPr lang="en-US" sz="1800" b="1" kern="100" dirty="0">
+                <a:ea typeface="Calibri" panose="020F0502020204030204" pitchFamily="34" charset="0"/>
+                <a:cs typeface="David" panose="020E0502060401010101" pitchFamily="34" charset="-79"/>
+              </a:rPr>
+              <a:t>Rate-Limiting</a:t>
+            </a:r>
+            <a:r>
+              <a:rPr lang="he-IL" sz="1800" b="1" kern="100" dirty="0">
+                <a:ea typeface="Calibri" panose="020F0502020204030204" pitchFamily="34" charset="0"/>
+                <a:cs typeface="David" panose="020E0502060401010101" pitchFamily="34" charset="-79"/>
+              </a:rPr>
+              <a:t>: </a:t>
+            </a:r>
+            <a:r>
+              <a:rPr lang="he-IL" sz="1800" kern="100" dirty="0">
+                <a:ea typeface="Calibri" panose="020F0502020204030204" pitchFamily="34" charset="0"/>
+                <a:cs typeface="David" panose="020E0502060401010101" pitchFamily="34" charset="-79"/>
+              </a:rPr>
+              <a:t>מנגנון להגבלת מספר ניסיונות ההתחברות של משתמש בטווח זמן מסוים. </a:t>
+            </a:r>
+            <a:endParaRPr lang="en-IL" sz="1800" kern="100" dirty="0">
+              <a:ea typeface="Calibri" panose="020F0502020204030204" pitchFamily="34" charset="0"/>
+              <a:cs typeface="David" panose="020E0502060401010101" pitchFamily="34" charset="-79"/>
+            </a:endParaRPr>
+          </a:p>
+          <a:p>
+            <a:pPr marL="0" indent="0" algn="just" rtl="1">
+              <a:lnSpc>
+                <a:spcPct val="150000"/>
+              </a:lnSpc>
+              <a:spcBef>
+                <a:spcPts val="0"/>
+              </a:spcBef>
+              <a:buNone/>
+            </a:pPr>
+            <a:r>
+              <a:rPr lang="he-IL" sz="1800" b="1" kern="100" dirty="0">
+                <a:ea typeface="Calibri" panose="020F0502020204030204" pitchFamily="34" charset="0"/>
+                <a:cs typeface="David" panose="020E0502060401010101" pitchFamily="34" charset="-79"/>
+              </a:rPr>
+              <a:t>נעילת חשבון: </a:t>
+            </a:r>
+            <a:r>
+              <a:rPr lang="he-IL" sz="1800" kern="100" dirty="0">
+                <a:ea typeface="Calibri" panose="020F0502020204030204" pitchFamily="34" charset="0"/>
+                <a:cs typeface="David" panose="020E0502060401010101" pitchFamily="34" charset="-79"/>
+              </a:rPr>
+              <a:t>מנגנון לחסימת משתמש לאחר מספר מסוים ניסיונות כושלים.</a:t>
+            </a:r>
+            <a:endParaRPr lang="en-IL" sz="1800" kern="100" dirty="0">
+              <a:ea typeface="Calibri" panose="020F0502020204030204" pitchFamily="34" charset="0"/>
+              <a:cs typeface="David" panose="020E0502060401010101" pitchFamily="34" charset="-79"/>
+            </a:endParaRPr>
+          </a:p>
+          <a:p>
+            <a:pPr marL="0" indent="0" algn="just" rtl="1">
+              <a:lnSpc>
+                <a:spcPct val="150000"/>
+              </a:lnSpc>
+              <a:spcBef>
+                <a:spcPts val="0"/>
+              </a:spcBef>
+              <a:buNone/>
+            </a:pPr>
+            <a:r>
+              <a:rPr lang="en-US" sz="1800" b="1" kern="100" dirty="0">
+                <a:ea typeface="Calibri" panose="020F0502020204030204" pitchFamily="34" charset="0"/>
+                <a:cs typeface="David" panose="020E0502060401010101" pitchFamily="34" charset="-79"/>
+              </a:rPr>
+              <a:t>CAPTCHA</a:t>
+            </a:r>
+            <a:r>
+              <a:rPr lang="he-IL" sz="1800" b="1" kern="100" dirty="0">
+                <a:ea typeface="Calibri" panose="020F0502020204030204" pitchFamily="34" charset="0"/>
+                <a:cs typeface="David" panose="020E0502060401010101" pitchFamily="34" charset="-79"/>
+              </a:rPr>
+              <a:t>: </a:t>
+            </a:r>
+            <a:r>
+              <a:rPr lang="he-IL" sz="1800" kern="100" dirty="0">
+                <a:ea typeface="Calibri" panose="020F0502020204030204" pitchFamily="34" charset="0"/>
+                <a:cs typeface="David" panose="020E0502060401010101" pitchFamily="34" charset="-79"/>
+              </a:rPr>
+              <a:t>מבחן שנועד לוודא שהמשתמש הוא אדם ולא </a:t>
+            </a:r>
+            <a:r>
+              <a:rPr lang="he-IL" sz="1800" kern="100" dirty="0" err="1">
+                <a:ea typeface="Calibri" panose="020F0502020204030204" pitchFamily="34" charset="0"/>
+                <a:cs typeface="David" panose="020E0502060401010101" pitchFamily="34" charset="-79"/>
+              </a:rPr>
+              <a:t>בוט</a:t>
+            </a:r>
+            <a:r>
+              <a:rPr lang="he-IL" sz="1800" kern="100" dirty="0">
+                <a:ea typeface="Calibri" panose="020F0502020204030204" pitchFamily="34" charset="0"/>
+                <a:cs typeface="David" panose="020E0502060401010101" pitchFamily="34" charset="-79"/>
+              </a:rPr>
+              <a:t>.</a:t>
+            </a:r>
+            <a:endParaRPr lang="en-IL" sz="1800" kern="100" dirty="0">
+              <a:ea typeface="Calibri" panose="020F0502020204030204" pitchFamily="34" charset="0"/>
+              <a:cs typeface="David" panose="020E0502060401010101" pitchFamily="34" charset="-79"/>
+            </a:endParaRPr>
+          </a:p>
+          <a:p>
+            <a:pPr marL="0" indent="0" algn="just" rtl="1">
+              <a:lnSpc>
+                <a:spcPct val="150000"/>
+              </a:lnSpc>
+              <a:spcBef>
+                <a:spcPts val="0"/>
+              </a:spcBef>
+              <a:buNone/>
+            </a:pPr>
+            <a:r>
+              <a:rPr lang="en-US" sz="1800" b="1" kern="100" dirty="0">
+                <a:ea typeface="Calibri" panose="020F0502020204030204" pitchFamily="34" charset="0"/>
+                <a:cs typeface="David" panose="020E0502060401010101" pitchFamily="34" charset="-79"/>
+              </a:rPr>
+              <a:t>Pepper</a:t>
+            </a:r>
+            <a:r>
+              <a:rPr lang="he-IL" sz="1800" kern="100" dirty="0">
+                <a:ea typeface="Calibri" panose="020F0502020204030204" pitchFamily="34" charset="0"/>
+                <a:cs typeface="David" panose="020E0502060401010101" pitchFamily="34" charset="-79"/>
+              </a:rPr>
+              <a:t>: ערך סודי גלובלי שנשמר מחוץ למסד הנתונים ומוסיפים לסיסמה לפני הגיבוב.</a:t>
+            </a:r>
+          </a:p>
+          <a:p>
+            <a:pPr marL="0" indent="0" algn="just" rtl="1">
+              <a:lnSpc>
+                <a:spcPct val="150000"/>
+              </a:lnSpc>
+              <a:spcBef>
+                <a:spcPts val="0"/>
+              </a:spcBef>
+              <a:buNone/>
+            </a:pPr>
+            <a:r>
+              <a:rPr lang="he-IL" sz="1800" kern="100" dirty="0">
+                <a:ea typeface="Calibri" panose="020F0502020204030204" pitchFamily="34" charset="0"/>
+                <a:cs typeface="David" panose="020E0502060401010101" pitchFamily="34" charset="-79"/>
+              </a:rPr>
+              <a:t> </a:t>
+            </a:r>
+            <a:r>
+              <a:rPr lang="en-US" sz="1800" b="1" kern="100" dirty="0">
+                <a:ea typeface="Calibri" panose="020F0502020204030204" pitchFamily="34" charset="0"/>
+                <a:cs typeface="David" panose="020E0502060401010101" pitchFamily="34" charset="-79"/>
+              </a:rPr>
+              <a:t>TOTP (Time-based One-Time Password)</a:t>
+            </a:r>
+            <a:r>
+              <a:rPr lang="he-IL" sz="1800" b="1" kern="100" dirty="0">
+                <a:ea typeface="Calibri" panose="020F0502020204030204" pitchFamily="34" charset="0"/>
+                <a:cs typeface="David" panose="020E0502060401010101" pitchFamily="34" charset="-79"/>
+              </a:rPr>
+              <a:t>:</a:t>
+            </a:r>
+            <a:r>
+              <a:rPr lang="he-IL" sz="1800" kern="100" dirty="0">
+                <a:ea typeface="Calibri" panose="020F0502020204030204" pitchFamily="34" charset="0"/>
+                <a:cs typeface="David" panose="020E0502060401010101" pitchFamily="34" charset="-79"/>
+              </a:rPr>
+              <a:t> מנגנון אימות דו-שלבי שבו לאחר שהמשתמש הזין סיסמא נכונה, יש צורך להזין גם קוד חד פעמי המתעדכן כל מספר שניות.</a:t>
+            </a:r>
+            <a:endParaRPr lang="en-IL" sz="1800" kern="100" dirty="0">
+              <a:ea typeface="Calibri" panose="020F0502020204030204" pitchFamily="34" charset="0"/>
+              <a:cs typeface="David" panose="020E0502060401010101" pitchFamily="34" charset="-79"/>
+            </a:endParaRPr>
+          </a:p>
+        </p:txBody>
+      </p:sp>
+    </p:spTree>
+    <p:extLst>
+      <p:ext uri="{BB962C8B-B14F-4D97-AF65-F5344CB8AC3E}">
+        <p14:creationId xmlns:p14="http://schemas.microsoft.com/office/powerpoint/2010/main" val="3932321615"/>
+      </p:ext>
+    </p:extLst>
+  </p:cSld>
+  <p:clrMapOvr>
+    <a:masterClrMapping/>
+  </p:clrMapOvr>
+</p:sld>
+</file>
+
+<file path=ppt/slides/slide5.xml><?xml version="1.0" encoding="utf-8"?>
+<p:sld xmlns:a="http://schemas.openxmlformats.org/drawingml/2006/main" xmlns:r="http://schemas.openxmlformats.org/officeDocument/2006/relationships" xmlns:p="http://schemas.openxmlformats.org/presentationml/2006/main">
+  <p:cSld>
+    <p:spTree>
+      <p:nvGrpSpPr>
+        <p:cNvPr id="1" name="">
+          <a:extLst>
+            <a:ext uri="{FF2B5EF4-FFF2-40B4-BE49-F238E27FC236}">
+              <a16:creationId xmlns:a16="http://schemas.microsoft.com/office/drawing/2014/main" id="{905ACC88-AFB2-3471-2865-4DE04A0A682F}"/>
+            </a:ext>
+          </a:extLst>
+        </p:cNvPr>
+        <p:cNvGrpSpPr/>
+        <p:nvPr/>
+      </p:nvGrpSpPr>
+      <p:grpSpPr>
+        <a:xfrm>
+          <a:off x="0" y="0"/>
+          <a:ext cx="0" cy="0"/>
+          <a:chOff x="0" y="0"/>
+          <a:chExt cx="0" cy="0"/>
+        </a:xfrm>
+      </p:grpSpPr>
+      <p:sp>
+        <p:nvSpPr>
+          <p:cNvPr id="2" name="כותרת 1">
+            <a:extLst>
+              <a:ext uri="{FF2B5EF4-FFF2-40B4-BE49-F238E27FC236}">
+                <a16:creationId xmlns:a16="http://schemas.microsoft.com/office/drawing/2014/main" id="{B3B900E9-B606-D829-9D60-E8C606B5CDBC}"/>
+              </a:ext>
+            </a:extLst>
+          </p:cNvPr>
+          <p:cNvSpPr>
+            <a:spLocks noGrp="1"/>
+          </p:cNvSpPr>
+          <p:nvPr>
+            <p:ph type="title"/>
+          </p:nvPr>
+        </p:nvSpPr>
+        <p:spPr>
+          <a:xfrm>
+            <a:off x="838200" y="282934"/>
+            <a:ext cx="10515600" cy="621194"/>
+          </a:xfrm>
+        </p:spPr>
+        <p:txBody>
+          <a:bodyPr>
+            <a:normAutofit/>
+          </a:bodyPr>
+          <a:lstStyle/>
+          <a:p>
+            <a:pPr algn="ctr" rtl="1">
+              <a:lnSpc>
+                <a:spcPct val="100000"/>
+              </a:lnSpc>
+              <a:spcAft>
+                <a:spcPts val="800"/>
+              </a:spcAft>
+            </a:pPr>
+            <a:r>
+              <a:rPr lang="he-IL" sz="2400" b="1" kern="100" dirty="0">
+                <a:ea typeface="Calibri" panose="020F0502020204030204" pitchFamily="34" charset="0"/>
+                <a:cs typeface="David" panose="020E0502060401010101" pitchFamily="34" charset="-79"/>
+              </a:rPr>
+              <a:t>ממצאים מרכזיים</a:t>
+            </a:r>
+            <a:endParaRPr lang="en-IL" sz="2400" b="1" kern="100" dirty="0">
+              <a:ea typeface="Calibri" panose="020F0502020204030204" pitchFamily="34" charset="0"/>
+              <a:cs typeface="David" panose="020E0502060401010101" pitchFamily="34" charset="-79"/>
+            </a:endParaRPr>
+          </a:p>
+        </p:txBody>
+      </p:sp>
+      <p:sp>
+        <p:nvSpPr>
+          <p:cNvPr id="3" name="מציין מיקום תוכן 2">
+            <a:extLst>
+              <a:ext uri="{FF2B5EF4-FFF2-40B4-BE49-F238E27FC236}">
+                <a16:creationId xmlns:a16="http://schemas.microsoft.com/office/drawing/2014/main" id="{0D8ACE42-2788-1E13-69FC-344FDC2CA624}"/>
+              </a:ext>
+            </a:extLst>
+          </p:cNvPr>
+          <p:cNvSpPr>
+            <a:spLocks noGrp="1"/>
+          </p:cNvSpPr>
+          <p:nvPr>
+            <p:ph idx="1"/>
+          </p:nvPr>
+        </p:nvSpPr>
+        <p:spPr>
+          <a:xfrm>
+            <a:off x="408214" y="930401"/>
+            <a:ext cx="11376244" cy="2334215"/>
+          </a:xfrm>
+        </p:spPr>
+        <p:txBody>
+          <a:bodyPr>
+            <a:noAutofit/>
+          </a:bodyPr>
+          <a:lstStyle/>
+          <a:p>
+            <a:pPr marL="0" indent="0" algn="r" rtl="1">
+              <a:lnSpc>
+                <a:spcPct val="100000"/>
+              </a:lnSpc>
+              <a:spcBef>
+                <a:spcPts val="0"/>
+              </a:spcBef>
+              <a:buNone/>
+            </a:pPr>
+            <a:r>
+              <a:rPr lang="he-IL" sz="1800" kern="100" dirty="0">
+                <a:effectLst/>
+                <a:ea typeface="Calibri" panose="020F0502020204030204" pitchFamily="34" charset="0"/>
+                <a:cs typeface="David" panose="020E0502060401010101" pitchFamily="34" charset="-79"/>
+              </a:rPr>
+              <a:t>ראשית, שיטות גיבוב חזקות כגון </a:t>
+            </a:r>
+            <a:r>
+              <a:rPr lang="en-US" sz="1800" kern="100" dirty="0" err="1">
+                <a:effectLst/>
+                <a:ea typeface="Calibri" panose="020F0502020204030204" pitchFamily="34" charset="0"/>
+                <a:cs typeface="David" panose="020E0502060401010101" pitchFamily="34" charset="-79"/>
+              </a:rPr>
+              <a:t>bcrypt</a:t>
+            </a:r>
+            <a:r>
+              <a:rPr lang="en-US" sz="1800" kern="100" dirty="0">
+                <a:effectLst/>
+                <a:ea typeface="Calibri" panose="020F0502020204030204" pitchFamily="34" charset="0"/>
+                <a:cs typeface="David" panose="020E0502060401010101" pitchFamily="34" charset="-79"/>
+              </a:rPr>
+              <a:t> </a:t>
+            </a:r>
+            <a:r>
+              <a:rPr lang="he-IL" sz="1800" kern="100" dirty="0">
+                <a:effectLst/>
+                <a:ea typeface="Calibri" panose="020F0502020204030204" pitchFamily="34" charset="0"/>
+                <a:cs typeface="David" panose="020E0502060401010101" pitchFamily="34" charset="-79"/>
+              </a:rPr>
+              <a:t> ו־</a:t>
+            </a:r>
+            <a:r>
+              <a:rPr lang="en-US" sz="1800" kern="100" dirty="0">
+                <a:effectLst/>
+                <a:ea typeface="Calibri" panose="020F0502020204030204" pitchFamily="34" charset="0"/>
+                <a:cs typeface="David" panose="020E0502060401010101" pitchFamily="34" charset="-79"/>
+              </a:rPr>
+              <a:t>Argon2 </a:t>
+            </a:r>
+            <a:r>
+              <a:rPr lang="he-IL" sz="1800" kern="100" dirty="0">
+                <a:effectLst/>
+                <a:ea typeface="Calibri" panose="020F0502020204030204" pitchFamily="34" charset="0"/>
+                <a:cs typeface="David" panose="020E0502060401010101" pitchFamily="34" charset="-79"/>
+              </a:rPr>
+              <a:t> גורמות לעלייה משמעותית בזמני ההשהיה ולירידה חדה בקצב הניסיונות לשנייה, וממחישות את יעילותו של </a:t>
+            </a:r>
+            <a:r>
+              <a:rPr lang="en-US" sz="1800" kern="100" dirty="0">
+                <a:effectLst/>
+                <a:ea typeface="Calibri" panose="020F0502020204030204" pitchFamily="34" charset="0"/>
+                <a:cs typeface="David" panose="020E0502060401010101" pitchFamily="34" charset="-79"/>
+              </a:rPr>
+              <a:t>hashing </a:t>
+            </a:r>
+            <a:r>
+              <a:rPr lang="he-IL" sz="1800" kern="100" dirty="0">
+                <a:effectLst/>
+                <a:ea typeface="Calibri" panose="020F0502020204030204" pitchFamily="34" charset="0"/>
+                <a:cs typeface="David" panose="020E0502060401010101" pitchFamily="34" charset="-79"/>
+              </a:rPr>
+              <a:t>איטי כהגנה אפקטיבית גם ללא מנגנונים נוספים. </a:t>
+            </a:r>
+            <a:br>
+              <a:rPr lang="en-US" sz="1800" kern="100" dirty="0">
+                <a:effectLst/>
+                <a:ea typeface="Calibri" panose="020F0502020204030204" pitchFamily="34" charset="0"/>
+                <a:cs typeface="David" panose="020E0502060401010101" pitchFamily="34" charset="-79"/>
+              </a:rPr>
+            </a:br>
+            <a:r>
+              <a:rPr lang="he-IL" sz="1800" kern="100" dirty="0">
+                <a:effectLst/>
+                <a:ea typeface="Calibri" panose="020F0502020204030204" pitchFamily="34" charset="0"/>
+                <a:cs typeface="David" panose="020E0502060401010101" pitchFamily="34" charset="-79"/>
+              </a:rPr>
+              <a:t>בנוסף, מנגנוני הגנה כמו </a:t>
+            </a:r>
+            <a:r>
+              <a:rPr lang="en-US" sz="1800" kern="100" dirty="0">
+                <a:effectLst/>
+                <a:ea typeface="Calibri" panose="020F0502020204030204" pitchFamily="34" charset="0"/>
+                <a:cs typeface="David" panose="020E0502060401010101" pitchFamily="34" charset="-79"/>
+              </a:rPr>
+              <a:t>TOTP, CAPTCHA, rate limiting </a:t>
+            </a:r>
+            <a:r>
+              <a:rPr lang="he-IL" sz="1800" kern="100" dirty="0">
+                <a:effectLst/>
+                <a:ea typeface="Calibri" panose="020F0502020204030204" pitchFamily="34" charset="0"/>
+                <a:cs typeface="David" panose="020E0502060401010101" pitchFamily="34" charset="-79"/>
+              </a:rPr>
+              <a:t> ו־</a:t>
+            </a:r>
+            <a:r>
+              <a:rPr lang="en-US" sz="1800" kern="100" dirty="0">
+                <a:effectLst/>
+                <a:ea typeface="Calibri" panose="020F0502020204030204" pitchFamily="34" charset="0"/>
+                <a:cs typeface="David" panose="020E0502060401010101" pitchFamily="34" charset="-79"/>
+              </a:rPr>
+              <a:t>lockout </a:t>
+            </a:r>
+            <a:r>
+              <a:rPr lang="he-IL" sz="1800" kern="100" dirty="0">
+                <a:effectLst/>
+                <a:ea typeface="Calibri" panose="020F0502020204030204" pitchFamily="34" charset="0"/>
+                <a:cs typeface="David" panose="020E0502060401010101" pitchFamily="34" charset="-79"/>
+              </a:rPr>
+              <a:t> מונעים בפועל הצלחה של מתקפות </a:t>
+            </a:r>
+            <a:r>
+              <a:rPr lang="en-US" sz="1800" kern="100" dirty="0">
+                <a:effectLst/>
+                <a:ea typeface="Calibri" panose="020F0502020204030204" pitchFamily="34" charset="0"/>
+                <a:cs typeface="David" panose="020E0502060401010101" pitchFamily="34" charset="-79"/>
+              </a:rPr>
+              <a:t>Brute Force </a:t>
+            </a:r>
+            <a:r>
+              <a:rPr lang="he-IL" sz="1800" kern="100" dirty="0">
+                <a:effectLst/>
+                <a:ea typeface="Calibri" panose="020F0502020204030204" pitchFamily="34" charset="0"/>
+                <a:cs typeface="David" panose="020E0502060401010101" pitchFamily="34" charset="-79"/>
+              </a:rPr>
+              <a:t> בהיקף גדול, כאשר ההתקפות מסתיימות עקב הפעלת ההגנות ולא עקב ניחוש סיסמה מוצלח. </a:t>
+            </a:r>
+            <a:br>
+              <a:rPr lang="en-US" sz="1800" kern="100" dirty="0">
+                <a:effectLst/>
+                <a:ea typeface="Calibri" panose="020F0502020204030204" pitchFamily="34" charset="0"/>
+                <a:cs typeface="David" panose="020E0502060401010101" pitchFamily="34" charset="-79"/>
+              </a:rPr>
+            </a:br>
+            <a:r>
+              <a:rPr lang="he-IL" sz="1800" kern="100" dirty="0">
+                <a:effectLst/>
+                <a:ea typeface="Calibri" panose="020F0502020204030204" pitchFamily="34" charset="0"/>
+                <a:cs typeface="David" panose="020E0502060401010101" pitchFamily="34" charset="-79"/>
+              </a:rPr>
+              <a:t>במתקפות </a:t>
+            </a:r>
+            <a:r>
+              <a:rPr lang="en-US" sz="1800" kern="100" dirty="0">
+                <a:effectLst/>
+                <a:ea typeface="Calibri" panose="020F0502020204030204" pitchFamily="34" charset="0"/>
+                <a:cs typeface="David" panose="020E0502060401010101" pitchFamily="34" charset="-79"/>
+              </a:rPr>
+              <a:t>Password Spraying </a:t>
+            </a:r>
+            <a:r>
+              <a:rPr lang="he-IL" sz="1800" kern="100" dirty="0">
+                <a:effectLst/>
+                <a:ea typeface="Calibri" panose="020F0502020204030204" pitchFamily="34" charset="0"/>
+                <a:cs typeface="David" panose="020E0502060401010101" pitchFamily="34" charset="-79"/>
+              </a:rPr>
+              <a:t> שיעור ההצלחה נותר נמוך יחסית (כ־2%–3.5%), מה שמדגיש את אופי ההתקפה כפיזור ניסיונות על פני משתמשים רבים. </a:t>
+            </a:r>
+            <a:br>
+              <a:rPr lang="en-US" sz="1800" kern="100" dirty="0">
+                <a:effectLst/>
+                <a:ea typeface="Calibri" panose="020F0502020204030204" pitchFamily="34" charset="0"/>
+                <a:cs typeface="David" panose="020E0502060401010101" pitchFamily="34" charset="-79"/>
+              </a:rPr>
+            </a:br>
+            <a:r>
+              <a:rPr lang="he-IL" sz="1800" kern="100" dirty="0">
+                <a:effectLst/>
+                <a:ea typeface="Calibri" panose="020F0502020204030204" pitchFamily="34" charset="0"/>
+                <a:cs typeface="David" panose="020E0502060401010101" pitchFamily="34" charset="-79"/>
+              </a:rPr>
+              <a:t>לבסוף, ניתוח מתקפות </a:t>
+            </a:r>
+            <a:r>
+              <a:rPr lang="en-US" sz="1800" kern="100" dirty="0">
+                <a:effectLst/>
+                <a:ea typeface="Calibri" panose="020F0502020204030204" pitchFamily="34" charset="0"/>
+                <a:cs typeface="David" panose="020E0502060401010101" pitchFamily="34" charset="-79"/>
+              </a:rPr>
+              <a:t>Brute Force </a:t>
+            </a:r>
+            <a:r>
+              <a:rPr lang="he-IL" sz="1800" kern="100" dirty="0">
+                <a:effectLst/>
+                <a:ea typeface="Calibri" panose="020F0502020204030204" pitchFamily="34" charset="0"/>
+                <a:cs typeface="David" panose="020E0502060401010101" pitchFamily="34" charset="-79"/>
+              </a:rPr>
+              <a:t> ללא הגנות על משתמשים בעלי חוזק סיסמאות שונה מראה שחוזק הסיסמה משפיע ישירות על סיכויי ההצלחה: סיסמה חלשה נפרצה במהירות, בינונית לאט יותר, וסיסמה חזקה לא נפרצה כלל.</a:t>
+            </a:r>
+          </a:p>
+          <a:p>
+            <a:pPr marL="0" indent="0" algn="r" rtl="1">
+              <a:lnSpc>
+                <a:spcPct val="100000"/>
+              </a:lnSpc>
+              <a:spcBef>
+                <a:spcPts val="0"/>
+              </a:spcBef>
+              <a:buNone/>
+            </a:pPr>
+            <a:endParaRPr lang="en-IL" sz="1800" kern="100" dirty="0">
+              <a:effectLst/>
+              <a:ea typeface="Calibri" panose="020F0502020204030204" pitchFamily="34" charset="0"/>
+              <a:cs typeface="David" panose="020E0502060401010101" pitchFamily="34" charset="-79"/>
+            </a:endParaRPr>
+          </a:p>
+        </p:txBody>
+      </p:sp>
+      <p:sp>
+        <p:nvSpPr>
+          <p:cNvPr id="5" name="כותרת 1">
+            <a:extLst>
+              <a:ext uri="{FF2B5EF4-FFF2-40B4-BE49-F238E27FC236}">
+                <a16:creationId xmlns:a16="http://schemas.microsoft.com/office/drawing/2014/main" id="{8B3534D2-E58A-EC4C-26EC-BB9B171CD0F8}"/>
+              </a:ext>
+            </a:extLst>
+          </p:cNvPr>
+          <p:cNvSpPr txBox="1">
+            <a:spLocks/>
+          </p:cNvSpPr>
+          <p:nvPr/>
+        </p:nvSpPr>
+        <p:spPr>
+          <a:xfrm>
+            <a:off x="838200" y="3305712"/>
+            <a:ext cx="10515600" cy="637001"/>
+          </a:xfrm>
+          <a:prstGeom prst="rect">
+            <a:avLst/>
+          </a:prstGeom>
+        </p:spPr>
+        <p:txBody>
+          <a:bodyPr vert="horz" lIns="91440" tIns="45720" rIns="91440" bIns="45720" rtlCol="0" anchor="ctr">
+            <a:normAutofit/>
+          </a:bodyPr>
+          <a:lstStyle>
+            <a:lvl1pPr algn="l" defTabSz="914400" rtl="0" eaLnBrk="1" latinLnBrk="0" hangingPunct="1">
+              <a:lnSpc>
+                <a:spcPct val="90000"/>
+              </a:lnSpc>
+              <a:spcBef>
+                <a:spcPct val="0"/>
+              </a:spcBef>
+              <a:buNone/>
+              <a:defRPr sz="4400" kern="1200">
+                <a:solidFill>
+                  <a:schemeClr val="tx1"/>
+                </a:solidFill>
+                <a:latin typeface="David" panose="020E0502060401010101" pitchFamily="34" charset="-79"/>
+                <a:ea typeface="+mj-ea"/>
+                <a:cs typeface="+mj-cs"/>
+              </a:defRPr>
+            </a:lvl1pPr>
+          </a:lstStyle>
+          <a:p>
+            <a:pPr algn="ctr" rtl="1">
+              <a:lnSpc>
+                <a:spcPct val="100000"/>
+              </a:lnSpc>
+              <a:spcAft>
+                <a:spcPts val="800"/>
+              </a:spcAft>
+            </a:pPr>
+            <a:r>
+              <a:rPr lang="he-IL" sz="2400" b="1" kern="100" dirty="0">
+                <a:ea typeface="Calibri" panose="020F0502020204030204" pitchFamily="34" charset="0"/>
+                <a:cs typeface="David" panose="020E0502060401010101" pitchFamily="34" charset="-79"/>
+              </a:rPr>
+              <a:t>ביקורת</a:t>
+            </a:r>
+            <a:endParaRPr lang="en-IL" sz="2400" b="1" kern="100" dirty="0">
+              <a:ea typeface="Calibri" panose="020F0502020204030204" pitchFamily="34" charset="0"/>
+              <a:cs typeface="David" panose="020E0502060401010101" pitchFamily="34" charset="-79"/>
+            </a:endParaRPr>
+          </a:p>
+        </p:txBody>
+      </p:sp>
+      <p:sp>
+        <p:nvSpPr>
+          <p:cNvPr id="6" name="מציין מיקום תוכן 2">
+            <a:extLst>
+              <a:ext uri="{FF2B5EF4-FFF2-40B4-BE49-F238E27FC236}">
+                <a16:creationId xmlns:a16="http://schemas.microsoft.com/office/drawing/2014/main" id="{908D3140-E92B-34F0-3F72-18BD3D6256FD}"/>
+              </a:ext>
+            </a:extLst>
+          </p:cNvPr>
+          <p:cNvSpPr txBox="1">
+            <a:spLocks/>
+          </p:cNvSpPr>
+          <p:nvPr/>
+        </p:nvSpPr>
+        <p:spPr>
+          <a:xfrm>
+            <a:off x="254000" y="3893910"/>
+            <a:ext cx="12424310" cy="5048465"/>
+          </a:xfrm>
+          <a:prstGeom prst="rect">
+            <a:avLst/>
+          </a:prstGeom>
+        </p:spPr>
+        <p:txBody>
+          <a:bodyPr vert="horz" lIns="91440" tIns="45720" rIns="91440" bIns="45720" rtlCol="0">
+            <a:normAutofit/>
+          </a:bodyPr>
+          <a:lstStyle>
+            <a:lvl1pPr marL="228600" indent="-228600" algn="l" defTabSz="914400" rtl="0" eaLnBrk="1" latinLnBrk="0" hangingPunct="1">
+              <a:lnSpc>
+                <a:spcPct val="90000"/>
+              </a:lnSpc>
+              <a:spcBef>
+                <a:spcPts val="1000"/>
+              </a:spcBef>
+              <a:buFont typeface="Arial" panose="020B0604020202020204" pitchFamily="34" charset="0"/>
+              <a:buChar char="•"/>
+              <a:defRPr sz="2800" kern="1200">
+                <a:solidFill>
+                  <a:schemeClr val="tx1"/>
+                </a:solidFill>
+                <a:latin typeface="David" panose="020E0502060401010101" pitchFamily="34" charset="-79"/>
+                <a:ea typeface="+mn-ea"/>
+                <a:cs typeface="+mn-cs"/>
+              </a:defRPr>
+            </a:lvl1pPr>
+            <a:lvl2pPr marL="685800" indent="-228600" algn="l" defTabSz="914400" rtl="0" eaLnBrk="1" latinLnBrk="0" hangingPunct="1">
+              <a:lnSpc>
+                <a:spcPct val="90000"/>
+              </a:lnSpc>
+              <a:spcBef>
+                <a:spcPts val="500"/>
+              </a:spcBef>
+              <a:buFont typeface="Arial" panose="020B0604020202020204" pitchFamily="34" charset="0"/>
+              <a:buChar char="•"/>
+              <a:defRPr sz="2400" kern="1200">
+                <a:solidFill>
+                  <a:schemeClr val="tx1"/>
+                </a:solidFill>
+                <a:latin typeface="David" panose="020E0502060401010101" pitchFamily="34" charset="-79"/>
+                <a:ea typeface="+mn-ea"/>
+                <a:cs typeface="+mn-cs"/>
+              </a:defRPr>
+            </a:lvl2pPr>
+            <a:lvl3pPr marL="1143000" indent="-228600" algn="l" defTabSz="914400" rtl="0" eaLnBrk="1" latinLnBrk="0" hangingPunct="1">
+              <a:lnSpc>
+                <a:spcPct val="90000"/>
+              </a:lnSpc>
+              <a:spcBef>
+                <a:spcPts val="500"/>
+              </a:spcBef>
+              <a:buFont typeface="Arial" panose="020B0604020202020204" pitchFamily="34" charset="0"/>
+              <a:buChar char="•"/>
+              <a:defRPr sz="2000" kern="1200">
+                <a:solidFill>
+                  <a:schemeClr val="tx1"/>
+                </a:solidFill>
+                <a:latin typeface="David" panose="020E0502060401010101" pitchFamily="34" charset="-79"/>
+                <a:ea typeface="+mn-ea"/>
+                <a:cs typeface="+mn-cs"/>
+              </a:defRPr>
+            </a:lvl3pPr>
+            <a:lvl4pPr marL="1600200" indent="-228600" algn="l" defTabSz="914400" rtl="0" eaLnBrk="1" latinLnBrk="0" hangingPunct="1">
+              <a:lnSpc>
+                <a:spcPct val="90000"/>
+              </a:lnSpc>
+              <a:spcBef>
+                <a:spcPts val="500"/>
+              </a:spcBef>
+              <a:buFont typeface="Arial" panose="020B0604020202020204" pitchFamily="34" charset="0"/>
+              <a:buChar char="•"/>
+              <a:defRPr sz="1800" kern="1200">
+                <a:solidFill>
+                  <a:schemeClr val="tx1"/>
+                </a:solidFill>
+                <a:latin typeface="David" panose="020E0502060401010101" pitchFamily="34" charset="-79"/>
+                <a:ea typeface="+mn-ea"/>
+                <a:cs typeface="+mn-cs"/>
+              </a:defRPr>
+            </a:lvl4pPr>
+            <a:lvl5pPr marL="2057400" indent="-228600" algn="l" defTabSz="914400" rtl="0" eaLnBrk="1" latinLnBrk="0" hangingPunct="1">
+              <a:lnSpc>
+                <a:spcPct val="90000"/>
+              </a:lnSpc>
+              <a:spcBef>
+                <a:spcPts val="500"/>
+              </a:spcBef>
+              <a:buFont typeface="Arial" panose="020B0604020202020204" pitchFamily="34" charset="0"/>
+              <a:buChar char="•"/>
+              <a:defRPr sz="1800" kern="1200">
+                <a:solidFill>
+                  <a:schemeClr val="tx1"/>
+                </a:solidFill>
+                <a:latin typeface="David" panose="020E0502060401010101" pitchFamily="34" charset="-79"/>
+                <a:ea typeface="+mn-ea"/>
+                <a:cs typeface="+mn-cs"/>
+              </a:defRPr>
+            </a:lvl5pPr>
+            <a:lvl6pPr marL="2514600" indent="-228600" algn="l" defTabSz="914400" rtl="0" eaLnBrk="1" latinLnBrk="0" hangingPunct="1">
+              <a:lnSpc>
+                <a:spcPct val="90000"/>
+              </a:lnSpc>
+              <a:spcBef>
+                <a:spcPts val="500"/>
+              </a:spcBef>
+              <a:buFont typeface="Arial" panose="020B0604020202020204" pitchFamily="34" charset="0"/>
+              <a:buChar char="•"/>
+              <a:defRPr sz="1800" kern="1200">
+                <a:solidFill>
+                  <a:schemeClr val="tx1"/>
+                </a:solidFill>
+                <a:latin typeface="+mn-lt"/>
+                <a:ea typeface="+mn-ea"/>
+                <a:cs typeface="+mn-cs"/>
+              </a:defRPr>
+            </a:lvl6pPr>
+            <a:lvl7pPr marL="2971800" indent="-228600" algn="l" defTabSz="914400" rtl="0" eaLnBrk="1" latinLnBrk="0" hangingPunct="1">
+              <a:lnSpc>
+                <a:spcPct val="90000"/>
+              </a:lnSpc>
+              <a:spcBef>
+                <a:spcPts val="500"/>
+              </a:spcBef>
+              <a:buFont typeface="Arial" panose="020B0604020202020204" pitchFamily="34" charset="0"/>
+              <a:buChar char="•"/>
+              <a:defRPr sz="1800" kern="1200">
+                <a:solidFill>
+                  <a:schemeClr val="tx1"/>
+                </a:solidFill>
+                <a:latin typeface="+mn-lt"/>
+                <a:ea typeface="+mn-ea"/>
+                <a:cs typeface="+mn-cs"/>
+              </a:defRPr>
+            </a:lvl7pPr>
+            <a:lvl8pPr marL="3429000" indent="-228600" algn="l" defTabSz="914400" rtl="0" eaLnBrk="1" latinLnBrk="0" hangingPunct="1">
+              <a:lnSpc>
+                <a:spcPct val="90000"/>
+              </a:lnSpc>
+              <a:spcBef>
+                <a:spcPts val="500"/>
+              </a:spcBef>
+              <a:buFont typeface="Arial" panose="020B0604020202020204" pitchFamily="34" charset="0"/>
+              <a:buChar char="•"/>
+              <a:defRPr sz="1800" kern="1200">
+                <a:solidFill>
+                  <a:schemeClr val="tx1"/>
+                </a:solidFill>
+                <a:latin typeface="+mn-lt"/>
+                <a:ea typeface="+mn-ea"/>
+                <a:cs typeface="+mn-cs"/>
+              </a:defRPr>
+            </a:lvl8pPr>
+            <a:lvl9pPr marL="3886200" indent="-228600" algn="l" defTabSz="914400" rtl="0" eaLnBrk="1" latinLnBrk="0" hangingPunct="1">
+              <a:lnSpc>
+                <a:spcPct val="90000"/>
+              </a:lnSpc>
+              <a:spcBef>
+                <a:spcPts val="500"/>
+              </a:spcBef>
+              <a:buFont typeface="Arial" panose="020B0604020202020204" pitchFamily="34" charset="0"/>
+              <a:buChar char="•"/>
+              <a:defRPr sz="1800" kern="1200">
+                <a:solidFill>
+                  <a:schemeClr val="tx1"/>
+                </a:solidFill>
+                <a:latin typeface="+mn-lt"/>
+                <a:ea typeface="+mn-ea"/>
+                <a:cs typeface="+mn-cs"/>
+              </a:defRPr>
+            </a:lvl9pPr>
+          </a:lstStyle>
+          <a:p>
+            <a:pPr marL="914400" lvl="2" indent="0" algn="r" rtl="1">
+              <a:lnSpc>
+                <a:spcPct val="100000"/>
+              </a:lnSpc>
+              <a:spcBef>
+                <a:spcPts val="0"/>
+              </a:spcBef>
+              <a:spcAft>
+                <a:spcPts val="800"/>
+              </a:spcAft>
+              <a:buSzPts val="1000"/>
+              <a:buFont typeface="Arial" panose="020B0604020202020204" pitchFamily="34" charset="0"/>
+              <a:buNone/>
+              <a:tabLst>
+                <a:tab pos="457200" algn="l"/>
+              </a:tabLst>
+            </a:pPr>
+            <a:r>
+              <a:rPr lang="he-IL" sz="1800" kern="100" dirty="0">
+                <a:ea typeface="Calibri" panose="020F0502020204030204" pitchFamily="34" charset="0"/>
+                <a:cs typeface="David" panose="020E0502060401010101" pitchFamily="34" charset="-79"/>
+              </a:rPr>
+              <a:t>שיעור ההצלחה הזהה (3.57%) במתקפות </a:t>
+            </a:r>
+            <a:r>
+              <a:rPr lang="en-US" sz="1800" kern="100" dirty="0">
+                <a:ea typeface="Calibri" panose="020F0502020204030204" pitchFamily="34" charset="0"/>
+                <a:cs typeface="David" panose="020E0502060401010101" pitchFamily="34" charset="-79"/>
+              </a:rPr>
+              <a:t>Password Spraying </a:t>
+            </a:r>
+            <a:r>
+              <a:rPr lang="he-IL" sz="1800" kern="100" dirty="0">
+                <a:ea typeface="Calibri" panose="020F0502020204030204" pitchFamily="34" charset="0"/>
+                <a:cs typeface="David" panose="020E0502060401010101" pitchFamily="34" charset="-79"/>
+              </a:rPr>
+              <a:t> תחת שילובי הגנות שונים מצביע ככל הנראה על מגבלת סימולציה, שבה ההגנות משפיעות על אופן סיום ההתקפה אך לא על סיכויי ההצלחה. </a:t>
+            </a:r>
+            <a:br>
+              <a:rPr lang="en-US" sz="1800" kern="100" dirty="0">
+                <a:ea typeface="Calibri" panose="020F0502020204030204" pitchFamily="34" charset="0"/>
+                <a:cs typeface="David" panose="020E0502060401010101" pitchFamily="34" charset="-79"/>
+              </a:rPr>
+            </a:br>
+            <a:r>
+              <a:rPr lang="he-IL" sz="1800" kern="100" dirty="0">
+                <a:ea typeface="Calibri" panose="020F0502020204030204" pitchFamily="34" charset="0"/>
+                <a:cs typeface="David" panose="020E0502060401010101" pitchFamily="34" charset="-79"/>
+              </a:rPr>
+              <a:t>יעילות מנגנונים כמו </a:t>
+            </a:r>
+            <a:r>
+              <a:rPr lang="en-US" sz="1800" kern="100" dirty="0">
+                <a:ea typeface="Calibri" panose="020F0502020204030204" pitchFamily="34" charset="0"/>
+                <a:cs typeface="David" panose="020E0502060401010101" pitchFamily="34" charset="-79"/>
+              </a:rPr>
+              <a:t>Rate Limiting </a:t>
+            </a:r>
+            <a:r>
+              <a:rPr lang="he-IL" sz="1800" kern="100" dirty="0">
+                <a:ea typeface="Calibri" panose="020F0502020204030204" pitchFamily="34" charset="0"/>
+                <a:cs typeface="David" panose="020E0502060401010101" pitchFamily="34" charset="-79"/>
+              </a:rPr>
+              <a:t> ו־</a:t>
+            </a:r>
+            <a:r>
+              <a:rPr lang="en-US" sz="1800" kern="100" dirty="0">
+                <a:ea typeface="Calibri" panose="020F0502020204030204" pitchFamily="34" charset="0"/>
+                <a:cs typeface="David" panose="020E0502060401010101" pitchFamily="34" charset="-79"/>
+              </a:rPr>
+              <a:t>Lockout </a:t>
+            </a:r>
+            <a:r>
+              <a:rPr lang="he-IL" sz="1800" kern="100" dirty="0">
+                <a:ea typeface="Calibri" panose="020F0502020204030204" pitchFamily="34" charset="0"/>
+                <a:cs typeface="David" panose="020E0502060401010101" pitchFamily="34" charset="-79"/>
+              </a:rPr>
+              <a:t> מוגבלת בהקשר זה, משום ש־</a:t>
+            </a:r>
+            <a:r>
+              <a:rPr lang="en-US" sz="1800" kern="100" dirty="0">
+                <a:ea typeface="Calibri" panose="020F0502020204030204" pitchFamily="34" charset="0"/>
+                <a:cs typeface="David" panose="020E0502060401010101" pitchFamily="34" charset="-79"/>
+              </a:rPr>
+              <a:t>Password Spraying </a:t>
+            </a:r>
+            <a:r>
+              <a:rPr lang="he-IL" sz="1800" kern="100" dirty="0">
+                <a:ea typeface="Calibri" panose="020F0502020204030204" pitchFamily="34" charset="0"/>
+                <a:cs typeface="David" panose="020E0502060401010101" pitchFamily="34" charset="-79"/>
+              </a:rPr>
+              <a:t> כולל מעט ניסיונות לכל משתמש ו</a:t>
+            </a:r>
+            <a:r>
+              <a:rPr lang="he-IL" sz="1800" kern="100" dirty="0">
+                <a:ea typeface="Times New Roman" panose="02020603050405020304" pitchFamily="18" charset="0"/>
+                <a:cs typeface="David" panose="020E0502060401010101" pitchFamily="34" charset="-79"/>
+              </a:rPr>
+              <a:t>התוקף בדרך כלל מבצע פחות ניסיונות התחברות מאשר הכמות המוגבלת ולכן הגנות אלו לא משפיעות עליו. בנוסף, בניסוי זה ההגבלה מבוססת על נעילה לפי שם משתמש ולא על בסיס כתובת</a:t>
+            </a:r>
+            <a:r>
+              <a:rPr lang="en-US" sz="1800" kern="100" dirty="0">
+                <a:ea typeface="Times New Roman" panose="02020603050405020304" pitchFamily="18" charset="0"/>
+                <a:cs typeface="David" panose="020E0502060401010101" pitchFamily="34" charset="-79"/>
+              </a:rPr>
+              <a:t> IP  </a:t>
+            </a:r>
+            <a:r>
+              <a:rPr lang="he-IL" sz="1800" kern="100" dirty="0">
+                <a:ea typeface="Times New Roman" panose="02020603050405020304" pitchFamily="18" charset="0"/>
+                <a:cs typeface="David" panose="020E0502060401010101" pitchFamily="34" charset="-79"/>
+              </a:rPr>
+              <a:t>ובדרך כלל תוקף ינסה להתחבר עם משתמשים שונים מכתובת </a:t>
+            </a:r>
+            <a:r>
+              <a:rPr lang="en-US" sz="1800" kern="100" dirty="0">
+                <a:ea typeface="Times New Roman" panose="02020603050405020304" pitchFamily="18" charset="0"/>
+                <a:cs typeface="David" panose="020E0502060401010101" pitchFamily="34" charset="-79"/>
+              </a:rPr>
+              <a:t>IP</a:t>
+            </a:r>
+            <a:r>
+              <a:rPr lang="he-IL" sz="1800" kern="100" dirty="0">
+                <a:ea typeface="Times New Roman" panose="02020603050405020304" pitchFamily="18" charset="0"/>
+                <a:cs typeface="David" panose="020E0502060401010101" pitchFamily="34" charset="-79"/>
+              </a:rPr>
+              <a:t> אחת</a:t>
+            </a:r>
+            <a:r>
+              <a:rPr lang="en-US" sz="1800" kern="100" dirty="0">
+                <a:ea typeface="Times New Roman" panose="02020603050405020304" pitchFamily="18" charset="0"/>
+                <a:cs typeface="David" panose="020E0502060401010101" pitchFamily="34" charset="-79"/>
+              </a:rPr>
+              <a:t>.</a:t>
+            </a:r>
+            <a:r>
+              <a:rPr lang="he-IL" sz="1800" kern="100" dirty="0">
+                <a:ea typeface="Calibri" panose="020F0502020204030204" pitchFamily="34" charset="0"/>
+                <a:cs typeface="David" panose="020E0502060401010101" pitchFamily="34" charset="-79"/>
+              </a:rPr>
+              <a:t>  </a:t>
+            </a:r>
+            <a:br>
+              <a:rPr lang="en-US" sz="1800" kern="100" dirty="0">
+                <a:ea typeface="Calibri" panose="020F0502020204030204" pitchFamily="34" charset="0"/>
+                <a:cs typeface="David" panose="020E0502060401010101" pitchFamily="34" charset="-79"/>
+              </a:rPr>
+            </a:br>
+            <a:r>
+              <a:rPr lang="he-IL" sz="1800" kern="100" dirty="0">
+                <a:ea typeface="Calibri" panose="020F0502020204030204" pitchFamily="34" charset="0"/>
+                <a:cs typeface="David" panose="020E0502060401010101" pitchFamily="34" charset="-79"/>
+              </a:rPr>
+              <a:t>זאת ועוד, זמני ההשהיה הנמוכים מאוד עבור </a:t>
+            </a:r>
+            <a:r>
+              <a:rPr lang="en-US" sz="1800" kern="100" dirty="0">
+                <a:ea typeface="Calibri" panose="020F0502020204030204" pitchFamily="34" charset="0"/>
+                <a:cs typeface="David" panose="020E0502060401010101" pitchFamily="34" charset="-79"/>
+              </a:rPr>
+              <a:t>hashing </a:t>
+            </a:r>
+            <a:r>
+              <a:rPr lang="he-IL" sz="1800" kern="100" dirty="0">
+                <a:ea typeface="Calibri" panose="020F0502020204030204" pitchFamily="34" charset="0"/>
+                <a:cs typeface="David" panose="020E0502060401010101" pitchFamily="34" charset="-79"/>
+              </a:rPr>
+              <a:t> מהיר יוצרים קצבי ניסיונות לא ריאליים, שאינם מייצגים סביבת </a:t>
+            </a:r>
+            <a:r>
+              <a:rPr lang="he-IL" sz="1800" kern="100" dirty="0" err="1">
+                <a:ea typeface="Calibri" panose="020F0502020204030204" pitchFamily="34" charset="0"/>
+                <a:cs typeface="David" panose="020E0502060401010101" pitchFamily="34" charset="-79"/>
+              </a:rPr>
+              <a:t>פרודקשן</a:t>
+            </a:r>
+            <a:r>
+              <a:rPr lang="he-IL" sz="1800" kern="100" dirty="0">
+                <a:ea typeface="Calibri" panose="020F0502020204030204" pitchFamily="34" charset="0"/>
+                <a:cs typeface="David" panose="020E0502060401010101" pitchFamily="34" charset="-79"/>
+              </a:rPr>
+              <a:t>. </a:t>
+            </a:r>
+            <a:br>
+              <a:rPr lang="en-US" sz="1800" kern="100" dirty="0">
+                <a:ea typeface="Calibri" panose="020F0502020204030204" pitchFamily="34" charset="0"/>
+                <a:cs typeface="David" panose="020E0502060401010101" pitchFamily="34" charset="-79"/>
+              </a:rPr>
+            </a:br>
+            <a:r>
+              <a:rPr lang="he-IL" sz="1800" kern="100" dirty="0">
+                <a:ea typeface="Calibri" panose="020F0502020204030204" pitchFamily="34" charset="0"/>
+                <a:cs typeface="David" panose="020E0502060401010101" pitchFamily="34" charset="-79"/>
+              </a:rPr>
+              <a:t>שיעורי הצלחה גבוהים יחסית בניסויי </a:t>
+            </a:r>
+            <a:r>
+              <a:rPr lang="en-US" sz="1800" kern="100" dirty="0">
+                <a:ea typeface="Calibri" panose="020F0502020204030204" pitchFamily="34" charset="0"/>
+                <a:cs typeface="David" panose="020E0502060401010101" pitchFamily="34" charset="-79"/>
+              </a:rPr>
+              <a:t>Brute Force </a:t>
+            </a:r>
+            <a:r>
+              <a:rPr lang="he-IL" sz="1800" kern="100" dirty="0">
+                <a:ea typeface="Calibri" panose="020F0502020204030204" pitchFamily="34" charset="0"/>
+                <a:cs typeface="David" panose="020E0502060401010101" pitchFamily="34" charset="-79"/>
+              </a:rPr>
+              <a:t> עם מספר ניסיונות קטן מושפעים מגודל מדגם מצומצם, ואינם מעידים על עמידות המערכת. </a:t>
+            </a:r>
+            <a:br>
+              <a:rPr lang="en-US" sz="1800" kern="100" dirty="0">
+                <a:ea typeface="Calibri" panose="020F0502020204030204" pitchFamily="34" charset="0"/>
+                <a:cs typeface="David" panose="020E0502060401010101" pitchFamily="34" charset="-79"/>
+              </a:rPr>
+            </a:br>
+            <a:r>
+              <a:rPr lang="he-IL" sz="1800" kern="100" dirty="0">
+                <a:ea typeface="Calibri" panose="020F0502020204030204" pitchFamily="34" charset="0"/>
+                <a:cs typeface="David" panose="020E0502060401010101" pitchFamily="34" charset="-79"/>
+              </a:rPr>
+              <a:t>לבסוף, מנגנוני </a:t>
+            </a:r>
+            <a:r>
+              <a:rPr lang="en-US" sz="1800" kern="100" dirty="0">
+                <a:ea typeface="Calibri" panose="020F0502020204030204" pitchFamily="34" charset="0"/>
+                <a:cs typeface="David" panose="020E0502060401010101" pitchFamily="34" charset="-79"/>
+              </a:rPr>
+              <a:t>CAPTCHA </a:t>
+            </a:r>
+            <a:r>
+              <a:rPr lang="he-IL" sz="1800" kern="100" dirty="0">
+                <a:ea typeface="Calibri" panose="020F0502020204030204" pitchFamily="34" charset="0"/>
+                <a:cs typeface="David" panose="020E0502060401010101" pitchFamily="34" charset="-79"/>
+              </a:rPr>
+              <a:t> ו־</a:t>
+            </a:r>
+            <a:r>
+              <a:rPr lang="en-US" sz="1800" kern="100" dirty="0">
+                <a:ea typeface="Calibri" panose="020F0502020204030204" pitchFamily="34" charset="0"/>
+                <a:cs typeface="David" panose="020E0502060401010101" pitchFamily="34" charset="-79"/>
+              </a:rPr>
+              <a:t>TOTP </a:t>
+            </a:r>
+            <a:r>
+              <a:rPr lang="he-IL" sz="1800" kern="100" dirty="0">
+                <a:ea typeface="Calibri" panose="020F0502020204030204" pitchFamily="34" charset="0"/>
+                <a:cs typeface="David" panose="020E0502060401010101" pitchFamily="34" charset="-79"/>
+              </a:rPr>
+              <a:t> מסיימים התקפות בהצלחה מבחינת ההגנה, אך המימוש </a:t>
+            </a:r>
+            <a:r>
+              <a:rPr lang="he-IL" sz="1800" kern="100" dirty="0" err="1">
+                <a:ea typeface="Calibri" panose="020F0502020204030204" pitchFamily="34" charset="0"/>
+                <a:cs typeface="David" panose="020E0502060401010101" pitchFamily="34" charset="-79"/>
+              </a:rPr>
+              <a:t>הסימולטיבי</a:t>
+            </a:r>
+            <a:r>
+              <a:rPr lang="he-IL" sz="1800" kern="100" dirty="0">
+                <a:ea typeface="Calibri" panose="020F0502020204030204" pitchFamily="34" charset="0"/>
+                <a:cs typeface="David" panose="020E0502060401010101" pitchFamily="34" charset="-79"/>
+              </a:rPr>
+              <a:t> אינו מדמה פתרון אמיתי של האתגרים ולכן ייתכן שהיעילות שלהם מוערכת יתר על המידה.</a:t>
+            </a:r>
+          </a:p>
+        </p:txBody>
+      </p:sp>
+    </p:spTree>
+    <p:extLst>
+      <p:ext uri="{BB962C8B-B14F-4D97-AF65-F5344CB8AC3E}">
+        <p14:creationId xmlns:p14="http://schemas.microsoft.com/office/powerpoint/2010/main" val="973598234"/>
+      </p:ext>
+    </p:extLst>
+  </p:cSld>
+  <p:clrMapOvr>
+    <a:masterClrMapping/>
+  </p:clrMapOvr>
+</p:sld>
+</file>
+
+<file path=ppt/slides/slide6.xml><?xml version="1.0" encoding="utf-8"?>
+<p:sld xmlns:a="http://schemas.openxmlformats.org/drawingml/2006/main" xmlns:r="http://schemas.openxmlformats.org/officeDocument/2006/relationships" xmlns:p="http://schemas.openxmlformats.org/presentationml/2006/main">
+  <p:cSld>
+    <p:spTree>
+      <p:nvGrpSpPr>
+        <p:cNvPr id="1" name="">
+          <a:extLst>
+            <a:ext uri="{FF2B5EF4-FFF2-40B4-BE49-F238E27FC236}">
+              <a16:creationId xmlns:a16="http://schemas.microsoft.com/office/drawing/2014/main" id="{B4C388E7-C262-6C8F-7871-BE92E6B34575}"/>
+            </a:ext>
+          </a:extLst>
+        </p:cNvPr>
+        <p:cNvGrpSpPr/>
+        <p:nvPr/>
+      </p:nvGrpSpPr>
+      <p:grpSpPr>
+        <a:xfrm>
+          <a:off x="0" y="0"/>
+          <a:ext cx="0" cy="0"/>
+          <a:chOff x="0" y="0"/>
+          <a:chExt cx="0" cy="0"/>
+        </a:xfrm>
+      </p:grpSpPr>
+      <p:sp>
+        <p:nvSpPr>
+          <p:cNvPr id="2" name="כותרת 1">
+            <a:extLst>
+              <a:ext uri="{FF2B5EF4-FFF2-40B4-BE49-F238E27FC236}">
+                <a16:creationId xmlns:a16="http://schemas.microsoft.com/office/drawing/2014/main" id="{CFC6B50A-D287-ACE4-3612-B15339E9FC5D}"/>
+              </a:ext>
+            </a:extLst>
+          </p:cNvPr>
+          <p:cNvSpPr>
+            <a:spLocks noGrp="1"/>
+          </p:cNvSpPr>
+          <p:nvPr>
+            <p:ph type="title"/>
+          </p:nvPr>
+        </p:nvSpPr>
+        <p:spPr>
+          <a:xfrm>
+            <a:off x="838200" y="-56112"/>
+            <a:ext cx="10515600" cy="1325563"/>
+          </a:xfrm>
+        </p:spPr>
+        <p:txBody>
+          <a:bodyPr/>
+          <a:lstStyle/>
+          <a:p>
+            <a:pPr algn="ctr" rtl="1">
+              <a:lnSpc>
+                <a:spcPct val="150000"/>
+              </a:lnSpc>
+              <a:spcAft>
+                <a:spcPts val="800"/>
+              </a:spcAft>
+            </a:pPr>
+            <a:r>
+              <a:rPr lang="he-IL" kern="100" dirty="0">
+                <a:latin typeface="David" panose="020E0502060401010101" pitchFamily="34" charset="-79"/>
+                <a:ea typeface="Calibri" panose="020F0502020204030204" pitchFamily="34" charset="0"/>
+                <a:cs typeface="David" panose="020E0502060401010101" pitchFamily="34" charset="-79"/>
+              </a:rPr>
+              <a:t>מגבלות הניסוי</a:t>
+            </a:r>
+            <a:endParaRPr lang="en-IL" kern="100" dirty="0">
+              <a:latin typeface="David" panose="020E0502060401010101" pitchFamily="34" charset="-79"/>
+              <a:ea typeface="Calibri" panose="020F0502020204030204" pitchFamily="34" charset="0"/>
+              <a:cs typeface="David" panose="020E0502060401010101" pitchFamily="34" charset="-79"/>
+            </a:endParaRPr>
+          </a:p>
+        </p:txBody>
+      </p:sp>
+      <mc:AlternateContent xmlns:mc="http://schemas.openxmlformats.org/markup-compatibility/2006" xmlns:a14="http://schemas.microsoft.com/office/drawing/2010/main">
+        <mc:Choice Requires="a14">
+          <p:sp>
+            <p:nvSpPr>
+              <p:cNvPr id="3" name="מציין מיקום תוכן 2">
+                <a:extLst>
+                  <a:ext uri="{FF2B5EF4-FFF2-40B4-BE49-F238E27FC236}">
+                    <a16:creationId xmlns:a16="http://schemas.microsoft.com/office/drawing/2014/main" id="{AA4E9F21-478E-06B2-69D3-767CB9395959}"/>
+                  </a:ext>
+                </a:extLst>
+              </p:cNvPr>
+              <p:cNvSpPr>
+                <a:spLocks noGrp="1"/>
+              </p:cNvSpPr>
+              <p:nvPr>
+                <p:ph idx="1"/>
+              </p:nvPr>
+            </p:nvSpPr>
+            <p:spPr>
+              <a:xfrm>
+                <a:off x="408214" y="1130157"/>
+                <a:ext cx="10945586" cy="5727843"/>
+              </a:xfrm>
+            </p:spPr>
+            <p:txBody>
+              <a:bodyPr>
+                <a:normAutofit fontScale="92500"/>
+              </a:bodyPr>
+              <a:lstStyle/>
+              <a:p>
+                <a:pPr algn="just" rtl="1">
+                  <a:lnSpc>
+                    <a:spcPct val="150000"/>
+                  </a:lnSpc>
+                  <a:spcBef>
+                    <a:spcPts val="0"/>
+                  </a:spcBef>
+                  <a:spcAft>
+                    <a:spcPts val="800"/>
+                  </a:spcAft>
+                  <a:buNone/>
+                </a:pPr>
+                <a:r>
+                  <a:rPr lang="he-IL" sz="1600" b="1" kern="100" dirty="0">
+                    <a:effectLst/>
+                    <a:ea typeface="Calibri" panose="020F0502020204030204" pitchFamily="34" charset="0"/>
+                    <a:cs typeface="David" panose="020E0502060401010101" pitchFamily="34" charset="-79"/>
+                  </a:rPr>
+                  <a:t>מגבלות הניסוי: </a:t>
+                </a:r>
+                <a:endParaRPr lang="en-IL" sz="1600" kern="100" dirty="0">
+                  <a:effectLst/>
+                  <a:ea typeface="Calibri" panose="020F0502020204030204" pitchFamily="34" charset="0"/>
+                  <a:cs typeface="David" panose="020E0502060401010101" pitchFamily="34" charset="-79"/>
+                </a:endParaRPr>
+              </a:p>
+              <a:p>
+                <a:pPr marL="342900" lvl="0" indent="-342900" algn="just" rtl="1">
+                  <a:lnSpc>
+                    <a:spcPct val="150000"/>
+                  </a:lnSpc>
+                  <a:spcBef>
+                    <a:spcPts val="0"/>
+                  </a:spcBef>
+                  <a:buFont typeface="Symbol" panose="05050102010706020507" pitchFamily="18" charset="2"/>
+                  <a:buChar char=""/>
+                </a:pPr>
+                <a:r>
+                  <a:rPr lang="he-IL" sz="1600" b="1" kern="100" dirty="0">
+                    <a:effectLst/>
+                    <a:ea typeface="Calibri" panose="020F0502020204030204" pitchFamily="34" charset="0"/>
+                    <a:cs typeface="David" panose="020E0502060401010101" pitchFamily="34" charset="-79"/>
+                  </a:rPr>
+                  <a:t>עוצמת חומרה מוגבלת וסביבה מקומית</a:t>
+                </a:r>
+                <a:r>
+                  <a:rPr lang="en-US" sz="1600" kern="100" dirty="0">
+                    <a:effectLst/>
+                    <a:latin typeface="David" panose="020E0502060401010101" pitchFamily="34" charset="-79"/>
+                    <a:ea typeface="Calibri" panose="020F0502020204030204" pitchFamily="34" charset="0"/>
+                    <a:cs typeface="David" panose="020E0502060401010101" pitchFamily="34" charset="-79"/>
+                  </a:rPr>
+                  <a:t>: </a:t>
+                </a:r>
+                <a:r>
+                  <a:rPr lang="he-IL" sz="1600" kern="100" dirty="0">
+                    <a:effectLst/>
+                    <a:ea typeface="Calibri" panose="020F0502020204030204" pitchFamily="34" charset="0"/>
+                    <a:cs typeface="David" panose="020E0502060401010101" pitchFamily="34" charset="-79"/>
+                  </a:rPr>
+                  <a:t>הניסוי רץ על מחשב בודד ולכן זמני חישוב</a:t>
+                </a:r>
+                <a:r>
+                  <a:rPr lang="en-US" sz="1600" kern="100" dirty="0">
+                    <a:effectLst/>
+                    <a:latin typeface="David" panose="020E0502060401010101" pitchFamily="34" charset="-79"/>
+                    <a:ea typeface="Calibri" panose="020F0502020204030204" pitchFamily="34" charset="0"/>
+                    <a:cs typeface="David" panose="020E0502060401010101" pitchFamily="34" charset="-79"/>
+                  </a:rPr>
+                  <a:t>/throughput </a:t>
+                </a:r>
+                <a:r>
+                  <a:rPr lang="he-IL" sz="1600" kern="100" dirty="0">
+                    <a:effectLst/>
+                    <a:ea typeface="Calibri" panose="020F0502020204030204" pitchFamily="34" charset="0"/>
+                    <a:cs typeface="David" panose="020E0502060401010101" pitchFamily="34" charset="-79"/>
+                  </a:rPr>
+                  <a:t>לא מייצגים תוקף עם תשתית רחבה/</a:t>
+                </a:r>
+                <a:r>
+                  <a:rPr lang="he-IL" sz="1600" kern="100" dirty="0" err="1">
+                    <a:effectLst/>
+                    <a:ea typeface="Calibri" panose="020F0502020204030204" pitchFamily="34" charset="0"/>
+                    <a:cs typeface="David" panose="020E0502060401010101" pitchFamily="34" charset="-79"/>
+                  </a:rPr>
+                  <a:t>בוטנט</a:t>
+                </a:r>
+                <a:r>
+                  <a:rPr lang="en-US" sz="1600" kern="100" dirty="0">
+                    <a:effectLst/>
+                    <a:latin typeface="David" panose="020E0502060401010101" pitchFamily="34" charset="-79"/>
+                    <a:ea typeface="Calibri" panose="020F0502020204030204" pitchFamily="34" charset="0"/>
+                    <a:cs typeface="David" panose="020E0502060401010101" pitchFamily="34" charset="-79"/>
+                  </a:rPr>
+                  <a:t>.</a:t>
+                </a:r>
+                <a:endParaRPr lang="en-IL" sz="1600" kern="100" dirty="0">
+                  <a:effectLst/>
+                  <a:ea typeface="Calibri" panose="020F0502020204030204" pitchFamily="34" charset="0"/>
+                  <a:cs typeface="David" panose="020E0502060401010101" pitchFamily="34" charset="-79"/>
+                </a:endParaRPr>
+              </a:p>
+              <a:p>
+                <a:pPr marL="342900" lvl="0" indent="-342900" algn="just" rtl="1">
+                  <a:lnSpc>
+                    <a:spcPct val="150000"/>
+                  </a:lnSpc>
+                  <a:spcBef>
+                    <a:spcPts val="0"/>
+                  </a:spcBef>
+                  <a:buFont typeface="Symbol" panose="05050102010706020507" pitchFamily="18" charset="2"/>
+                  <a:buChar char=""/>
+                </a:pPr>
+                <a:r>
+                  <a:rPr lang="he-IL" sz="1600" b="1" kern="100" dirty="0">
+                    <a:effectLst/>
+                    <a:ea typeface="Calibri" panose="020F0502020204030204" pitchFamily="34" charset="0"/>
+                    <a:cs typeface="David" panose="020E0502060401010101" pitchFamily="34" charset="-79"/>
+                  </a:rPr>
+                  <a:t>מספר משתמשים קטן</a:t>
+                </a:r>
+                <a:r>
+                  <a:rPr lang="he-IL" sz="1600" kern="100" dirty="0">
+                    <a:effectLst/>
+                    <a:ea typeface="Calibri" panose="020F0502020204030204" pitchFamily="34" charset="0"/>
+                    <a:cs typeface="David" panose="020E0502060401010101" pitchFamily="34" charset="-79"/>
+                  </a:rPr>
+                  <a:t> (30 משתמשים): בעולם אמיתי</a:t>
+                </a:r>
+                <a:r>
+                  <a:rPr lang="en-US" sz="1600" kern="100" dirty="0">
+                    <a:effectLst/>
+                    <a:latin typeface="David" panose="020E0502060401010101" pitchFamily="34" charset="-79"/>
+                    <a:ea typeface="Calibri" panose="020F0502020204030204" pitchFamily="34" charset="0"/>
+                    <a:cs typeface="David" panose="020E0502060401010101" pitchFamily="34" charset="-79"/>
+                  </a:rPr>
+                  <a:t> spraying </a:t>
+                </a:r>
+                <a:r>
+                  <a:rPr lang="he-IL" sz="1600" kern="100" dirty="0">
+                    <a:effectLst/>
+                    <a:ea typeface="Calibri" panose="020F0502020204030204" pitchFamily="34" charset="0"/>
+                    <a:cs typeface="David" panose="020E0502060401010101" pitchFamily="34" charset="-79"/>
+                  </a:rPr>
+                  <a:t>עובד על אלפים/מיליונים, ולכן הדינמיקה משתנה</a:t>
+                </a:r>
+                <a:r>
+                  <a:rPr lang="en-US" sz="1600" kern="100" dirty="0">
+                    <a:effectLst/>
+                    <a:latin typeface="David" panose="020E0502060401010101" pitchFamily="34" charset="-79"/>
+                    <a:ea typeface="Calibri" panose="020F0502020204030204" pitchFamily="34" charset="0"/>
+                    <a:cs typeface="David" panose="020E0502060401010101" pitchFamily="34" charset="-79"/>
+                  </a:rPr>
+                  <a:t>.</a:t>
+                </a:r>
+                <a:endParaRPr lang="en-IL" sz="1600" kern="100" dirty="0">
+                  <a:effectLst/>
+                  <a:ea typeface="Calibri" panose="020F0502020204030204" pitchFamily="34" charset="0"/>
+                  <a:cs typeface="David" panose="020E0502060401010101" pitchFamily="34" charset="-79"/>
+                </a:endParaRPr>
+              </a:p>
+              <a:p>
+                <a:pPr marL="342900" lvl="0" indent="-342900" algn="just" rtl="1">
+                  <a:lnSpc>
+                    <a:spcPct val="150000"/>
+                  </a:lnSpc>
+                  <a:spcBef>
+                    <a:spcPts val="0"/>
+                  </a:spcBef>
+                  <a:buFont typeface="Symbol" panose="05050102010706020507" pitchFamily="18" charset="2"/>
+                  <a:buChar char=""/>
+                </a:pPr>
+                <a:r>
+                  <a:rPr lang="he-IL" sz="1600" b="1" kern="100" dirty="0">
+                    <a:effectLst/>
+                    <a:ea typeface="Calibri" panose="020F0502020204030204" pitchFamily="34" charset="0"/>
+                    <a:cs typeface="David" panose="020E0502060401010101" pitchFamily="34" charset="-79"/>
+                  </a:rPr>
+                  <a:t>כלי תקיפה פשוטים: </a:t>
+                </a:r>
+                <a:r>
+                  <a:rPr lang="he-IL" sz="1600" kern="100" dirty="0">
+                    <a:effectLst/>
+                    <a:ea typeface="Calibri" panose="020F0502020204030204" pitchFamily="34" charset="0"/>
+                    <a:cs typeface="David" panose="020E0502060401010101" pitchFamily="34" charset="-79"/>
+                  </a:rPr>
+                  <a:t>התוקף בסימולציה משתמש בלולאות בסיסיות, בלי התאמות מתקדמות (הפצת עומס, מודיעין על משתמשים, התאמת מילונים</a:t>
+                </a:r>
+                <a:r>
+                  <a:rPr lang="en-US" sz="1600" kern="100" dirty="0">
+                    <a:effectLst/>
+                    <a:latin typeface="David" panose="020E0502060401010101" pitchFamily="34" charset="-79"/>
+                    <a:ea typeface="Calibri" panose="020F0502020204030204" pitchFamily="34" charset="0"/>
+                    <a:cs typeface="David" panose="020E0502060401010101" pitchFamily="34" charset="-79"/>
+                  </a:rPr>
+                  <a:t>, fingerprinting,  </a:t>
+                </a:r>
+                <a:r>
+                  <a:rPr lang="he-IL" sz="1600" kern="100" dirty="0" err="1">
+                    <a:effectLst/>
+                    <a:ea typeface="Calibri" panose="020F0502020204030204" pitchFamily="34" charset="0"/>
+                    <a:cs typeface="David" panose="020E0502060401010101" pitchFamily="34" charset="-79"/>
+                  </a:rPr>
+                  <a:t>וכו</a:t>
+                </a:r>
+                <a:r>
+                  <a:rPr lang="en-US" sz="1600" kern="100" dirty="0">
+                    <a:effectLst/>
+                    <a:latin typeface="David" panose="020E0502060401010101" pitchFamily="34" charset="-79"/>
+                    <a:ea typeface="Calibri" panose="020F0502020204030204" pitchFamily="34" charset="0"/>
+                    <a:cs typeface="David" panose="020E0502060401010101" pitchFamily="34" charset="-79"/>
+                  </a:rPr>
+                  <a:t>’</a:t>
+                </a:r>
+                <a:r>
+                  <a:rPr lang="he-IL" sz="1600" kern="100" dirty="0">
+                    <a:effectLst/>
+                    <a:ea typeface="Calibri" panose="020F0502020204030204" pitchFamily="34" charset="0"/>
+                    <a:cs typeface="David" panose="020E0502060401010101" pitchFamily="34" charset="-79"/>
+                  </a:rPr>
+                  <a:t>).</a:t>
+                </a:r>
+                <a:endParaRPr lang="en-IL" sz="1600" kern="100" dirty="0">
+                  <a:effectLst/>
+                  <a:ea typeface="Calibri" panose="020F0502020204030204" pitchFamily="34" charset="0"/>
+                  <a:cs typeface="David" panose="020E0502060401010101" pitchFamily="34" charset="-79"/>
+                </a:endParaRPr>
+              </a:p>
+              <a:p>
+                <a:pPr marL="342900" lvl="0" indent="-342900" algn="just" rtl="1">
+                  <a:lnSpc>
+                    <a:spcPct val="150000"/>
+                  </a:lnSpc>
+                  <a:spcBef>
+                    <a:spcPts val="0"/>
+                  </a:spcBef>
+                  <a:buFont typeface="Symbol" panose="05050102010706020507" pitchFamily="18" charset="2"/>
+                  <a:buChar char=""/>
+                </a:pPr>
+                <a:r>
+                  <a:rPr lang="he-IL" sz="1600" b="1" kern="100" dirty="0">
+                    <a:effectLst/>
+                    <a:ea typeface="Calibri" panose="020F0502020204030204" pitchFamily="34" charset="0"/>
+                    <a:cs typeface="David" panose="020E0502060401010101" pitchFamily="34" charset="-79"/>
+                  </a:rPr>
+                  <a:t>מודל רשת לא מציאותי</a:t>
+                </a:r>
+                <a:r>
+                  <a:rPr lang="en-US" sz="1600" kern="100" dirty="0">
+                    <a:effectLst/>
+                    <a:latin typeface="David" panose="020E0502060401010101" pitchFamily="34" charset="-79"/>
+                    <a:ea typeface="Calibri" panose="020F0502020204030204" pitchFamily="34" charset="0"/>
+                    <a:cs typeface="David" panose="020E0502060401010101" pitchFamily="34" charset="-79"/>
+                  </a:rPr>
+                  <a:t>: </a:t>
+                </a:r>
+                <a:r>
+                  <a:rPr lang="he-IL" sz="1600" kern="100" dirty="0">
+                    <a:effectLst/>
+                    <a:ea typeface="Calibri" panose="020F0502020204030204" pitchFamily="34" charset="0"/>
+                    <a:cs typeface="David" panose="020E0502060401010101" pitchFamily="34" charset="-79"/>
+                  </a:rPr>
+                  <a:t>השרת הוא סימולציה פנימית ולא</a:t>
+                </a:r>
+                <a:r>
+                  <a:rPr lang="en-US" sz="1600" kern="100" dirty="0">
+                    <a:effectLst/>
+                    <a:latin typeface="David" panose="020E0502060401010101" pitchFamily="34" charset="-79"/>
+                    <a:ea typeface="Calibri" panose="020F0502020204030204" pitchFamily="34" charset="0"/>
+                    <a:cs typeface="David" panose="020E0502060401010101" pitchFamily="34" charset="-79"/>
+                  </a:rPr>
+                  <a:t> HTTP </a:t>
+                </a:r>
+                <a:r>
+                  <a:rPr lang="he-IL" sz="1600" kern="100" dirty="0">
+                    <a:effectLst/>
+                    <a:ea typeface="Calibri" panose="020F0502020204030204" pitchFamily="34" charset="0"/>
+                    <a:cs typeface="David" panose="020E0502060401010101" pitchFamily="34" charset="-79"/>
+                  </a:rPr>
+                  <a:t>אמיתי, אין</a:t>
+                </a:r>
+                <a:r>
+                  <a:rPr lang="en-US" sz="1600" kern="100" dirty="0">
+                    <a:effectLst/>
+                    <a:latin typeface="David" panose="020E0502060401010101" pitchFamily="34" charset="-79"/>
+                    <a:ea typeface="Calibri" panose="020F0502020204030204" pitchFamily="34" charset="0"/>
+                    <a:cs typeface="David" panose="020E0502060401010101" pitchFamily="34" charset="-79"/>
+                  </a:rPr>
+                  <a:t> latency  </a:t>
+                </a:r>
+                <a:r>
+                  <a:rPr lang="he-IL" sz="1600" kern="100" dirty="0">
+                    <a:effectLst/>
+                    <a:ea typeface="Calibri" panose="020F0502020204030204" pitchFamily="34" charset="0"/>
+                    <a:cs typeface="David" panose="020E0502060401010101" pitchFamily="34" charset="-79"/>
+                  </a:rPr>
+                  <a:t>רשת, אין שגיאות תקשורת, ואין עומסים/תורים</a:t>
+                </a:r>
+                <a:r>
+                  <a:rPr lang="en-US" sz="1600" kern="100" dirty="0">
+                    <a:effectLst/>
+                    <a:latin typeface="David" panose="020E0502060401010101" pitchFamily="34" charset="-79"/>
+                    <a:ea typeface="Calibri" panose="020F0502020204030204" pitchFamily="34" charset="0"/>
+                    <a:cs typeface="David" panose="020E0502060401010101" pitchFamily="34" charset="-79"/>
+                  </a:rPr>
+                  <a:t>.</a:t>
+                </a:r>
+                <a:endParaRPr lang="en-IL" sz="1600" kern="100" dirty="0">
+                  <a:effectLst/>
+                  <a:ea typeface="Calibri" panose="020F0502020204030204" pitchFamily="34" charset="0"/>
+                  <a:cs typeface="David" panose="020E0502060401010101" pitchFamily="34" charset="-79"/>
+                </a:endParaRPr>
+              </a:p>
+              <a:p>
+                <a:pPr marL="342900" lvl="0" indent="-342900" algn="just" rtl="1">
+                  <a:lnSpc>
+                    <a:spcPct val="150000"/>
+                  </a:lnSpc>
+                  <a:spcBef>
+                    <a:spcPts val="0"/>
+                  </a:spcBef>
+                  <a:buFont typeface="Symbol" panose="05050102010706020507" pitchFamily="18" charset="2"/>
+                  <a:buChar char=""/>
+                </a:pPr>
+                <a:r>
+                  <a:rPr lang="he-IL" sz="1600" b="1" kern="100" dirty="0">
+                    <a:effectLst/>
+                    <a:ea typeface="Calibri" panose="020F0502020204030204" pitchFamily="34" charset="0"/>
+                    <a:cs typeface="David" panose="020E0502060401010101" pitchFamily="34" charset="-79"/>
+                  </a:rPr>
+                  <a:t>הנחות פשטניות לגבי </a:t>
+                </a:r>
+                <a:r>
+                  <a:rPr lang="en-US" sz="1600" b="1" kern="100" dirty="0">
+                    <a:effectLst/>
+                    <a:latin typeface="David" panose="020E0502060401010101" pitchFamily="34" charset="-79"/>
+                    <a:ea typeface="Calibri" panose="020F0502020204030204" pitchFamily="34" charset="0"/>
+                    <a:cs typeface="David" panose="020E0502060401010101" pitchFamily="34" charset="-79"/>
+                  </a:rPr>
+                  <a:t>CAPTCHA</a:t>
+                </a:r>
+                <a:r>
+                  <a:rPr lang="he-IL" sz="1600" b="1" kern="100" dirty="0">
+                    <a:effectLst/>
+                    <a:ea typeface="Calibri" panose="020F0502020204030204" pitchFamily="34" charset="0"/>
+                    <a:cs typeface="David" panose="020E0502060401010101" pitchFamily="34" charset="-79"/>
+                  </a:rPr>
+                  <a:t>: </a:t>
+                </a:r>
+                <a:r>
+                  <a:rPr lang="en-US" sz="1600" kern="100" dirty="0">
+                    <a:effectLst/>
+                    <a:latin typeface="David" panose="020E0502060401010101" pitchFamily="34" charset="-79"/>
+                    <a:ea typeface="Calibri" panose="020F0502020204030204" pitchFamily="34" charset="0"/>
+                    <a:cs typeface="David" panose="020E0502060401010101" pitchFamily="34" charset="-79"/>
+                  </a:rPr>
+                  <a:t>CAPTCHA</a:t>
+                </a:r>
+                <a:r>
+                  <a:rPr lang="he-IL" sz="1600" kern="100" dirty="0">
+                    <a:effectLst/>
+                    <a:ea typeface="Calibri" panose="020F0502020204030204" pitchFamily="34" charset="0"/>
+                    <a:cs typeface="David" panose="020E0502060401010101" pitchFamily="34" charset="-79"/>
+                  </a:rPr>
+                  <a:t> הוא סימולציה, ולא פתרון אמיתי של תמונות. נמדד תחת הנחה שהשעונים מסונכרנים מספיק</a:t>
+                </a:r>
+                <a:r>
+                  <a:rPr lang="en-US" sz="1600" kern="100" dirty="0">
+                    <a:effectLst/>
+                    <a:latin typeface="David" panose="020E0502060401010101" pitchFamily="34" charset="-79"/>
+                    <a:ea typeface="Calibri" panose="020F0502020204030204" pitchFamily="34" charset="0"/>
+                    <a:cs typeface="David" panose="020E0502060401010101" pitchFamily="34" charset="-79"/>
+                  </a:rPr>
+                  <a:t>.</a:t>
+                </a:r>
+                <a:endParaRPr lang="en-IL" sz="1600" kern="100" dirty="0">
+                  <a:effectLst/>
+                  <a:ea typeface="Calibri" panose="020F0502020204030204" pitchFamily="34" charset="0"/>
+                  <a:cs typeface="David" panose="020E0502060401010101" pitchFamily="34" charset="-79"/>
+                </a:endParaRPr>
+              </a:p>
+              <a:p>
+                <a:pPr marL="342900" lvl="0" indent="-342900" algn="just" rtl="1">
+                  <a:lnSpc>
+                    <a:spcPct val="150000"/>
+                  </a:lnSpc>
+                  <a:spcBef>
+                    <a:spcPts val="0"/>
+                  </a:spcBef>
+                  <a:buFont typeface="Symbol" panose="05050102010706020507" pitchFamily="18" charset="2"/>
+                  <a:buChar char=""/>
+                </a:pPr>
+                <a:r>
+                  <a:rPr lang="he-IL" sz="1600" b="1" kern="100" dirty="0">
+                    <a:effectLst/>
+                    <a:ea typeface="Calibri" panose="020F0502020204030204" pitchFamily="34" charset="0"/>
+                    <a:cs typeface="David" panose="020E0502060401010101" pitchFamily="34" charset="-79"/>
+                  </a:rPr>
+                  <a:t>זמן ניסוי קצר / מספר חזרות</a:t>
+                </a:r>
+                <a:r>
+                  <a:rPr lang="en-US" sz="1600" kern="100" dirty="0">
+                    <a:effectLst/>
+                    <a:latin typeface="David" panose="020E0502060401010101" pitchFamily="34" charset="-79"/>
+                    <a:ea typeface="Calibri" panose="020F0502020204030204" pitchFamily="34" charset="0"/>
+                    <a:cs typeface="David" panose="020E0502060401010101" pitchFamily="34" charset="-79"/>
+                  </a:rPr>
+                  <a:t>: </a:t>
+                </a:r>
+                <a:r>
+                  <a:rPr lang="he-IL" sz="1600" kern="100" dirty="0">
+                    <a:effectLst/>
+                    <a:ea typeface="Calibri" panose="020F0502020204030204" pitchFamily="34" charset="0"/>
+                    <a:cs typeface="David" panose="020E0502060401010101" pitchFamily="34" charset="-79"/>
+                  </a:rPr>
+                  <a:t>אם לא מריצים הרבה רפלקציות, קשה לאפיין יציבות סטטיסטית</a:t>
+                </a:r>
+                <a:r>
+                  <a:rPr lang="en-US" sz="1600" kern="100" dirty="0">
+                    <a:effectLst/>
+                    <a:latin typeface="David" panose="020E0502060401010101" pitchFamily="34" charset="-79"/>
+                    <a:ea typeface="Calibri" panose="020F0502020204030204" pitchFamily="34" charset="0"/>
+                    <a:cs typeface="David" panose="020E0502060401010101" pitchFamily="34" charset="-79"/>
+                  </a:rPr>
+                  <a:t>.</a:t>
+                </a:r>
+                <a:endParaRPr lang="en-IL" sz="1600" kern="100" dirty="0">
+                  <a:effectLst/>
+                  <a:ea typeface="Calibri" panose="020F0502020204030204" pitchFamily="34" charset="0"/>
+                  <a:cs typeface="David" panose="020E0502060401010101" pitchFamily="34" charset="-79"/>
+                </a:endParaRPr>
+              </a:p>
+              <a:p>
+                <a:pPr marL="342900" lvl="0" indent="-342900" algn="just" rtl="1">
+                  <a:lnSpc>
+                    <a:spcPct val="150000"/>
+                  </a:lnSpc>
+                  <a:spcBef>
+                    <a:spcPts val="0"/>
+                  </a:spcBef>
+                  <a:spcAft>
+                    <a:spcPts val="800"/>
+                  </a:spcAft>
+                  <a:buFont typeface="Symbol" panose="05050102010706020507" pitchFamily="18" charset="2"/>
+                  <a:buChar char=""/>
+                </a:pPr>
+                <a:r>
+                  <a:rPr lang="he-IL" sz="1600" b="1" kern="100" dirty="0">
+                    <a:effectLst/>
+                    <a:ea typeface="Calibri" panose="020F0502020204030204" pitchFamily="34" charset="0"/>
+                    <a:cs typeface="David" panose="020E0502060401010101" pitchFamily="34" charset="-79"/>
+                  </a:rPr>
+                  <a:t>ההגנה של </a:t>
+                </a:r>
+                <a14:m>
+                  <m:oMath xmlns:m="http://schemas.openxmlformats.org/officeDocument/2006/math">
+                    <m:r>
+                      <a:rPr lang="en-US" sz="1600" b="1" i="1" kern="100">
+                        <a:effectLst/>
+                        <a:latin typeface="Cambria Math" panose="02040503050406030204" pitchFamily="18" charset="0"/>
+                        <a:ea typeface="Calibri" panose="020F0502020204030204" pitchFamily="34" charset="0"/>
+                        <a:cs typeface="David" panose="020E0502060401010101" pitchFamily="34" charset="-79"/>
+                      </a:rPr>
+                      <m:t>𝐑𝐚𝐭𝐞</m:t>
+                    </m:r>
+                    <m:r>
+                      <a:rPr lang="en-US" sz="1600" b="1" kern="100">
+                        <a:effectLst/>
+                        <a:latin typeface="Cambria Math" panose="02040503050406030204" pitchFamily="18" charset="0"/>
+                        <a:ea typeface="Calibri" panose="020F0502020204030204" pitchFamily="34" charset="0"/>
+                        <a:cs typeface="David" panose="020E0502060401010101" pitchFamily="34" charset="-79"/>
+                      </a:rPr>
+                      <m:t> </m:t>
+                    </m:r>
+                    <m:r>
+                      <a:rPr lang="en-US" sz="1600" b="1" i="1" kern="100">
+                        <a:effectLst/>
+                        <a:latin typeface="Cambria Math" panose="02040503050406030204" pitchFamily="18" charset="0"/>
+                        <a:ea typeface="Calibri" panose="020F0502020204030204" pitchFamily="34" charset="0"/>
+                        <a:cs typeface="David" panose="020E0502060401010101" pitchFamily="34" charset="-79"/>
+                      </a:rPr>
+                      <m:t>𝐋𝐢𝐦𝐢𝐭</m:t>
+                    </m:r>
+                  </m:oMath>
+                </a14:m>
+                <a:r>
+                  <a:rPr lang="en-US" sz="1600" b="1" kern="100" dirty="0">
+                    <a:effectLst/>
+                    <a:latin typeface="David" panose="020E0502060401010101" pitchFamily="34" charset="-79"/>
+                    <a:ea typeface="Times New Roman" panose="02020603050405020304" pitchFamily="18" charset="0"/>
+                    <a:cs typeface="David" panose="020E0502060401010101" pitchFamily="34" charset="-79"/>
+                  </a:rPr>
+                  <a:t> </a:t>
+                </a:r>
+                <a:r>
+                  <a:rPr lang="he-IL" sz="1600" b="1" kern="100" dirty="0">
+                    <a:effectLst/>
+                    <a:ea typeface="Times New Roman" panose="02020603050405020304" pitchFamily="18" charset="0"/>
+                    <a:cs typeface="David" panose="020E0502060401010101" pitchFamily="34" charset="-79"/>
+                  </a:rPr>
+                  <a:t>מבוססת על שם ממשתמש ולא על כתובת </a:t>
+                </a:r>
+                <a:r>
+                  <a:rPr lang="en-US" sz="1600" b="1" kern="100" dirty="0">
+                    <a:effectLst/>
+                    <a:latin typeface="David" panose="020E0502060401010101" pitchFamily="34" charset="-79"/>
+                    <a:ea typeface="Times New Roman" panose="02020603050405020304" pitchFamily="18" charset="0"/>
+                    <a:cs typeface="David" panose="020E0502060401010101" pitchFamily="34" charset="-79"/>
+                  </a:rPr>
+                  <a:t>IP</a:t>
+                </a:r>
+                <a:r>
+                  <a:rPr lang="he-IL" sz="1600" b="1" kern="100" dirty="0">
+                    <a:effectLst/>
+                    <a:ea typeface="Times New Roman" panose="02020603050405020304" pitchFamily="18" charset="0"/>
+                    <a:cs typeface="David" panose="020E0502060401010101" pitchFamily="34" charset="-79"/>
+                  </a:rPr>
+                  <a:t>: </a:t>
+                </a:r>
+                <a:r>
+                  <a:rPr lang="he-IL" sz="1600" kern="100" dirty="0">
+                    <a:effectLst/>
+                    <a:ea typeface="Times New Roman" panose="02020603050405020304" pitchFamily="18" charset="0"/>
+                    <a:cs typeface="David" panose="020E0502060401010101" pitchFamily="34" charset="-79"/>
+                  </a:rPr>
+                  <a:t>אנחנו לא בודקים את כתובות </a:t>
+                </a:r>
+                <a14:m>
+                  <m:oMath xmlns:m="http://schemas.openxmlformats.org/officeDocument/2006/math">
+                    <m:r>
+                      <m:rPr>
+                        <m:sty m:val="p"/>
+                      </m:rPr>
+                      <a:rPr lang="en-US" sz="1600" kern="100">
+                        <a:effectLst/>
+                        <a:latin typeface="Cambria Math" panose="02040503050406030204" pitchFamily="18" charset="0"/>
+                        <a:ea typeface="Times New Roman" panose="02020603050405020304" pitchFamily="18" charset="0"/>
+                        <a:cs typeface="David" panose="020E0502060401010101" pitchFamily="34" charset="-79"/>
+                      </a:rPr>
+                      <m:t>IP</m:t>
+                    </m:r>
+                  </m:oMath>
+                </a14:m>
+                <a:r>
+                  <a:rPr lang="he-IL" sz="1600" kern="100" dirty="0">
+                    <a:effectLst/>
+                    <a:ea typeface="Times New Roman" panose="02020603050405020304" pitchFamily="18" charset="0"/>
+                    <a:cs typeface="David" panose="020E0502060401010101" pitchFamily="34" charset="-79"/>
+                  </a:rPr>
+                  <a:t> אלא רק שם משתמש, ולכן זה פחות יעיל בפני תקיפות </a:t>
+                </a:r>
+                <a14:m>
+                  <m:oMath xmlns:m="http://schemas.openxmlformats.org/officeDocument/2006/math">
+                    <m:r>
+                      <m:rPr>
+                        <m:sty m:val="p"/>
+                      </m:rPr>
+                      <a:rPr lang="en-US" sz="1600" kern="100">
+                        <a:effectLst/>
+                        <a:latin typeface="Cambria Math" panose="02040503050406030204" pitchFamily="18" charset="0"/>
+                        <a:ea typeface="Times New Roman" panose="02020603050405020304" pitchFamily="18" charset="0"/>
+                        <a:cs typeface="David" panose="020E0502060401010101" pitchFamily="34" charset="-79"/>
+                      </a:rPr>
+                      <m:t>PS</m:t>
+                    </m:r>
+                  </m:oMath>
+                </a14:m>
+                <a:r>
+                  <a:rPr lang="he-IL" sz="1600" kern="100" dirty="0">
+                    <a:effectLst/>
+                    <a:ea typeface="Times New Roman" panose="02020603050405020304" pitchFamily="18" charset="0"/>
+                    <a:cs typeface="David" panose="020E0502060401010101" pitchFamily="34" charset="-79"/>
+                  </a:rPr>
+                  <a:t>.</a:t>
+                </a:r>
+                <a:endParaRPr lang="en-IL" sz="1600" kern="100" dirty="0">
+                  <a:effectLst/>
+                  <a:ea typeface="Calibri" panose="020F0502020204030204" pitchFamily="34" charset="0"/>
+                  <a:cs typeface="David" panose="020E0502060401010101" pitchFamily="34" charset="-79"/>
+                </a:endParaRPr>
+              </a:p>
+              <a:p>
+                <a:pPr algn="just" rtl="1">
+                  <a:lnSpc>
+                    <a:spcPct val="150000"/>
+                  </a:lnSpc>
+                  <a:spcBef>
+                    <a:spcPts val="0"/>
+                  </a:spcBef>
+                  <a:spcAft>
+                    <a:spcPts val="800"/>
+                  </a:spcAft>
+                  <a:buNone/>
+                </a:pPr>
+                <a:r>
+                  <a:rPr lang="he-IL" sz="1600" b="1" kern="100" dirty="0">
+                    <a:effectLst/>
+                    <a:ea typeface="Calibri" panose="020F0502020204030204" pitchFamily="34" charset="0"/>
+                    <a:cs typeface="David" panose="020E0502060401010101" pitchFamily="34" charset="-79"/>
+                  </a:rPr>
+                  <a:t>גורמים אשר היו יכולים לפגוע בדיוק של התוצאות:</a:t>
+                </a:r>
+                <a:endParaRPr lang="en-IL" sz="1600" kern="100" dirty="0">
+                  <a:effectLst/>
+                  <a:ea typeface="Calibri" panose="020F0502020204030204" pitchFamily="34" charset="0"/>
+                  <a:cs typeface="David" panose="020E0502060401010101" pitchFamily="34" charset="-79"/>
+                </a:endParaRPr>
+              </a:p>
+              <a:p>
+                <a:pPr marL="342900" lvl="0" indent="-342900" algn="just" rtl="1">
+                  <a:lnSpc>
+                    <a:spcPct val="150000"/>
+                  </a:lnSpc>
+                  <a:spcBef>
+                    <a:spcPts val="0"/>
+                  </a:spcBef>
+                  <a:buFont typeface="Symbol" panose="05050102010706020507" pitchFamily="18" charset="2"/>
+                  <a:buChar char=""/>
+                </a:pPr>
+                <a:r>
+                  <a:rPr lang="he-IL" sz="1600" b="1" kern="100" dirty="0">
+                    <a:effectLst/>
+                    <a:ea typeface="Calibri" panose="020F0502020204030204" pitchFamily="34" charset="0"/>
+                    <a:cs typeface="David" panose="020E0502060401010101" pitchFamily="34" charset="-79"/>
+                  </a:rPr>
+                  <a:t>אי-סנכרון זמן עבור </a:t>
+                </a:r>
+                <a:r>
+                  <a:rPr lang="en-US" sz="1600" b="1" kern="100" dirty="0">
+                    <a:effectLst/>
+                    <a:latin typeface="David" panose="020E0502060401010101" pitchFamily="34" charset="-79"/>
+                    <a:ea typeface="Calibri" panose="020F0502020204030204" pitchFamily="34" charset="0"/>
+                    <a:cs typeface="David" panose="020E0502060401010101" pitchFamily="34" charset="-79"/>
+                  </a:rPr>
+                  <a:t>TOTP</a:t>
+                </a:r>
+                <a:r>
+                  <a:rPr lang="he-IL" sz="1600" b="1" kern="100" dirty="0">
+                    <a:effectLst/>
+                    <a:ea typeface="Calibri" panose="020F0502020204030204" pitchFamily="34" charset="0"/>
+                    <a:cs typeface="David" panose="020E0502060401010101" pitchFamily="34" charset="-79"/>
+                  </a:rPr>
+                  <a:t>:</a:t>
+                </a:r>
+                <a:r>
+                  <a:rPr lang="he-IL" sz="1600" kern="100" dirty="0">
+                    <a:effectLst/>
+                    <a:ea typeface="Calibri" panose="020F0502020204030204" pitchFamily="34" charset="0"/>
+                    <a:cs typeface="David" panose="020E0502060401010101" pitchFamily="34" charset="-79"/>
+                  </a:rPr>
+                  <a:t> סטייה של שעון המחשב/זמן מערכת יכולה לגרום לכישלונות אימות גם כשיש קוד “נכון” (במיוחד ללא </a:t>
+                </a:r>
+                <a:r>
+                  <a:rPr lang="en-US" sz="1600" kern="100" dirty="0" err="1">
+                    <a:effectLst/>
+                    <a:latin typeface="David" panose="020E0502060401010101" pitchFamily="34" charset="-79"/>
+                    <a:ea typeface="Calibri" panose="020F0502020204030204" pitchFamily="34" charset="0"/>
+                    <a:cs typeface="David" panose="020E0502060401010101" pitchFamily="34" charset="-79"/>
+                  </a:rPr>
+                  <a:t>valid_window</a:t>
+                </a:r>
+                <a:r>
+                  <a:rPr lang="he-IL" sz="1600" kern="100" dirty="0">
+                    <a:effectLst/>
+                    <a:ea typeface="Calibri" panose="020F0502020204030204" pitchFamily="34" charset="0"/>
+                    <a:cs typeface="David" panose="020E0502060401010101" pitchFamily="34" charset="-79"/>
+                  </a:rPr>
+                  <a:t>).</a:t>
+                </a:r>
+                <a:endParaRPr lang="en-IL" sz="1600" kern="100" dirty="0">
+                  <a:effectLst/>
+                  <a:ea typeface="Calibri" panose="020F0502020204030204" pitchFamily="34" charset="0"/>
+                  <a:cs typeface="David" panose="020E0502060401010101" pitchFamily="34" charset="-79"/>
+                </a:endParaRPr>
+              </a:p>
+              <a:p>
+                <a:pPr marL="342900" lvl="0" indent="-342900" algn="just" rtl="1">
+                  <a:lnSpc>
+                    <a:spcPct val="150000"/>
+                  </a:lnSpc>
+                  <a:spcBef>
+                    <a:spcPts val="0"/>
+                  </a:spcBef>
+                  <a:buFont typeface="Symbol" panose="05050102010706020507" pitchFamily="18" charset="2"/>
+                  <a:buChar char=""/>
+                </a:pPr>
+                <a:r>
+                  <a:rPr lang="he-IL" sz="1600" b="1" kern="100" dirty="0">
+                    <a:effectLst/>
+                    <a:ea typeface="Calibri" panose="020F0502020204030204" pitchFamily="34" charset="0"/>
+                    <a:cs typeface="David" panose="020E0502060401010101" pitchFamily="34" charset="-79"/>
+                  </a:rPr>
+                  <a:t>חוסר יציבות ביצועים</a:t>
+                </a:r>
+                <a:r>
+                  <a:rPr lang="en-US" sz="1600" kern="100" dirty="0">
+                    <a:effectLst/>
+                    <a:latin typeface="David" panose="020E0502060401010101" pitchFamily="34" charset="-79"/>
+                    <a:ea typeface="Calibri" panose="020F0502020204030204" pitchFamily="34" charset="0"/>
+                    <a:cs typeface="David" panose="020E0502060401010101" pitchFamily="34" charset="-79"/>
+                  </a:rPr>
+                  <a:t>: </a:t>
+                </a:r>
+                <a:r>
+                  <a:rPr lang="he-IL" sz="1600" kern="100" dirty="0">
+                    <a:effectLst/>
+                    <a:ea typeface="Calibri" panose="020F0502020204030204" pitchFamily="34" charset="0"/>
+                    <a:cs typeface="David" panose="020E0502060401010101" pitchFamily="34" charset="-79"/>
+                  </a:rPr>
+                  <a:t>עומס ברקע</a:t>
+                </a:r>
+                <a:r>
+                  <a:rPr lang="en-US" sz="1600" kern="100" dirty="0">
+                    <a:effectLst/>
+                    <a:latin typeface="David" panose="020E0502060401010101" pitchFamily="34" charset="-79"/>
+                    <a:ea typeface="Calibri" panose="020F0502020204030204" pitchFamily="34" charset="0"/>
+                    <a:cs typeface="David" panose="020E0502060401010101" pitchFamily="34" charset="-79"/>
+                  </a:rPr>
+                  <a:t>, throttling</a:t>
+                </a:r>
+                <a:r>
+                  <a:rPr lang="he-IL" sz="1600" kern="100" dirty="0">
+                    <a:effectLst/>
+                    <a:ea typeface="Calibri" panose="020F0502020204030204" pitchFamily="34" charset="0"/>
+                    <a:cs typeface="David" panose="020E0502060401010101" pitchFamily="34" charset="-79"/>
+                  </a:rPr>
+                  <a:t> של מערכת ההפעלה, השפעת </a:t>
+                </a:r>
+                <a:r>
+                  <a:rPr lang="en-US" sz="1600" kern="100" dirty="0">
+                    <a:effectLst/>
+                    <a:latin typeface="David" panose="020E0502060401010101" pitchFamily="34" charset="-79"/>
+                    <a:ea typeface="Calibri" panose="020F0502020204030204" pitchFamily="34" charset="0"/>
+                    <a:cs typeface="David" panose="020E0502060401010101" pitchFamily="34" charset="-79"/>
+                  </a:rPr>
+                  <a:t>garbage collection/IO</a:t>
+                </a:r>
+                <a:r>
+                  <a:rPr lang="he-IL" sz="1600" kern="100" dirty="0">
+                    <a:effectLst/>
+                    <a:ea typeface="Calibri" panose="020F0502020204030204" pitchFamily="34" charset="0"/>
+                    <a:cs typeface="David" panose="020E0502060401010101" pitchFamily="34" charset="-79"/>
+                  </a:rPr>
+                  <a:t> על תזמונים.</a:t>
+                </a:r>
+                <a:endParaRPr lang="en-IL" sz="1600" kern="100" dirty="0">
+                  <a:effectLst/>
+                  <a:ea typeface="Calibri" panose="020F0502020204030204" pitchFamily="34" charset="0"/>
+                  <a:cs typeface="David" panose="020E0502060401010101" pitchFamily="34" charset="-79"/>
+                </a:endParaRPr>
+              </a:p>
+              <a:p>
+                <a:pPr marL="342900" lvl="0" indent="-342900" algn="just" rtl="1">
+                  <a:lnSpc>
+                    <a:spcPct val="150000"/>
+                  </a:lnSpc>
+                  <a:spcBef>
+                    <a:spcPts val="0"/>
+                  </a:spcBef>
+                  <a:spcAft>
+                    <a:spcPts val="800"/>
+                  </a:spcAft>
+                  <a:buFont typeface="Symbol" panose="05050102010706020507" pitchFamily="18" charset="2"/>
+                  <a:buChar char=""/>
+                </a:pPr>
+                <a:r>
+                  <a:rPr lang="he-IL" sz="1600" b="1" kern="100" dirty="0">
+                    <a:effectLst/>
+                    <a:ea typeface="Calibri" panose="020F0502020204030204" pitchFamily="34" charset="0"/>
+                    <a:cs typeface="David" panose="020E0502060401010101" pitchFamily="34" charset="-79"/>
+                  </a:rPr>
+                  <a:t>גרסאות ספריות שונות</a:t>
+                </a:r>
+                <a:r>
+                  <a:rPr lang="en-US" sz="1600" kern="100" dirty="0">
+                    <a:effectLst/>
+                    <a:latin typeface="David" panose="020E0502060401010101" pitchFamily="34" charset="-79"/>
+                    <a:ea typeface="Calibri" panose="020F0502020204030204" pitchFamily="34" charset="0"/>
+                    <a:cs typeface="David" panose="020E0502060401010101" pitchFamily="34" charset="-79"/>
+                  </a:rPr>
+                  <a:t>: </a:t>
+                </a:r>
+                <a:r>
+                  <a:rPr lang="he-IL" sz="1600" kern="100" dirty="0">
+                    <a:effectLst/>
+                    <a:ea typeface="Calibri" panose="020F0502020204030204" pitchFamily="34" charset="0"/>
+                    <a:cs typeface="David" panose="020E0502060401010101" pitchFamily="34" charset="-79"/>
+                  </a:rPr>
+                  <a:t>שינוי גרסאות </a:t>
+                </a:r>
+                <a:r>
+                  <a:rPr lang="en-US" sz="1600" kern="100" dirty="0" err="1">
+                    <a:effectLst/>
+                    <a:latin typeface="David" panose="020E0502060401010101" pitchFamily="34" charset="-79"/>
+                    <a:ea typeface="Calibri" panose="020F0502020204030204" pitchFamily="34" charset="0"/>
+                    <a:cs typeface="David" panose="020E0502060401010101" pitchFamily="34" charset="-79"/>
+                  </a:rPr>
+                  <a:t>pyotp</a:t>
+                </a:r>
+                <a:r>
+                  <a:rPr lang="en-US" sz="1600" kern="100" dirty="0">
+                    <a:effectLst/>
+                    <a:latin typeface="David" panose="020E0502060401010101" pitchFamily="34" charset="-79"/>
+                    <a:ea typeface="Calibri" panose="020F0502020204030204" pitchFamily="34" charset="0"/>
+                    <a:cs typeface="David" panose="020E0502060401010101" pitchFamily="34" charset="-79"/>
+                  </a:rPr>
+                  <a:t>, </a:t>
+                </a:r>
+                <a:r>
+                  <a:rPr lang="en-US" sz="1600" kern="100" dirty="0" err="1">
+                    <a:effectLst/>
+                    <a:latin typeface="David" panose="020E0502060401010101" pitchFamily="34" charset="-79"/>
+                    <a:ea typeface="Calibri" panose="020F0502020204030204" pitchFamily="34" charset="0"/>
+                    <a:cs typeface="David" panose="020E0502060401010101" pitchFamily="34" charset="-79"/>
+                  </a:rPr>
+                  <a:t>Bcrypt</a:t>
+                </a:r>
+                <a:r>
+                  <a:rPr lang="en-US" sz="1600" kern="100" dirty="0">
+                    <a:effectLst/>
+                    <a:latin typeface="David" panose="020E0502060401010101" pitchFamily="34" charset="-79"/>
+                    <a:ea typeface="Calibri" panose="020F0502020204030204" pitchFamily="34" charset="0"/>
+                    <a:cs typeface="David" panose="020E0502060401010101" pitchFamily="34" charset="-79"/>
+                  </a:rPr>
+                  <a:t>, argon2-cffi</a:t>
+                </a:r>
+                <a:r>
+                  <a:rPr lang="he-IL" sz="1600" kern="100" dirty="0">
+                    <a:effectLst/>
+                    <a:ea typeface="Calibri" panose="020F0502020204030204" pitchFamily="34" charset="0"/>
+                    <a:cs typeface="David" panose="020E0502060401010101" pitchFamily="34" charset="-79"/>
+                  </a:rPr>
+                  <a:t> יכול לשנות ביצועים</a:t>
+                </a:r>
+                <a:r>
+                  <a:rPr lang="he-IL" sz="1600" kern="100" dirty="0">
+                    <a:ea typeface="Calibri" panose="020F0502020204030204" pitchFamily="34" charset="0"/>
+                    <a:cs typeface="David" panose="020E0502060401010101" pitchFamily="34" charset="-79"/>
+                  </a:rPr>
+                  <a:t>.</a:t>
+                </a:r>
+                <a:endParaRPr lang="en-IL" sz="1600" kern="100" dirty="0">
+                  <a:effectLst/>
+                  <a:ea typeface="Calibri" panose="020F0502020204030204" pitchFamily="34" charset="0"/>
+                  <a:cs typeface="David" panose="020E0502060401010101" pitchFamily="34" charset="-79"/>
+                </a:endParaRPr>
+              </a:p>
+            </p:txBody>
+          </p:sp>
+        </mc:Choice>
+        <mc:Fallback xmlns="">
+          <p:sp>
+            <p:nvSpPr>
+              <p:cNvPr id="3" name="מציין מיקום תוכן 2">
+                <a:extLst>
+                  <a:ext uri="{FF2B5EF4-FFF2-40B4-BE49-F238E27FC236}">
+                    <a16:creationId xmlns:a16="http://schemas.microsoft.com/office/drawing/2014/main" id="{AA4E9F21-478E-06B2-69D3-767CB9395959}"/>
+                  </a:ext>
+                </a:extLst>
+              </p:cNvPr>
+              <p:cNvSpPr>
+                <a:spLocks noGrp="1" noRot="1" noChangeAspect="1" noMove="1" noResize="1" noEditPoints="1" noAdjustHandles="1" noChangeArrowheads="1" noChangeShapeType="1" noTextEdit="1"/>
+              </p:cNvSpPr>
+              <p:nvPr>
+                <p:ph idx="1"/>
+              </p:nvPr>
+            </p:nvSpPr>
+            <p:spPr>
+              <a:xfrm>
+                <a:off x="408214" y="1130157"/>
+                <a:ext cx="10945586" cy="5727843"/>
+              </a:xfrm>
+              <a:blipFill>
+                <a:blip r:embed="rId2"/>
+                <a:stretch>
+                  <a:fillRect l="-668" r="-223"/>
+                </a:stretch>
+              </a:blipFill>
+            </p:spPr>
+            <p:txBody>
+              <a:bodyPr/>
+              <a:lstStyle/>
+              <a:p>
+                <a:r>
+                  <a:rPr lang="en-IL">
+                    <a:noFill/>
+                  </a:rPr>
+                  <a:t> </a:t>
+                </a:r>
+              </a:p>
+            </p:txBody>
+          </p:sp>
+        </mc:Fallback>
+      </mc:AlternateContent>
+    </p:spTree>
+    <p:extLst>
+      <p:ext uri="{BB962C8B-B14F-4D97-AF65-F5344CB8AC3E}">
+        <p14:creationId xmlns:p14="http://schemas.microsoft.com/office/powerpoint/2010/main" val="1001583798"/>
+      </p:ext>
+    </p:extLst>
+  </p:cSld>
+  <p:clrMapOvr>
+    <a:masterClrMapping/>
+  </p:clrMapOvr>
+</p:sld>
+</file>
+
+<file path=ppt/slides/slide7.xml><?xml version="1.0" encoding="utf-8"?>
+<p:sld xmlns:a="http://schemas.openxmlformats.org/drawingml/2006/main" xmlns:r="http://schemas.openxmlformats.org/officeDocument/2006/relationships" xmlns:p="http://schemas.openxmlformats.org/presentationml/2006/main">
+  <p:cSld>
+    <p:spTree>
+      <p:nvGrpSpPr>
+        <p:cNvPr id="1" name=""/>
+        <p:cNvGrpSpPr/>
+        <p:nvPr/>
+      </p:nvGrpSpPr>
+      <p:grpSpPr>
+        <a:xfrm>
+          <a:off x="0" y="0"/>
+          <a:ext cx="0" cy="0"/>
+          <a:chOff x="0" y="0"/>
+          <a:chExt cx="0" cy="0"/>
+        </a:xfrm>
+      </p:grpSpPr>
+      <p:sp>
+        <p:nvSpPr>
           <p:cNvPr id="2" name="Title 1">
             <a:extLst>
               <a:ext uri="{FF2B5EF4-FFF2-40B4-BE49-F238E27FC236}">
@@ -3658,7 +7613,9 @@
           <a:p>
             <a:pPr algn="ctr"/>
             <a:r>
-              <a:rPr lang="he-IL" dirty="0"/>
+              <a:rPr lang="he-IL" dirty="0">
+                <a:cs typeface="David" panose="020E0502060401010101" pitchFamily="34" charset="-79"/>
+              </a:rPr>
               <a:t>סביבת העבודה</a:t>
             </a:r>
             <a:endParaRPr lang="en-US" dirty="0"/>
@@ -3710,7 +7667,7 @@
 </p:sld>
 </file>
 
-<file path=ppt/slides/slide4.xml><?xml version="1.0" encoding="utf-8"?>
+<file path=ppt/slides/slide8.xml><?xml version="1.0" encoding="utf-8"?>
 <p:sld xmlns:a="http://schemas.openxmlformats.org/drawingml/2006/main" xmlns:r="http://schemas.openxmlformats.org/officeDocument/2006/relationships" xmlns:p="http://schemas.openxmlformats.org/presentationml/2006/main">
   <p:cSld>
     <p:spTree>
@@ -3750,7 +7707,9 @@
           <a:p>
             <a:pPr algn="ctr" rtl="1"/>
             <a:r>
-              <a:rPr lang="he-IL" dirty="0"/>
+              <a:rPr lang="he-IL" dirty="0">
+                <a:cs typeface="David" panose="020E0502060401010101" pitchFamily="34" charset="-79"/>
+              </a:rPr>
               <a:t>סביבת העבודה</a:t>
             </a:r>
             <a:endParaRPr lang="en-US" dirty="0"/>
@@ -3775,85 +7734,169 @@
                 <p:ph idx="1"/>
               </p:nvPr>
             </p:nvSpPr>
-            <p:spPr/>
+            <p:spPr>
+              <a:xfrm>
+                <a:off x="838200" y="1479479"/>
+                <a:ext cx="10515600" cy="4697484"/>
+              </a:xfrm>
+            </p:spPr>
             <p:txBody>
-              <a:bodyPr/>
+              <a:bodyPr>
+                <a:normAutofit/>
+              </a:bodyPr>
               <a:lstStyle/>
               <a:p>
-                <a:pPr algn="r" rtl="1"/>
-                <a:r>
-                  <a:rPr lang="he-IL" dirty="0"/>
+                <a:pPr marL="0" indent="0" algn="r" rtl="1">
+                  <a:buNone/>
+                </a:pPr>
+                <a:r>
+                  <a:rPr lang="he-IL" sz="2000" b="1" dirty="0">
+                    <a:cs typeface="David" panose="020E0502060401010101" pitchFamily="34" charset="-79"/>
+                  </a:rPr>
                   <a:t>יש </a:t>
                 </a:r>
                 <a14:m>
                   <m:oMath xmlns:m="http://schemas.openxmlformats.org/officeDocument/2006/math">
                     <m:r>
-                      <a:rPr lang="he-IL" i="1" dirty="0" smtClean="0">
+                      <a:rPr lang="he-IL" sz="2000" b="1" i="1" dirty="0" smtClean="0">
                         <a:latin typeface="Cambria Math" panose="02040503050406030204" pitchFamily="18" charset="0"/>
                       </a:rPr>
-                      <m:t>4</m:t>
+                      <m:t>𝟒</m:t>
                     </m:r>
                   </m:oMath>
                 </a14:m>
                 <a:r>
-                  <a:rPr lang="he-IL" dirty="0"/>
+                  <a:rPr lang="he-IL" sz="2000" b="1" dirty="0">
+                    <a:cs typeface="David" panose="020E0502060401010101" pitchFamily="34" charset="-79"/>
+                  </a:rPr>
                   <a:t> קבצי קוד עיקריים:</a:t>
                 </a:r>
               </a:p>
               <a:p>
                 <a:pPr lvl="1" algn="r" rtl="1"/>
                 <a:r>
-                  <a:rPr lang="en-US" dirty="0"/>
+                  <a:rPr lang="en-US" sz="2000" dirty="0"/>
                   <a:t>server.py</a:t>
                 </a:r>
                 <a:r>
-                  <a:rPr lang="he-IL" dirty="0"/>
+                  <a:rPr lang="he-IL" sz="2000" dirty="0">
+                    <a:cs typeface="David" panose="020E0502060401010101" pitchFamily="34" charset="-79"/>
+                  </a:rPr>
                   <a:t> כאן מימשנו את השרת הפשוט שלנו</a:t>
                 </a:r>
-                <a:endParaRPr lang="en-US" dirty="0"/>
+                <a:endParaRPr lang="en-US" sz="2000" dirty="0"/>
               </a:p>
               <a:p>
                 <a:pPr lvl="1" algn="r" rtl="1"/>
                 <a:r>
-                  <a:rPr lang="en-US" dirty="0"/>
+                  <a:rPr lang="en-US" sz="2000" dirty="0"/>
                   <a:t>user.py</a:t>
                 </a:r>
                 <a:r>
-                  <a:rPr lang="he-IL" dirty="0"/>
+                  <a:rPr lang="he-IL" sz="2000" dirty="0">
+                    <a:cs typeface="David" panose="020E0502060401010101" pitchFamily="34" charset="-79"/>
+                  </a:rPr>
                   <a:t> כאן מימשנו את הלקוח הפשוט שלנו</a:t>
                 </a:r>
-                <a:endParaRPr lang="en-US" dirty="0"/>
+                <a:endParaRPr lang="en-US" sz="2000" dirty="0"/>
               </a:p>
               <a:p>
                 <a:pPr lvl="1" algn="r" rtl="1"/>
                 <a:r>
-                  <a:rPr lang="en-US" dirty="0"/>
+                  <a:rPr lang="en-US" sz="2000" dirty="0"/>
                   <a:t>attempts.py</a:t>
                 </a:r>
                 <a:r>
-                  <a:rPr lang="he-IL" dirty="0"/>
+                  <a:rPr lang="he-IL" sz="2000" dirty="0">
+                    <a:cs typeface="David" panose="020E0502060401010101" pitchFamily="34" charset="-79"/>
+                  </a:rPr>
                   <a:t> כאן מימשנו סימולציות התקפות שונות</a:t>
                 </a:r>
               </a:p>
               <a:p>
                 <a:pPr lvl="1" algn="r" rtl="1"/>
                 <a:r>
-                  <a:rPr lang="en-US" dirty="0"/>
+                  <a:rPr lang="en-US" sz="2000" dirty="0"/>
                   <a:t>MetricCollector.py</a:t>
                 </a:r>
                 <a:r>
-                  <a:rPr lang="he-IL" dirty="0"/>
+                  <a:rPr lang="he-IL" sz="2000" dirty="0">
+                    <a:cs typeface="David" panose="020E0502060401010101" pitchFamily="34" charset="-79"/>
+                  </a:rPr>
                   <a:t> כאן מימשנו מחלקה </a:t>
                 </a:r>
                 <a:r>
-                  <a:rPr lang="he-IL" dirty="0" err="1"/>
+                  <a:rPr lang="he-IL" sz="2000" dirty="0" err="1">
+                    <a:cs typeface="David" panose="020E0502060401010101" pitchFamily="34" charset="-79"/>
+                  </a:rPr>
                   <a:t>שתזור</a:t>
                 </a:r>
                 <a:r>
-                  <a:rPr lang="he-IL" dirty="0"/>
+                  <a:rPr lang="he-IL" sz="2000" dirty="0">
+                    <a:cs typeface="David" panose="020E0502060401010101" pitchFamily="34" charset="-79"/>
+                  </a:rPr>
                   <a:t> לנו ביצירת הלוגים</a:t>
                 </a:r>
-                <a:endParaRPr lang="en-US" dirty="0"/>
+              </a:p>
+              <a:p>
+                <a:pPr lvl="1" algn="r" rtl="1"/>
+                <a:endParaRPr lang="he-IL" sz="2000" dirty="0">
+                  <a:cs typeface="David" panose="020E0502060401010101" pitchFamily="34" charset="-79"/>
+                </a:endParaRPr>
+              </a:p>
+              <a:p>
+                <a:pPr lvl="1" algn="r" rtl="1"/>
+                <a:endParaRPr lang="he-IL" sz="2000" dirty="0">
+                  <a:cs typeface="David" panose="020E0502060401010101" pitchFamily="34" charset="-79"/>
+                </a:endParaRPr>
+              </a:p>
+              <a:p>
+                <a:pPr marL="0" indent="0" algn="r" rtl="1">
+                  <a:buNone/>
+                </a:pPr>
+                <a:r>
+                  <a:rPr lang="he-IL" sz="2000" dirty="0">
+                    <a:cs typeface="David" panose="020E0502060401010101" pitchFamily="34" charset="-79"/>
+                  </a:rPr>
+                  <a:t>בקובץ ה-</a:t>
+                </a:r>
+                <a:r>
+                  <a:rPr lang="en-US" sz="2000" dirty="0"/>
+                  <a:t>config.py </a:t>
+                </a:r>
+                <a:endParaRPr lang="he-IL" sz="2000" dirty="0"/>
+              </a:p>
+              <a:p>
+                <a:pPr marL="0" indent="0" algn="r" rtl="1">
+                  <a:buNone/>
+                </a:pPr>
+                <a:r>
+                  <a:rPr lang="he-IL" sz="2000" dirty="0">
+                    <a:cs typeface="David" panose="020E0502060401010101" pitchFamily="34" charset="-79"/>
+                  </a:rPr>
+                  <a:t>אפשר לשנות </a:t>
+                </a:r>
+                <a:r>
+                  <a:rPr lang="he-IL" sz="2000" dirty="0" err="1">
+                    <a:cs typeface="David" panose="020E0502060401010101" pitchFamily="34" charset="-79"/>
+                  </a:rPr>
+                  <a:t>קונפיגורציות</a:t>
+                </a:r>
+                <a:r>
+                  <a:rPr lang="he-IL" sz="2000" dirty="0">
+                    <a:cs typeface="David" panose="020E0502060401010101" pitchFamily="34" charset="-79"/>
+                  </a:rPr>
+                  <a:t> שונות:</a:t>
+                </a:r>
+                <a:endParaRPr lang="en-US" sz="2000" dirty="0"/>
+              </a:p>
+              <a:p>
+                <a:pPr marL="0" indent="0" algn="r" rtl="1">
+                  <a:buNone/>
+                </a:pPr>
+                <a:endParaRPr lang="he-IL" sz="2000" dirty="0">
+                  <a:cs typeface="David" panose="020E0502060401010101" pitchFamily="34" charset="-79"/>
+                </a:endParaRPr>
               </a:p>
             </p:txBody>
           </p:sp>
@@ -3876,10 +7919,14 @@
               </p:nvPr>
             </p:nvSpPr>
             <p:spPr>
+              <a:xfrm>
+                <a:off x="838200" y="1479479"/>
+                <a:ext cx="10515600" cy="4697484"/>
+              </a:xfrm>
               <a:blipFill>
                 <a:blip r:embed="rId2"/>
                 <a:stretch>
-                  <a:fillRect t="-2381" r="-1043"/>
+                  <a:fillRect t="-1299" r="-580"/>
                 </a:stretch>
               </a:blipFill>
             </p:spPr>
@@ -3888,7 +7935,7 @@
               <a:lstStyle/>
               <a:p>
                 <a:r>
-                  <a:rPr lang="en-US">
+                  <a:rPr lang="en-IL">
                     <a:noFill/>
                   </a:rPr>
                   <a:t> </a:t>
@@ -3898,99 +7945,6 @@
           </p:sp>
         </mc:Fallback>
       </mc:AlternateContent>
-    </p:spTree>
-    <p:extLst>
-      <p:ext uri="{BB962C8B-B14F-4D97-AF65-F5344CB8AC3E}">
-        <p14:creationId xmlns:p14="http://schemas.microsoft.com/office/powerpoint/2010/main" val="3351138825"/>
-      </p:ext>
-    </p:extLst>
-  </p:cSld>
-  <p:clrMapOvr>
-    <a:masterClrMapping/>
-  </p:clrMapOvr>
-</p:sld>
-</file>
-
-<file path=ppt/slides/slide5.xml><?xml version="1.0" encoding="utf-8"?>
-<p:sld xmlns:a="http://schemas.openxmlformats.org/drawingml/2006/main" xmlns:r="http://schemas.openxmlformats.org/officeDocument/2006/relationships" xmlns:p="http://schemas.openxmlformats.org/presentationml/2006/main">
-  <p:cSld>
-    <p:spTree>
-      <p:nvGrpSpPr>
-        <p:cNvPr id="1" name=""/>
-        <p:cNvGrpSpPr/>
-        <p:nvPr/>
-      </p:nvGrpSpPr>
-      <p:grpSpPr>
-        <a:xfrm>
-          <a:off x="0" y="0"/>
-          <a:ext cx="0" cy="0"/>
-          <a:chOff x="0" y="0"/>
-          <a:chExt cx="0" cy="0"/>
-        </a:xfrm>
-      </p:grpSpPr>
-      <p:sp>
-        <p:nvSpPr>
-          <p:cNvPr id="2" name="Title 1">
-            <a:extLst>
-              <a:ext uri="{FF2B5EF4-FFF2-40B4-BE49-F238E27FC236}">
-                <a16:creationId xmlns:a16="http://schemas.microsoft.com/office/drawing/2014/main" id="{DCA1ED21-93E4-512E-E2F6-E4CDC3B3E204}"/>
-              </a:ext>
-            </a:extLst>
-          </p:cNvPr>
-          <p:cNvSpPr>
-            <a:spLocks noGrp="1"/>
-          </p:cNvSpPr>
-          <p:nvPr>
-            <p:ph type="title"/>
-          </p:nvPr>
-        </p:nvSpPr>
-        <p:spPr/>
-        <p:txBody>
-          <a:bodyPr/>
-          <a:lstStyle/>
-          <a:p>
-            <a:pPr algn="ctr" rtl="1"/>
-            <a:r>
-              <a:rPr lang="he-IL" dirty="0"/>
-              <a:t>קובץ ה-</a:t>
-            </a:r>
-            <a:r>
-              <a:rPr lang="en-US" dirty="0"/>
-              <a:t>config.py </a:t>
-            </a:r>
-          </a:p>
-        </p:txBody>
-      </p:sp>
-      <p:sp>
-        <p:nvSpPr>
-          <p:cNvPr id="3" name="Content Placeholder 2">
-            <a:extLst>
-              <a:ext uri="{FF2B5EF4-FFF2-40B4-BE49-F238E27FC236}">
-                <a16:creationId xmlns:a16="http://schemas.microsoft.com/office/drawing/2014/main" id="{D6BFDFEE-C171-15C2-209A-B66C6ADAE54B}"/>
-              </a:ext>
-            </a:extLst>
-          </p:cNvPr>
-          <p:cNvSpPr>
-            <a:spLocks noGrp="1"/>
-          </p:cNvSpPr>
-          <p:nvPr>
-            <p:ph idx="1"/>
-          </p:nvPr>
-        </p:nvSpPr>
-        <p:spPr/>
-        <p:txBody>
-          <a:bodyPr/>
-          <a:lstStyle/>
-          <a:p>
-            <a:pPr algn="r" rtl="1"/>
-            <a:r>
-              <a:rPr lang="he-IL" dirty="0"/>
-              <a:t>בקובץ זה אפשר לשנות קונפיגורציות שונות:</a:t>
-            </a:r>
-            <a:endParaRPr lang="en-US" dirty="0"/>
-          </a:p>
-        </p:txBody>
-      </p:sp>
       <p:pic>
         <p:nvPicPr>
           <p:cNvPr id="5" name="Picture 4">
@@ -4006,15 +7960,15 @@
           <p:nvPr/>
         </p:nvPicPr>
         <p:blipFill>
-          <a:blip r:embed="rId2"/>
+          <a:blip r:embed="rId3"/>
           <a:stretch>
             <a:fillRect/>
           </a:stretch>
         </p:blipFill>
         <p:spPr>
           <a:xfrm>
-            <a:off x="3981155" y="2548975"/>
-            <a:ext cx="4229690" cy="3943900"/>
+            <a:off x="4588267" y="3429000"/>
+            <a:ext cx="3468123" cy="3233791"/>
           </a:xfrm>
           <a:prstGeom prst="rect">
             <a:avLst/>
@@ -4024,483 +7978,7 @@
     </p:spTree>
     <p:extLst>
       <p:ext uri="{BB962C8B-B14F-4D97-AF65-F5344CB8AC3E}">
-        <p14:creationId xmlns:p14="http://schemas.microsoft.com/office/powerpoint/2010/main" val="681598884"/>
-      </p:ext>
-    </p:extLst>
-  </p:cSld>
-  <p:clrMapOvr>
-    <a:masterClrMapping/>
-  </p:clrMapOvr>
-</p:sld>
-</file>
-
-<file path=ppt/slides/slide6.xml><?xml version="1.0" encoding="utf-8"?>
-<p:sld xmlns:a="http://schemas.openxmlformats.org/drawingml/2006/main" xmlns:r="http://schemas.openxmlformats.org/officeDocument/2006/relationships" xmlns:p="http://schemas.openxmlformats.org/presentationml/2006/main">
-  <p:cSld>
-    <p:spTree>
-      <p:nvGrpSpPr>
-        <p:cNvPr id="1" name=""/>
-        <p:cNvGrpSpPr/>
-        <p:nvPr/>
-      </p:nvGrpSpPr>
-      <p:grpSpPr>
-        <a:xfrm>
-          <a:off x="0" y="0"/>
-          <a:ext cx="0" cy="0"/>
-          <a:chOff x="0" y="0"/>
-          <a:chExt cx="0" cy="0"/>
-        </a:xfrm>
-      </p:grpSpPr>
-      <p:sp>
-        <p:nvSpPr>
-          <p:cNvPr id="2" name="Title 1">
-            <a:extLst>
-              <a:ext uri="{FF2B5EF4-FFF2-40B4-BE49-F238E27FC236}">
-                <a16:creationId xmlns:a16="http://schemas.microsoft.com/office/drawing/2014/main" id="{EC415258-B022-8BE3-E37B-B952D81F166A}"/>
-              </a:ext>
-            </a:extLst>
-          </p:cNvPr>
-          <p:cNvSpPr>
-            <a:spLocks noGrp="1"/>
-          </p:cNvSpPr>
-          <p:nvPr>
-            <p:ph type="title"/>
-          </p:nvPr>
-        </p:nvSpPr>
-        <p:spPr/>
-        <p:txBody>
-          <a:bodyPr/>
-          <a:lstStyle/>
-          <a:p>
-            <a:pPr algn="ctr" rtl="1"/>
-            <a:r>
-              <a:rPr lang="he-IL" dirty="0"/>
-              <a:t>שחזור ניסוי כלשהו</a:t>
-            </a:r>
-            <a:endParaRPr lang="en-US" dirty="0"/>
-          </a:p>
-        </p:txBody>
-      </p:sp>
-      <p:sp>
-        <p:nvSpPr>
-          <p:cNvPr id="3" name="Content Placeholder 2">
-            <a:extLst>
-              <a:ext uri="{FF2B5EF4-FFF2-40B4-BE49-F238E27FC236}">
-                <a16:creationId xmlns:a16="http://schemas.microsoft.com/office/drawing/2014/main" id="{C901CAEA-8DB4-9800-D53E-AFA6F06CB1F6}"/>
-              </a:ext>
-            </a:extLst>
-          </p:cNvPr>
-          <p:cNvSpPr>
-            <a:spLocks noGrp="1"/>
-          </p:cNvSpPr>
-          <p:nvPr>
-            <p:ph idx="1"/>
-          </p:nvPr>
-        </p:nvSpPr>
-        <p:spPr/>
-        <p:txBody>
-          <a:bodyPr/>
-          <a:lstStyle/>
-          <a:p>
-            <a:pPr algn="r" rtl="1"/>
-            <a:r>
-              <a:rPr lang="he-IL" dirty="0"/>
-              <a:t>נצטרך קודם להוריד את כל הספריות הנדרשות, וכדי להריץ נריץ הפקודות הבאות מהקובץ </a:t>
-            </a:r>
-            <a:r>
-              <a:rPr lang="en-US" dirty="0"/>
-              <a:t>attempts.py</a:t>
-            </a:r>
-            <a:r>
-              <a:rPr lang="he-IL" dirty="0"/>
-              <a:t>:</a:t>
-            </a:r>
-          </a:p>
-          <a:p>
-            <a:pPr marL="514350" indent="-514350">
-              <a:buFont typeface="+mj-lt"/>
-              <a:buAutoNum type="arabicPeriod"/>
-            </a:pPr>
-            <a:r>
-              <a:rPr lang="en-US" dirty="0"/>
-              <a:t>a = Attempt(captcha=True)</a:t>
-            </a:r>
-          </a:p>
-          <a:p>
-            <a:pPr marL="514350" indent="-514350">
-              <a:buFont typeface="+mj-lt"/>
-              <a:buAutoNum type="arabicPeriod"/>
-            </a:pPr>
-            <a:r>
-              <a:rPr lang="en-US" dirty="0" err="1"/>
-              <a:t>a.password_spraying</a:t>
-            </a:r>
-            <a:r>
-              <a:rPr lang="en-US" dirty="0"/>
-              <a:t>() # for example</a:t>
-            </a:r>
-          </a:p>
-          <a:p>
-            <a:pPr marL="514350" indent="-514350">
-              <a:buFont typeface="+mj-lt"/>
-              <a:buAutoNum type="arabicPeriod"/>
-            </a:pPr>
-            <a:r>
-              <a:rPr lang="en-US" dirty="0" err="1"/>
-              <a:t>a.add_stats</a:t>
-            </a:r>
-            <a:r>
-              <a:rPr lang="en-US" dirty="0"/>
-              <a:t>()</a:t>
-            </a:r>
-          </a:p>
-          <a:p>
-            <a:pPr marL="0" indent="0" algn="r" rtl="1">
-              <a:buNone/>
-            </a:pPr>
-            <a:r>
-              <a:rPr lang="he-IL" dirty="0"/>
-              <a:t>זה למשל יריץ תקיפת </a:t>
-            </a:r>
-            <a:r>
-              <a:rPr lang="en-US" dirty="0"/>
-              <a:t>PS</a:t>
-            </a:r>
-            <a:r>
-              <a:rPr lang="he-IL" dirty="0"/>
-              <a:t> עם </a:t>
-            </a:r>
-            <a:r>
-              <a:rPr lang="en-US" dirty="0"/>
-              <a:t>CAPTCHA</a:t>
-            </a:r>
-            <a:r>
-              <a:rPr lang="he-IL" dirty="0"/>
-              <a:t>.</a:t>
-            </a:r>
-          </a:p>
-          <a:p>
-            <a:pPr marL="0" indent="0" algn="r" rtl="1">
-              <a:buNone/>
-            </a:pPr>
-            <a:endParaRPr lang="en-US" dirty="0"/>
-          </a:p>
-        </p:txBody>
-      </p:sp>
-    </p:spTree>
-    <p:extLst>
-      <p:ext uri="{BB962C8B-B14F-4D97-AF65-F5344CB8AC3E}">
-        <p14:creationId xmlns:p14="http://schemas.microsoft.com/office/powerpoint/2010/main" val="1927044343"/>
-      </p:ext>
-    </p:extLst>
-  </p:cSld>
-  <p:clrMapOvr>
-    <a:masterClrMapping/>
-  </p:clrMapOvr>
-</p:sld>
-</file>
-
-<file path=ppt/slides/slide7.xml><?xml version="1.0" encoding="utf-8"?>
-<p:sld xmlns:a="http://schemas.openxmlformats.org/drawingml/2006/main" xmlns:r="http://schemas.openxmlformats.org/officeDocument/2006/relationships" xmlns:p="http://schemas.openxmlformats.org/presentationml/2006/main">
-  <p:cSld>
-    <p:spTree>
-      <p:nvGrpSpPr>
-        <p:cNvPr id="1" name=""/>
-        <p:cNvGrpSpPr/>
-        <p:nvPr/>
-      </p:nvGrpSpPr>
-      <p:grpSpPr>
-        <a:xfrm>
-          <a:off x="0" y="0"/>
-          <a:ext cx="0" cy="0"/>
-          <a:chOff x="0" y="0"/>
-          <a:chExt cx="0" cy="0"/>
-        </a:xfrm>
-      </p:grpSpPr>
-      <p:sp>
-        <p:nvSpPr>
-          <p:cNvPr id="2" name="Title 1">
-            <a:extLst>
-              <a:ext uri="{FF2B5EF4-FFF2-40B4-BE49-F238E27FC236}">
-                <a16:creationId xmlns:a16="http://schemas.microsoft.com/office/drawing/2014/main" id="{552B8F38-A1BE-2BA7-F6DF-48B83E3830D8}"/>
-              </a:ext>
-            </a:extLst>
-          </p:cNvPr>
-          <p:cNvSpPr>
-            <a:spLocks noGrp="1"/>
-          </p:cNvSpPr>
-          <p:nvPr>
-            <p:ph type="title"/>
-          </p:nvPr>
-        </p:nvSpPr>
-        <p:spPr/>
-        <p:txBody>
-          <a:bodyPr/>
-          <a:lstStyle/>
-          <a:p>
-            <a:pPr algn="ctr"/>
-            <a:r>
-              <a:rPr lang="he-IL" dirty="0"/>
-              <a:t>שחזור ניסוי כלשהו</a:t>
-            </a:r>
-            <a:endParaRPr lang="en-US" dirty="0"/>
-          </a:p>
-        </p:txBody>
-      </p:sp>
-      <p:sp>
-        <p:nvSpPr>
-          <p:cNvPr id="3" name="Content Placeholder 2">
-            <a:extLst>
-              <a:ext uri="{FF2B5EF4-FFF2-40B4-BE49-F238E27FC236}">
-                <a16:creationId xmlns:a16="http://schemas.microsoft.com/office/drawing/2014/main" id="{8403092C-42F9-EA7B-955A-0223AE36C208}"/>
-              </a:ext>
-            </a:extLst>
-          </p:cNvPr>
-          <p:cNvSpPr>
-            <a:spLocks noGrp="1"/>
-          </p:cNvSpPr>
-          <p:nvPr>
-            <p:ph idx="1"/>
-          </p:nvPr>
-        </p:nvSpPr>
-        <p:spPr/>
-        <p:txBody>
-          <a:bodyPr/>
-          <a:lstStyle/>
-          <a:p>
-            <a:pPr algn="just" rtl="1"/>
-            <a:r>
-              <a:rPr lang="he-IL" dirty="0"/>
-              <a:t>אם במקום נרצה להריץ </a:t>
-            </a:r>
-            <a:r>
-              <a:rPr lang="en-US" dirty="0"/>
-              <a:t>BF </a:t>
-            </a:r>
-            <a:r>
-              <a:rPr lang="he-IL" dirty="0"/>
-              <a:t>אז צריכים לבחור משתמש כלשהו מרשימת המשתמשים </a:t>
-            </a:r>
-            <a:r>
-              <a:rPr lang="en-US" dirty="0" err="1"/>
-              <a:t>users.json</a:t>
-            </a:r>
-            <a:r>
-              <a:rPr lang="he-IL" dirty="0"/>
-              <a:t> ואז להריץ:</a:t>
-            </a:r>
-          </a:p>
-          <a:p>
-            <a:pPr marL="514350" indent="-514350" algn="just">
-              <a:buFont typeface="+mj-lt"/>
-              <a:buAutoNum type="arabicPeriod"/>
-            </a:pPr>
-            <a:r>
-              <a:rPr lang="en-US" dirty="0"/>
-              <a:t>a = Attempt(captcha=True)</a:t>
-            </a:r>
-          </a:p>
-          <a:p>
-            <a:pPr marL="514350" indent="-514350" algn="just">
-              <a:buFont typeface="+mj-lt"/>
-              <a:buAutoNum type="arabicPeriod"/>
-            </a:pPr>
-            <a:r>
-              <a:rPr lang="en-US" dirty="0" err="1"/>
-              <a:t>a.brute_force</a:t>
-            </a:r>
-            <a:r>
-              <a:rPr lang="en-US" dirty="0"/>
-              <a:t>(“</a:t>
-            </a:r>
-            <a:r>
-              <a:rPr lang="en-US" dirty="0" err="1"/>
-              <a:t>taylor</a:t>
-            </a:r>
-            <a:r>
-              <a:rPr lang="en-US" dirty="0"/>
-              <a:t>”) # for example</a:t>
-            </a:r>
-          </a:p>
-          <a:p>
-            <a:pPr marL="514350" indent="-514350" algn="just">
-              <a:buFont typeface="+mj-lt"/>
-              <a:buAutoNum type="arabicPeriod"/>
-            </a:pPr>
-            <a:r>
-              <a:rPr lang="en-US" dirty="0" err="1"/>
-              <a:t>a.add_stats</a:t>
-            </a:r>
-            <a:r>
-              <a:rPr lang="en-US" dirty="0"/>
-              <a:t>()</a:t>
-            </a:r>
-          </a:p>
-          <a:p>
-            <a:pPr marL="514350" indent="-514350" algn="just">
-              <a:buFont typeface="+mj-lt"/>
-              <a:buAutoNum type="arabicPeriod"/>
-            </a:pPr>
-            <a:endParaRPr lang="en-US" dirty="0"/>
-          </a:p>
-        </p:txBody>
-      </p:sp>
-    </p:spTree>
-    <p:extLst>
-      <p:ext uri="{BB962C8B-B14F-4D97-AF65-F5344CB8AC3E}">
-        <p14:creationId xmlns:p14="http://schemas.microsoft.com/office/powerpoint/2010/main" val="903668807"/>
-      </p:ext>
-    </p:extLst>
-  </p:cSld>
-  <p:clrMapOvr>
-    <a:masterClrMapping/>
-  </p:clrMapOvr>
-</p:sld>
-</file>
-
-<file path=ppt/slides/slide8.xml><?xml version="1.0" encoding="utf-8"?>
-<p:sld xmlns:a="http://schemas.openxmlformats.org/drawingml/2006/main" xmlns:r="http://schemas.openxmlformats.org/officeDocument/2006/relationships" xmlns:p="http://schemas.openxmlformats.org/presentationml/2006/main">
-  <p:cSld>
-    <p:spTree>
-      <p:nvGrpSpPr>
-        <p:cNvPr id="1" name=""/>
-        <p:cNvGrpSpPr/>
-        <p:nvPr/>
-      </p:nvGrpSpPr>
-      <p:grpSpPr>
-        <a:xfrm>
-          <a:off x="0" y="0"/>
-          <a:ext cx="0" cy="0"/>
-          <a:chOff x="0" y="0"/>
-          <a:chExt cx="0" cy="0"/>
-        </a:xfrm>
-      </p:grpSpPr>
-      <p:sp>
-        <p:nvSpPr>
-          <p:cNvPr id="2" name="Title 1">
-            <a:extLst>
-              <a:ext uri="{FF2B5EF4-FFF2-40B4-BE49-F238E27FC236}">
-                <a16:creationId xmlns:a16="http://schemas.microsoft.com/office/drawing/2014/main" id="{8A45E3C1-2383-283A-8FD8-CE085CA16A24}"/>
-              </a:ext>
-            </a:extLst>
-          </p:cNvPr>
-          <p:cNvSpPr>
-            <a:spLocks noGrp="1"/>
-          </p:cNvSpPr>
-          <p:nvPr>
-            <p:ph type="title"/>
-          </p:nvPr>
-        </p:nvSpPr>
-        <p:spPr/>
-        <p:txBody>
-          <a:bodyPr/>
-          <a:lstStyle/>
-          <a:p>
-            <a:pPr algn="ctr"/>
-            <a:r>
-              <a:rPr lang="he-IL" dirty="0"/>
-              <a:t>שחזור ניסוי כלשהו</a:t>
-            </a:r>
-            <a:endParaRPr lang="en-US" dirty="0"/>
-          </a:p>
-        </p:txBody>
-      </p:sp>
-      <p:sp>
-        <p:nvSpPr>
-          <p:cNvPr id="3" name="Content Placeholder 2">
-            <a:extLst>
-              <a:ext uri="{FF2B5EF4-FFF2-40B4-BE49-F238E27FC236}">
-                <a16:creationId xmlns:a16="http://schemas.microsoft.com/office/drawing/2014/main" id="{94A72D9E-81B4-53C3-50B7-3560FDCBEB68}"/>
-              </a:ext>
-            </a:extLst>
-          </p:cNvPr>
-          <p:cNvSpPr>
-            <a:spLocks noGrp="1"/>
-          </p:cNvSpPr>
-          <p:nvPr>
-            <p:ph idx="1"/>
-          </p:nvPr>
-        </p:nvSpPr>
-        <p:spPr/>
-        <p:txBody>
-          <a:bodyPr/>
-          <a:lstStyle/>
-          <a:p>
-            <a:pPr algn="just" rtl="1"/>
-            <a:r>
-              <a:rPr lang="he-IL" dirty="0"/>
-              <a:t>אם נרצה להוסיף שיטת גיבוב אז נוסיף אחד מהבאים:</a:t>
-            </a:r>
-          </a:p>
-          <a:p>
-            <a:pPr algn="just"/>
-            <a:r>
-              <a:rPr lang="en-US" dirty="0"/>
-              <a:t>argon2_hash=True</a:t>
-            </a:r>
-          </a:p>
-          <a:p>
-            <a:pPr algn="just"/>
-            <a:r>
-              <a:rPr lang="en-US" dirty="0" err="1"/>
-              <a:t>bcrypt_hash</a:t>
-            </a:r>
-            <a:r>
-              <a:rPr lang="he-IL" dirty="0"/>
-              <a:t>=</a:t>
-            </a:r>
-            <a:r>
-              <a:rPr lang="en-US" dirty="0"/>
-              <a:t>True</a:t>
-            </a:r>
-          </a:p>
-          <a:p>
-            <a:pPr algn="just"/>
-            <a:r>
-              <a:rPr lang="en-US" dirty="0"/>
-              <a:t>sha256_salt=True </a:t>
-            </a:r>
-          </a:p>
-          <a:p>
-            <a:pPr algn="just" rtl="1"/>
-            <a:r>
-              <a:rPr lang="he-IL" dirty="0"/>
-              <a:t>אם בנוסף רוצים </a:t>
-            </a:r>
-            <a:r>
-              <a:rPr lang="en-US" dirty="0"/>
-              <a:t>PEPPER</a:t>
-            </a:r>
-            <a:r>
-              <a:rPr lang="he-IL" dirty="0"/>
-              <a:t> אז מוסיפים:</a:t>
-            </a:r>
-          </a:p>
-          <a:p>
-            <a:pPr algn="just"/>
-            <a:r>
-              <a:rPr lang="en-US" dirty="0"/>
-              <a:t>pepper=True</a:t>
-            </a:r>
-          </a:p>
-          <a:p>
-            <a:pPr algn="just" rtl="1"/>
-            <a:r>
-              <a:rPr lang="he-IL" dirty="0"/>
-              <a:t>פרמטרים אלה מוסיפים כאשר מאתחלים ניסוי.</a:t>
-            </a:r>
-            <a:endParaRPr lang="en-US" dirty="0"/>
-          </a:p>
-          <a:p>
-            <a:pPr algn="just"/>
-            <a:endParaRPr lang="en-US" dirty="0"/>
-          </a:p>
-        </p:txBody>
-      </p:sp>
-    </p:spTree>
-    <p:extLst>
-      <p:ext uri="{BB962C8B-B14F-4D97-AF65-F5344CB8AC3E}">
-        <p14:creationId xmlns:p14="http://schemas.microsoft.com/office/powerpoint/2010/main" val="1940947513"/>
+        <p14:creationId xmlns:p14="http://schemas.microsoft.com/office/powerpoint/2010/main" val="3351138825"/>
       </p:ext>
     </p:extLst>
   </p:cSld>
@@ -4532,7 +8010,7 @@
           <p:cNvPr id="2" name="Title 1">
             <a:extLst>
               <a:ext uri="{FF2B5EF4-FFF2-40B4-BE49-F238E27FC236}">
-                <a16:creationId xmlns:a16="http://schemas.microsoft.com/office/drawing/2014/main" id="{FE0FA783-A817-3810-794A-DC1068CA9B46}"/>
+                <a16:creationId xmlns:a16="http://schemas.microsoft.com/office/drawing/2014/main" id="{EC415258-B022-8BE3-E37B-B952D81F166A}"/>
               </a:ext>
             </a:extLst>
           </p:cNvPr>
@@ -4548,10 +8026,12 @@
           <a:bodyPr/>
           <a:lstStyle/>
           <a:p>
-            <a:pPr algn="ctr"/>
-            <a:r>
-              <a:rPr lang="he-IL" dirty="0"/>
-              <a:t>למשל:</a:t>
+            <a:pPr algn="ctr" rtl="1"/>
+            <a:r>
+              <a:rPr lang="he-IL" dirty="0">
+                <a:cs typeface="David" panose="020E0502060401010101" pitchFamily="34" charset="-79"/>
+              </a:rPr>
+              <a:t>שחזור ניסוי</a:t>
             </a:r>
             <a:endParaRPr lang="en-US" dirty="0"/>
           </a:p>
@@ -4562,7 +8042,7 @@
           <p:cNvPr id="3" name="Content Placeholder 2">
             <a:extLst>
               <a:ext uri="{FF2B5EF4-FFF2-40B4-BE49-F238E27FC236}">
-                <a16:creationId xmlns:a16="http://schemas.microsoft.com/office/drawing/2014/main" id="{A18E7863-EB45-0BDE-C79A-3CAD13FAD876}"/>
+                <a16:creationId xmlns:a16="http://schemas.microsoft.com/office/drawing/2014/main" id="{C901CAEA-8DB4-9800-D53E-AFA6F06CB1F6}"/>
               </a:ext>
             </a:extLst>
           </p:cNvPr>
@@ -4573,46 +8053,155 @@
             <p:ph idx="1"/>
           </p:nvPr>
         </p:nvSpPr>
-        <p:spPr>
-          <a:xfrm>
-            <a:off x="457932" y="1690688"/>
-            <a:ext cx="11276136" cy="4468690"/>
-          </a:xfrm>
-        </p:spPr>
+        <p:spPr/>
         <p:txBody>
           <a:bodyPr>
             <a:normAutofit/>
           </a:bodyPr>
           <a:lstStyle/>
           <a:p>
+            <a:pPr algn="r" rtl="1"/>
+            <a:r>
+              <a:rPr lang="he-IL" sz="2000" dirty="0">
+                <a:cs typeface="David" panose="020E0502060401010101" pitchFamily="34" charset="-79"/>
+              </a:rPr>
+              <a:t>נצטרך קודם להוריד את כל הספריות הנדרשות, ואז נריץ הפקודות הבאות מהקובץ </a:t>
+            </a:r>
+            <a:r>
+              <a:rPr lang="en-US" sz="2000" dirty="0">
+                <a:cs typeface="David" panose="020E0502060401010101" pitchFamily="34" charset="-79"/>
+              </a:rPr>
+              <a:t>attempts.py</a:t>
+            </a:r>
+            <a:r>
+              <a:rPr lang="he-IL" sz="2000" dirty="0">
+                <a:cs typeface="David" panose="020E0502060401010101" pitchFamily="34" charset="-79"/>
+              </a:rPr>
+              <a:t>:</a:t>
+            </a:r>
+          </a:p>
+          <a:p>
+            <a:pPr marL="514350" indent="-514350">
+              <a:buFont typeface="+mj-lt"/>
+              <a:buAutoNum type="arabicPeriod"/>
+            </a:pPr>
+            <a:r>
+              <a:rPr lang="en-US" sz="2000" dirty="0">
+                <a:cs typeface="David" panose="020E0502060401010101" pitchFamily="34" charset="-79"/>
+              </a:rPr>
+              <a:t>a = Attempt(captcha=True)</a:t>
+            </a:r>
+          </a:p>
+          <a:p>
+            <a:pPr marL="514350" indent="-514350">
+              <a:buFont typeface="+mj-lt"/>
+              <a:buAutoNum type="arabicPeriod"/>
+            </a:pPr>
+            <a:r>
+              <a:rPr lang="en-US" sz="2000" dirty="0" err="1">
+                <a:cs typeface="David" panose="020E0502060401010101" pitchFamily="34" charset="-79"/>
+              </a:rPr>
+              <a:t>a.password_spraying</a:t>
+            </a:r>
+            <a:r>
+              <a:rPr lang="en-US" sz="2000" dirty="0">
+                <a:cs typeface="David" panose="020E0502060401010101" pitchFamily="34" charset="-79"/>
+              </a:rPr>
+              <a:t>() # for example</a:t>
+            </a:r>
+          </a:p>
+          <a:p>
+            <a:pPr marL="514350" indent="-514350">
+              <a:buFont typeface="+mj-lt"/>
+              <a:buAutoNum type="arabicPeriod"/>
+            </a:pPr>
+            <a:r>
+              <a:rPr lang="en-US" sz="2000" dirty="0" err="1">
+                <a:cs typeface="David" panose="020E0502060401010101" pitchFamily="34" charset="-79"/>
+              </a:rPr>
+              <a:t>a.add_stats</a:t>
+            </a:r>
+            <a:r>
+              <a:rPr lang="en-US" sz="2000" dirty="0">
+                <a:cs typeface="David" panose="020E0502060401010101" pitchFamily="34" charset="-79"/>
+              </a:rPr>
+              <a:t>()</a:t>
+            </a:r>
+          </a:p>
+          <a:p>
+            <a:pPr marL="0" indent="0" algn="r" rtl="1">
+              <a:buNone/>
+            </a:pPr>
+            <a:r>
+              <a:rPr lang="he-IL" sz="2000" dirty="0">
+                <a:cs typeface="David" panose="020E0502060401010101" pitchFamily="34" charset="-79"/>
+              </a:rPr>
+              <a:t>כך למשל ניתן להריץ תקיפת </a:t>
+            </a:r>
+            <a:r>
+              <a:rPr lang="en-US" sz="2000" dirty="0">
+                <a:cs typeface="David" panose="020E0502060401010101" pitchFamily="34" charset="-79"/>
+              </a:rPr>
+              <a:t>PS</a:t>
+            </a:r>
+            <a:r>
+              <a:rPr lang="he-IL" sz="2000" dirty="0">
+                <a:cs typeface="David" panose="020E0502060401010101" pitchFamily="34" charset="-79"/>
+              </a:rPr>
+              <a:t> עם </a:t>
+            </a:r>
+            <a:r>
+              <a:rPr lang="en-US" sz="2000" dirty="0">
+                <a:cs typeface="David" panose="020E0502060401010101" pitchFamily="34" charset="-79"/>
+              </a:rPr>
+              <a:t>CAPTCHA</a:t>
+            </a:r>
+            <a:r>
+              <a:rPr lang="he-IL" sz="2000" dirty="0">
+                <a:cs typeface="David" panose="020E0502060401010101" pitchFamily="34" charset="-79"/>
+              </a:rPr>
+              <a:t>.</a:t>
+            </a:r>
+          </a:p>
+          <a:p>
+            <a:pPr marL="0" indent="0" algn="r" rtl="1">
+              <a:buNone/>
+            </a:pPr>
+            <a:endParaRPr lang="he-IL" sz="2000" dirty="0">
+              <a:cs typeface="David" panose="020E0502060401010101" pitchFamily="34" charset="-79"/>
+            </a:endParaRPr>
+          </a:p>
+          <a:p>
             <a:pPr algn="just" rtl="1"/>
             <a:r>
-              <a:rPr lang="he-IL" dirty="0"/>
-              <a:t>אם רוצים </a:t>
-            </a:r>
-            <a:r>
-              <a:rPr lang="en-US" dirty="0"/>
-              <a:t>argon</a:t>
-            </a:r>
-            <a:r>
-              <a:rPr lang="he-IL" dirty="0"/>
-              <a:t> עם </a:t>
-            </a:r>
-            <a:r>
-              <a:rPr lang="en-US" dirty="0"/>
-              <a:t>PEPPER</a:t>
-            </a:r>
-            <a:r>
-              <a:rPr lang="he-IL" dirty="0"/>
-              <a:t> עם </a:t>
-            </a:r>
-            <a:r>
-              <a:rPr lang="en-US" dirty="0"/>
-              <a:t>lockout</a:t>
-            </a:r>
-            <a:r>
-              <a:rPr lang="he-IL" dirty="0"/>
-              <a:t> נריץ:</a:t>
+              <a:rPr lang="he-IL" sz="2000" dirty="0">
+                <a:cs typeface="David" panose="020E0502060401010101" pitchFamily="34" charset="-79"/>
+              </a:rPr>
+              <a:t>אם במקום נרצה להריץ</a:t>
+            </a:r>
+            <a:r>
+              <a:rPr lang="en-US" sz="2000" dirty="0">
+                <a:cs typeface="David" panose="020E0502060401010101" pitchFamily="34" charset="-79"/>
+              </a:rPr>
+              <a:t>BF</a:t>
+            </a:r>
+            <a:r>
+              <a:rPr lang="he-IL" sz="2000" dirty="0">
+                <a:cs typeface="David" panose="020E0502060401010101" pitchFamily="34" charset="-79"/>
+              </a:rPr>
+              <a:t> אז צריכים לבחור משתמש כלשהו מרשימת המשתמשים </a:t>
+            </a:r>
+            <a:r>
+              <a:rPr lang="en-US" sz="2000" dirty="0" err="1">
+                <a:cs typeface="David" panose="020E0502060401010101" pitchFamily="34" charset="-79"/>
+              </a:rPr>
+              <a:t>users.json</a:t>
+            </a:r>
+            <a:r>
+              <a:rPr lang="he-IL" sz="2000" dirty="0">
+                <a:cs typeface="David" panose="020E0502060401010101" pitchFamily="34" charset="-79"/>
+              </a:rPr>
+              <a:t> ואז להריץ:</a:t>
             </a:r>
           </a:p>
           <a:p>
@@ -4621,16 +8210,10 @@
               <a:buAutoNum type="arabicPeriod"/>
             </a:pPr>
             <a:r>
-              <a:rPr lang="en-US" dirty="0"/>
-              <a:t>a = Attempt(argon2_hash=True, pepper</a:t>
-            </a:r>
-            <a:r>
-              <a:rPr lang="he-IL" dirty="0"/>
-              <a:t>=</a:t>
-            </a:r>
-            <a:r>
-              <a:rPr lang="en-US" dirty="0"/>
-              <a:t>True, lockout=True)</a:t>
+              <a:rPr lang="en-US" sz="2000" dirty="0">
+                <a:cs typeface="David" panose="020E0502060401010101" pitchFamily="34" charset="-79"/>
+              </a:rPr>
+              <a:t>a = Attempt(captcha=True)</a:t>
             </a:r>
           </a:p>
           <a:p>
@@ -4639,30 +8222,29 @@
               <a:buAutoNum type="arabicPeriod"/>
             </a:pPr>
             <a:r>
-              <a:rPr lang="en-US" dirty="0" err="1"/>
+              <a:rPr lang="en-US" sz="2000" dirty="0" err="1">
+                <a:cs typeface="David" panose="020E0502060401010101" pitchFamily="34" charset="-79"/>
+              </a:rPr>
               <a:t>a.brute_force</a:t>
             </a:r>
             <a:r>
-              <a:rPr lang="en-US" dirty="0"/>
-              <a:t>("</a:t>
-            </a:r>
-            <a:r>
-              <a:rPr lang="en-US" dirty="0" err="1"/>
+              <a:rPr lang="en-US" sz="2000" dirty="0">
+                <a:cs typeface="David" panose="020E0502060401010101" pitchFamily="34" charset="-79"/>
+              </a:rPr>
+              <a:t>(“</a:t>
+            </a:r>
+            <a:r>
+              <a:rPr lang="en-US" sz="2000" dirty="0" err="1">
+                <a:cs typeface="David" panose="020E0502060401010101" pitchFamily="34" charset="-79"/>
+              </a:rPr>
               <a:t>taylor</a:t>
             </a:r>
             <a:r>
-              <a:rPr lang="en-US" dirty="0"/>
-              <a:t>") # </a:t>
-            </a:r>
-            <a:r>
-              <a:rPr lang="en-US" dirty="0" err="1"/>
-              <a:t>a.brute_force</a:t>
-            </a:r>
-            <a:r>
-              <a:rPr lang="en-US" dirty="0"/>
-              <a:t>("max") # Medium password</a:t>
-            </a:r>
-            <a:endParaRPr lang="he-IL" dirty="0"/>
+              <a:rPr lang="en-US" sz="2000" dirty="0">
+                <a:cs typeface="David" panose="020E0502060401010101" pitchFamily="34" charset="-79"/>
+              </a:rPr>
+              <a:t>”) # for example</a:t>
+            </a:r>
           </a:p>
           <a:p>
             <a:pPr marL="514350" indent="-514350" algn="just">
@@ -4670,27 +8252,16 @@
               <a:buAutoNum type="arabicPeriod"/>
             </a:pPr>
             <a:r>
-              <a:rPr lang="en-US" dirty="0" err="1"/>
+              <a:rPr lang="en-US" sz="2000" dirty="0" err="1">
+                <a:cs typeface="David" panose="020E0502060401010101" pitchFamily="34" charset="-79"/>
+              </a:rPr>
               <a:t>a.add_stats</a:t>
             </a:r>
             <a:r>
-              <a:rPr lang="en-US" dirty="0"/>
+              <a:rPr lang="en-US" sz="2000" dirty="0">
+                <a:cs typeface="David" panose="020E0502060401010101" pitchFamily="34" charset="-79"/>
+              </a:rPr>
               <a:t>()</a:t>
-            </a:r>
-          </a:p>
-          <a:p>
-            <a:pPr algn="just" rtl="1"/>
-            <a:r>
-              <a:rPr lang="he-IL" dirty="0"/>
-              <a:t>אם בנוסף רוצים </a:t>
-            </a:r>
-            <a:r>
-              <a:rPr lang="en-US" dirty="0"/>
-              <a:t>TOTP</a:t>
-            </a:r>
-            <a:r>
-              <a:rPr lang="he-IL" dirty="0"/>
-              <a:t>:</a:t>
             </a:r>
           </a:p>
           <a:p>
@@ -4698,74 +8269,32 @@
               <a:buFont typeface="+mj-lt"/>
               <a:buAutoNum type="arabicPeriod"/>
             </a:pPr>
-            <a:r>
-              <a:rPr lang="en-US" dirty="0"/>
-              <a:t>a = Attempt(argon2_hash=True, pepper</a:t>
-            </a:r>
-            <a:r>
-              <a:rPr lang="he-IL" dirty="0"/>
-              <a:t>=</a:t>
-            </a:r>
-            <a:r>
-              <a:rPr lang="en-US" dirty="0"/>
-              <a:t>True, lockout=True, TOTP=True)</a:t>
-            </a:r>
-          </a:p>
-          <a:p>
-            <a:pPr marL="514350" indent="-514350" algn="just">
-              <a:buFont typeface="+mj-lt"/>
-              <a:buAutoNum type="arabicPeriod"/>
+            <a:endParaRPr lang="en-US" sz="2000" dirty="0">
+              <a:cs typeface="David" panose="020E0502060401010101" pitchFamily="34" charset="-79"/>
+            </a:endParaRPr>
+          </a:p>
+          <a:p>
+            <a:pPr marL="0" indent="0" algn="r" rtl="1">
+              <a:buNone/>
             </a:pPr>
-            <a:r>
-              <a:rPr lang="en-US" dirty="0" err="1"/>
-              <a:t>a.brute_force</a:t>
-            </a:r>
-            <a:r>
-              <a:rPr lang="en-US" dirty="0"/>
-              <a:t>("</a:t>
-            </a:r>
-            <a:r>
-              <a:rPr lang="en-US" dirty="0" err="1"/>
-              <a:t>taylor</a:t>
-            </a:r>
-            <a:r>
-              <a:rPr lang="en-US" dirty="0"/>
-              <a:t>") # </a:t>
-            </a:r>
-            <a:r>
-              <a:rPr lang="en-US" dirty="0" err="1"/>
-              <a:t>a.brute_force</a:t>
-            </a:r>
-            <a:r>
-              <a:rPr lang="en-US" dirty="0"/>
-              <a:t>("max") # Medium password</a:t>
-            </a:r>
-            <a:endParaRPr lang="he-IL" dirty="0"/>
-          </a:p>
-          <a:p>
-            <a:pPr marL="514350" indent="-514350" algn="just">
-              <a:buFont typeface="+mj-lt"/>
-              <a:buAutoNum type="arabicPeriod"/>
+            <a:endParaRPr lang="he-IL" sz="2000" dirty="0">
+              <a:cs typeface="David" panose="020E0502060401010101" pitchFamily="34" charset="-79"/>
+            </a:endParaRPr>
+          </a:p>
+          <a:p>
+            <a:pPr marL="0" indent="0" algn="r" rtl="1">
+              <a:buNone/>
             </a:pPr>
-            <a:r>
-              <a:rPr lang="en-US" dirty="0" err="1"/>
-              <a:t>a.add_stats</a:t>
-            </a:r>
-            <a:r>
-              <a:rPr lang="en-US" dirty="0"/>
-              <a:t>()</a:t>
-            </a:r>
-          </a:p>
-          <a:p>
-            <a:pPr algn="just" rtl="1"/>
-            <a:endParaRPr lang="en-US" dirty="0"/>
+            <a:endParaRPr lang="en-US" sz="2000" dirty="0">
+              <a:cs typeface="David" panose="020E0502060401010101" pitchFamily="34" charset="-79"/>
+            </a:endParaRPr>
           </a:p>
         </p:txBody>
       </p:sp>
     </p:spTree>
     <p:extLst>
       <p:ext uri="{BB962C8B-B14F-4D97-AF65-F5344CB8AC3E}">
-        <p14:creationId xmlns:p14="http://schemas.microsoft.com/office/powerpoint/2010/main" val="1018633884"/>
+        <p14:creationId xmlns:p14="http://schemas.microsoft.com/office/powerpoint/2010/main" val="1927044343"/>
       </p:ext>
     </p:extLst>
   </p:cSld>
